--- a/doc-src/DiagramsInSkosApiHomepage.pptx
+++ b/doc-src/DiagramsInSkosApiHomepage.pptx
@@ -252,7 +252,7 @@
           <a:p>
             <a:fld id="{33122284-D4E9-4A6F-A8AE-AB3E09BA58B7}" type="datetimeFigureOut">
               <a:rPr lang="en-US" smtClean="0"/>
-              <a:t>25-Nov-21</a:t>
+              <a:t>26-Jan-22</a:t>
             </a:fld>
             <a:endParaRPr lang="en-US"/>
           </a:p>
@@ -422,7 +422,7 @@
           <a:p>
             <a:fld id="{33122284-D4E9-4A6F-A8AE-AB3E09BA58B7}" type="datetimeFigureOut">
               <a:rPr lang="en-US" smtClean="0"/>
-              <a:t>25-Nov-21</a:t>
+              <a:t>26-Jan-22</a:t>
             </a:fld>
             <a:endParaRPr lang="en-US"/>
           </a:p>
@@ -602,7 +602,7 @@
           <a:p>
             <a:fld id="{33122284-D4E9-4A6F-A8AE-AB3E09BA58B7}" type="datetimeFigureOut">
               <a:rPr lang="en-US" smtClean="0"/>
-              <a:t>25-Nov-21</a:t>
+              <a:t>26-Jan-22</a:t>
             </a:fld>
             <a:endParaRPr lang="en-US"/>
           </a:p>
@@ -772,7 +772,7 @@
           <a:p>
             <a:fld id="{33122284-D4E9-4A6F-A8AE-AB3E09BA58B7}" type="datetimeFigureOut">
               <a:rPr lang="en-US" smtClean="0"/>
-              <a:t>25-Nov-21</a:t>
+              <a:t>26-Jan-22</a:t>
             </a:fld>
             <a:endParaRPr lang="en-US"/>
           </a:p>
@@ -1018,7 +1018,7 @@
           <a:p>
             <a:fld id="{33122284-D4E9-4A6F-A8AE-AB3E09BA58B7}" type="datetimeFigureOut">
               <a:rPr lang="en-US" smtClean="0"/>
-              <a:t>25-Nov-21</a:t>
+              <a:t>26-Jan-22</a:t>
             </a:fld>
             <a:endParaRPr lang="en-US"/>
           </a:p>
@@ -1250,7 +1250,7 @@
           <a:p>
             <a:fld id="{33122284-D4E9-4A6F-A8AE-AB3E09BA58B7}" type="datetimeFigureOut">
               <a:rPr lang="en-US" smtClean="0"/>
-              <a:t>25-Nov-21</a:t>
+              <a:t>26-Jan-22</a:t>
             </a:fld>
             <a:endParaRPr lang="en-US"/>
           </a:p>
@@ -1617,7 +1617,7 @@
           <a:p>
             <a:fld id="{33122284-D4E9-4A6F-A8AE-AB3E09BA58B7}" type="datetimeFigureOut">
               <a:rPr lang="en-US" smtClean="0"/>
-              <a:t>25-Nov-21</a:t>
+              <a:t>26-Jan-22</a:t>
             </a:fld>
             <a:endParaRPr lang="en-US"/>
           </a:p>
@@ -1735,7 +1735,7 @@
           <a:p>
             <a:fld id="{33122284-D4E9-4A6F-A8AE-AB3E09BA58B7}" type="datetimeFigureOut">
               <a:rPr lang="en-US" smtClean="0"/>
-              <a:t>25-Nov-21</a:t>
+              <a:t>26-Jan-22</a:t>
             </a:fld>
             <a:endParaRPr lang="en-US"/>
           </a:p>
@@ -1830,7 +1830,7 @@
           <a:p>
             <a:fld id="{33122284-D4E9-4A6F-A8AE-AB3E09BA58B7}" type="datetimeFigureOut">
               <a:rPr lang="en-US" smtClean="0"/>
-              <a:t>25-Nov-21</a:t>
+              <a:t>26-Jan-22</a:t>
             </a:fld>
             <a:endParaRPr lang="en-US"/>
           </a:p>
@@ -2107,7 +2107,7 @@
           <a:p>
             <a:fld id="{33122284-D4E9-4A6F-A8AE-AB3E09BA58B7}" type="datetimeFigureOut">
               <a:rPr lang="en-US" smtClean="0"/>
-              <a:t>25-Nov-21</a:t>
+              <a:t>26-Jan-22</a:t>
             </a:fld>
             <a:endParaRPr lang="en-US"/>
           </a:p>
@@ -2360,7 +2360,7 @@
           <a:p>
             <a:fld id="{33122284-D4E9-4A6F-A8AE-AB3E09BA58B7}" type="datetimeFigureOut">
               <a:rPr lang="en-US" smtClean="0"/>
-              <a:t>25-Nov-21</a:t>
+              <a:t>26-Jan-22</a:t>
             </a:fld>
             <a:endParaRPr lang="en-US"/>
           </a:p>
@@ -2573,7 +2573,7 @@
           <a:p>
             <a:fld id="{33122284-D4E9-4A6F-A8AE-AB3E09BA58B7}" type="datetimeFigureOut">
               <a:rPr lang="en-US" smtClean="0"/>
-              <a:t>25-Nov-21</a:t>
+              <a:t>26-Jan-22</a:t>
             </a:fld>
             <a:endParaRPr lang="en-US"/>
           </a:p>
@@ -3062,8 +3062,8 @@
         </p:nvSpPr>
         <p:spPr>
           <a:xfrm>
-            <a:off x="5210898" y="1569390"/>
-            <a:ext cx="1920240" cy="830510"/>
+            <a:off x="5106290" y="1569390"/>
+            <a:ext cx="2141798" cy="830510"/>
           </a:xfrm>
           <a:prstGeom prst="rect">
             <a:avLst/>
@@ -3092,7 +3092,7 @@
             <a:pPr algn="ctr"/>
             <a:r>
               <a:rPr lang="nl-BE" dirty="0" smtClean="0"/>
-              <a:t>onderwijsniveau1</a:t>
+              <a:t>onderwijsstructuur1</a:t>
             </a:r>
             <a:endParaRPr lang="en-US" dirty="0"/>
           </a:p>
@@ -3106,8 +3106,8 @@
         </p:nvSpPr>
         <p:spPr>
           <a:xfrm>
-            <a:off x="5703266" y="2889737"/>
-            <a:ext cx="1920240" cy="830510"/>
+            <a:off x="5553512" y="2889737"/>
+            <a:ext cx="2130804" cy="830510"/>
           </a:xfrm>
           <a:prstGeom prst="rect">
             <a:avLst/>
@@ -3136,7 +3136,7 @@
             <a:pPr algn="ctr"/>
             <a:r>
               <a:rPr lang="nl-BE" dirty="0" smtClean="0"/>
-              <a:t>onderwijsniveau2</a:t>
+              <a:t>onderwijsstructuur2</a:t>
             </a:r>
             <a:endParaRPr lang="en-US" dirty="0"/>
           </a:p>
@@ -3150,8 +3150,8 @@
         </p:nvSpPr>
         <p:spPr>
           <a:xfrm>
-            <a:off x="6182892" y="4176881"/>
-            <a:ext cx="1920240" cy="830510"/>
+            <a:off x="6115573" y="4176881"/>
+            <a:ext cx="2072081" cy="830510"/>
           </a:xfrm>
           <a:prstGeom prst="rect">
             <a:avLst/>
@@ -3180,7 +3180,7 @@
             <a:pPr algn="ctr"/>
             <a:r>
               <a:rPr lang="nl-BE" dirty="0" smtClean="0"/>
-              <a:t>onderwijsniveau3</a:t>
+              <a:t>onderwijsstructuur3</a:t>
             </a:r>
             <a:endParaRPr lang="en-US" dirty="0"/>
           </a:p>
@@ -3197,8 +3197,8 @@
         </p:nvCxnSpPr>
         <p:spPr>
           <a:xfrm rot="16200000" flipV="1">
-            <a:off x="6245742" y="2407830"/>
-            <a:ext cx="489837" cy="473977"/>
+            <a:off x="6153134" y="2423956"/>
+            <a:ext cx="489837" cy="441725"/>
           </a:xfrm>
           <a:prstGeom prst="curvedConnector3">
             <a:avLst/>
@@ -3233,8 +3233,8 @@
         </p:nvCxnSpPr>
         <p:spPr>
           <a:xfrm rot="16200000" flipV="1">
-            <a:off x="6714650" y="3733245"/>
-            <a:ext cx="456634" cy="430637"/>
+            <a:off x="6656947" y="3682214"/>
+            <a:ext cx="456634" cy="532700"/>
           </a:xfrm>
           <a:prstGeom prst="curvedConnector3">
             <a:avLst/>
@@ -3599,7 +3599,7 @@
           </a:xfrm>
           <a:prstGeom prst="curvedConnector3">
             <a:avLst>
-              <a:gd name="adj1" fmla="val 84452"/>
+              <a:gd name="adj1" fmla="val 84918"/>
             </a:avLst>
           </a:prstGeom>
           <a:ln>
@@ -3798,7 +3798,7 @@
         <p:spPr>
           <a:xfrm>
             <a:off x="3731827" y="3298640"/>
-            <a:ext cx="1971439" cy="6352"/>
+            <a:ext cx="1821685" cy="6352"/>
           </a:xfrm>
           <a:prstGeom prst="curvedConnector3">
             <a:avLst>

--- a/doc-src/DiagramsInSkosApiHomepage.pptx
+++ b/doc-src/DiagramsInSkosApiHomepage.pptx
@@ -10,11 +10,15 @@
     <p:sldId id="258" r:id="rId4"/>
     <p:sldId id="266" r:id="rId5"/>
     <p:sldId id="265" r:id="rId6"/>
-    <p:sldId id="267" r:id="rId7"/>
-    <p:sldId id="262" r:id="rId8"/>
-    <p:sldId id="268" r:id="rId9"/>
-    <p:sldId id="269" r:id="rId10"/>
-    <p:sldId id="270" r:id="rId11"/>
+    <p:sldId id="272" r:id="rId7"/>
+    <p:sldId id="267" r:id="rId8"/>
+    <p:sldId id="271" r:id="rId9"/>
+    <p:sldId id="262" r:id="rId10"/>
+    <p:sldId id="268" r:id="rId11"/>
+    <p:sldId id="273" r:id="rId12"/>
+    <p:sldId id="269" r:id="rId13"/>
+    <p:sldId id="274" r:id="rId14"/>
+    <p:sldId id="270" r:id="rId15"/>
   </p:sldIdLst>
   <p:sldSz cx="12192000" cy="6858000"/>
   <p:notesSz cx="6858000" cy="9144000"/>
@@ -252,7 +256,7 @@
           <a:p>
             <a:fld id="{33122284-D4E9-4A6F-A8AE-AB3E09BA58B7}" type="datetimeFigureOut">
               <a:rPr lang="en-US" smtClean="0"/>
-              <a:t>26-Jan-22</a:t>
+              <a:t>14-Feb-22</a:t>
             </a:fld>
             <a:endParaRPr lang="en-US"/>
           </a:p>
@@ -422,7 +426,7 @@
           <a:p>
             <a:fld id="{33122284-D4E9-4A6F-A8AE-AB3E09BA58B7}" type="datetimeFigureOut">
               <a:rPr lang="en-US" smtClean="0"/>
-              <a:t>26-Jan-22</a:t>
+              <a:t>14-Feb-22</a:t>
             </a:fld>
             <a:endParaRPr lang="en-US"/>
           </a:p>
@@ -602,7 +606,7 @@
           <a:p>
             <a:fld id="{33122284-D4E9-4A6F-A8AE-AB3E09BA58B7}" type="datetimeFigureOut">
               <a:rPr lang="en-US" smtClean="0"/>
-              <a:t>26-Jan-22</a:t>
+              <a:t>14-Feb-22</a:t>
             </a:fld>
             <a:endParaRPr lang="en-US"/>
           </a:p>
@@ -772,7 +776,7 @@
           <a:p>
             <a:fld id="{33122284-D4E9-4A6F-A8AE-AB3E09BA58B7}" type="datetimeFigureOut">
               <a:rPr lang="en-US" smtClean="0"/>
-              <a:t>26-Jan-22</a:t>
+              <a:t>14-Feb-22</a:t>
             </a:fld>
             <a:endParaRPr lang="en-US"/>
           </a:p>
@@ -1018,7 +1022,7 @@
           <a:p>
             <a:fld id="{33122284-D4E9-4A6F-A8AE-AB3E09BA58B7}" type="datetimeFigureOut">
               <a:rPr lang="en-US" smtClean="0"/>
-              <a:t>26-Jan-22</a:t>
+              <a:t>14-Feb-22</a:t>
             </a:fld>
             <a:endParaRPr lang="en-US"/>
           </a:p>
@@ -1250,7 +1254,7 @@
           <a:p>
             <a:fld id="{33122284-D4E9-4A6F-A8AE-AB3E09BA58B7}" type="datetimeFigureOut">
               <a:rPr lang="en-US" smtClean="0"/>
-              <a:t>26-Jan-22</a:t>
+              <a:t>14-Feb-22</a:t>
             </a:fld>
             <a:endParaRPr lang="en-US"/>
           </a:p>
@@ -1617,7 +1621,7 @@
           <a:p>
             <a:fld id="{33122284-D4E9-4A6F-A8AE-AB3E09BA58B7}" type="datetimeFigureOut">
               <a:rPr lang="en-US" smtClean="0"/>
-              <a:t>26-Jan-22</a:t>
+              <a:t>14-Feb-22</a:t>
             </a:fld>
             <a:endParaRPr lang="en-US"/>
           </a:p>
@@ -1735,7 +1739,7 @@
           <a:p>
             <a:fld id="{33122284-D4E9-4A6F-A8AE-AB3E09BA58B7}" type="datetimeFigureOut">
               <a:rPr lang="en-US" smtClean="0"/>
-              <a:t>26-Jan-22</a:t>
+              <a:t>14-Feb-22</a:t>
             </a:fld>
             <a:endParaRPr lang="en-US"/>
           </a:p>
@@ -1830,7 +1834,7 @@
           <a:p>
             <a:fld id="{33122284-D4E9-4A6F-A8AE-AB3E09BA58B7}" type="datetimeFigureOut">
               <a:rPr lang="en-US" smtClean="0"/>
-              <a:t>26-Jan-22</a:t>
+              <a:t>14-Feb-22</a:t>
             </a:fld>
             <a:endParaRPr lang="en-US"/>
           </a:p>
@@ -2107,7 +2111,7 @@
           <a:p>
             <a:fld id="{33122284-D4E9-4A6F-A8AE-AB3E09BA58B7}" type="datetimeFigureOut">
               <a:rPr lang="en-US" smtClean="0"/>
-              <a:t>26-Jan-22</a:t>
+              <a:t>14-Feb-22</a:t>
             </a:fld>
             <a:endParaRPr lang="en-US"/>
           </a:p>
@@ -2360,7 +2364,7 @@
           <a:p>
             <a:fld id="{33122284-D4E9-4A6F-A8AE-AB3E09BA58B7}" type="datetimeFigureOut">
               <a:rPr lang="en-US" smtClean="0"/>
-              <a:t>26-Jan-22</a:t>
+              <a:t>14-Feb-22</a:t>
             </a:fld>
             <a:endParaRPr lang="en-US"/>
           </a:p>
@@ -2573,7 +2577,7 @@
           <a:p>
             <a:fld id="{33122284-D4E9-4A6F-A8AE-AB3E09BA58B7}" type="datetimeFigureOut">
               <a:rPr lang="en-US" smtClean="0"/>
-              <a:t>26-Jan-22</a:t>
+              <a:t>14-Feb-22</a:t>
             </a:fld>
             <a:endParaRPr lang="en-US"/>
           </a:p>
@@ -3056,6 +3060,1860 @@
       </p:grpSpPr>
       <p:sp>
         <p:nvSpPr>
+          <p:cNvPr id="2" name="Title 1"/>
+          <p:cNvSpPr>
+            <a:spLocks noGrp="1"/>
+          </p:cNvSpPr>
+          <p:nvPr>
+            <p:ph type="title"/>
+          </p:nvPr>
+        </p:nvSpPr>
+        <p:spPr/>
+        <p:txBody>
+          <a:bodyPr/>
+          <a:lstStyle/>
+          <a:p>
+            <a:r>
+              <a:rPr lang="nl-BE" dirty="0" smtClean="0"/>
+              <a:t>Onderwijsdoelen</a:t>
+            </a:r>
+            <a:endParaRPr lang="en-US" dirty="0"/>
+          </a:p>
+        </p:txBody>
+      </p:sp>
+      <p:sp>
+        <p:nvSpPr>
+          <p:cNvPr id="3" name="Content Placeholder 2"/>
+          <p:cNvSpPr>
+            <a:spLocks noGrp="1"/>
+          </p:cNvSpPr>
+          <p:nvPr>
+            <p:ph idx="1"/>
+          </p:nvPr>
+        </p:nvSpPr>
+        <p:spPr/>
+        <p:txBody>
+          <a:bodyPr/>
+          <a:lstStyle/>
+          <a:p>
+            <a:endParaRPr lang="en-US" dirty="0"/>
+          </a:p>
+        </p:txBody>
+      </p:sp>
+    </p:spTree>
+    <p:extLst>
+      <p:ext uri="{BB962C8B-B14F-4D97-AF65-F5344CB8AC3E}">
+        <p14:creationId xmlns:p14="http://schemas.microsoft.com/office/powerpoint/2010/main" val="1733495430"/>
+      </p:ext>
+    </p:extLst>
+  </p:cSld>
+  <p:clrMapOvr>
+    <a:masterClrMapping/>
+  </p:clrMapOvr>
+</p:sld>
+</file>
+
+<file path=ppt/slides/slide11.xml><?xml version="1.0" encoding="utf-8"?>
+<p:sld xmlns:a="http://schemas.openxmlformats.org/drawingml/2006/main" xmlns:r="http://schemas.openxmlformats.org/officeDocument/2006/relationships" xmlns:p="http://schemas.openxmlformats.org/presentationml/2006/main">
+  <p:cSld>
+    <p:spTree>
+      <p:nvGrpSpPr>
+        <p:cNvPr id="1" name=""/>
+        <p:cNvGrpSpPr/>
+        <p:nvPr/>
+      </p:nvGrpSpPr>
+      <p:grpSpPr>
+        <a:xfrm>
+          <a:off x="0" y="0"/>
+          <a:ext cx="0" cy="0"/>
+          <a:chOff x="0" y="0"/>
+          <a:chExt cx="0" cy="0"/>
+        </a:xfrm>
+      </p:grpSpPr>
+      <p:sp>
+        <p:nvSpPr>
+          <p:cNvPr id="2" name="Title 1"/>
+          <p:cNvSpPr>
+            <a:spLocks noGrp="1"/>
+          </p:cNvSpPr>
+          <p:nvPr>
+            <p:ph type="title"/>
+          </p:nvPr>
+        </p:nvSpPr>
+        <p:spPr/>
+        <p:txBody>
+          <a:bodyPr/>
+          <a:lstStyle/>
+          <a:p>
+            <a:r>
+              <a:rPr lang="nl-BE" dirty="0" smtClean="0"/>
+              <a:t>volgende slides...</a:t>
+            </a:r>
+            <a:endParaRPr lang="en-US" dirty="0"/>
+          </a:p>
+        </p:txBody>
+      </p:sp>
+      <p:sp>
+        <p:nvSpPr>
+          <p:cNvPr id="3" name="Content Placeholder 2"/>
+          <p:cNvSpPr>
+            <a:spLocks noGrp="1"/>
+          </p:cNvSpPr>
+          <p:nvPr>
+            <p:ph idx="1"/>
+          </p:nvPr>
+        </p:nvSpPr>
+        <p:spPr/>
+        <p:txBody>
+          <a:bodyPr/>
+          <a:lstStyle/>
+          <a:p>
+            <a:r>
+              <a:rPr lang="nl-BE" dirty="0" smtClean="0"/>
+              <a:t>Eerst met, dan zonder:</a:t>
+            </a:r>
+          </a:p>
+          <a:p>
+            <a:pPr lvl="1"/>
+            <a:r>
+              <a:rPr lang="nl-BE" dirty="0" smtClean="0"/>
+              <a:t>wetenschapsdomein</a:t>
+            </a:r>
+          </a:p>
+        </p:txBody>
+      </p:sp>
+    </p:spTree>
+    <p:extLst>
+      <p:ext uri="{BB962C8B-B14F-4D97-AF65-F5344CB8AC3E}">
+        <p14:creationId xmlns:p14="http://schemas.microsoft.com/office/powerpoint/2010/main" val="3110987925"/>
+      </p:ext>
+    </p:extLst>
+  </p:cSld>
+  <p:clrMapOvr>
+    <a:masterClrMapping/>
+  </p:clrMapOvr>
+</p:sld>
+</file>
+
+<file path=ppt/slides/slide12.xml><?xml version="1.0" encoding="utf-8"?>
+<p:sld xmlns:a="http://schemas.openxmlformats.org/drawingml/2006/main" xmlns:r="http://schemas.openxmlformats.org/officeDocument/2006/relationships" xmlns:p="http://schemas.openxmlformats.org/presentationml/2006/main">
+  <p:cSld>
+    <p:spTree>
+      <p:nvGrpSpPr>
+        <p:cNvPr id="1" name=""/>
+        <p:cNvGrpSpPr/>
+        <p:nvPr/>
+      </p:nvGrpSpPr>
+      <p:grpSpPr>
+        <a:xfrm>
+          <a:off x="0" y="0"/>
+          <a:ext cx="0" cy="0"/>
+          <a:chOff x="0" y="0"/>
+          <a:chExt cx="0" cy="0"/>
+        </a:xfrm>
+      </p:grpSpPr>
+      <p:sp>
+        <p:nvSpPr>
+          <p:cNvPr id="3" name="Rectangle 2"/>
+          <p:cNvSpPr/>
+          <p:nvPr/>
+        </p:nvSpPr>
+        <p:spPr>
+          <a:xfrm>
+            <a:off x="331343" y="1379601"/>
+            <a:ext cx="1669409" cy="830510"/>
+          </a:xfrm>
+          <a:prstGeom prst="rect">
+            <a:avLst/>
+          </a:prstGeom>
+        </p:spPr>
+        <p:style>
+          <a:lnRef idx="2">
+            <a:schemeClr val="accent1">
+              <a:shade val="50000"/>
+            </a:schemeClr>
+          </a:lnRef>
+          <a:fillRef idx="1">
+            <a:schemeClr val="accent1"/>
+          </a:fillRef>
+          <a:effectRef idx="0">
+            <a:schemeClr val="accent1"/>
+          </a:effectRef>
+          <a:fontRef idx="minor">
+            <a:schemeClr val="lt1"/>
+          </a:fontRef>
+        </p:style>
+        <p:txBody>
+          <a:bodyPr rtlCol="0" anchor="ctr"/>
+          <a:lstStyle/>
+          <a:p>
+            <a:pPr algn="ctr"/>
+            <a:r>
+              <a:rPr lang="nl-BE" dirty="0" err="1" smtClean="0"/>
+              <a:t>onderwijs-doelen</a:t>
+            </a:r>
+            <a:endParaRPr lang="en-US" dirty="0"/>
+          </a:p>
+        </p:txBody>
+      </p:sp>
+      <p:sp>
+        <p:nvSpPr>
+          <p:cNvPr id="9" name="Rectangle 8"/>
+          <p:cNvSpPr/>
+          <p:nvPr/>
+        </p:nvSpPr>
+        <p:spPr>
+          <a:xfrm>
+            <a:off x="2886511" y="1373251"/>
+            <a:ext cx="1669409" cy="830510"/>
+          </a:xfrm>
+          <a:prstGeom prst="rect">
+            <a:avLst/>
+          </a:prstGeom>
+        </p:spPr>
+        <p:style>
+          <a:lnRef idx="2">
+            <a:schemeClr val="accent1">
+              <a:shade val="50000"/>
+            </a:schemeClr>
+          </a:lnRef>
+          <a:fillRef idx="1">
+            <a:schemeClr val="accent1"/>
+          </a:fillRef>
+          <a:effectRef idx="0">
+            <a:schemeClr val="accent1"/>
+          </a:effectRef>
+          <a:fontRef idx="minor">
+            <a:schemeClr val="lt1"/>
+          </a:fontRef>
+        </p:style>
+        <p:txBody>
+          <a:bodyPr rtlCol="0" anchor="ctr"/>
+          <a:lstStyle/>
+          <a:p>
+            <a:pPr algn="ctr"/>
+            <a:r>
+              <a:rPr lang="nl-BE" dirty="0" smtClean="0"/>
+              <a:t>onderwijs-doel1</a:t>
+            </a:r>
+            <a:endParaRPr lang="en-US" dirty="0"/>
+          </a:p>
+        </p:txBody>
+      </p:sp>
+      <p:sp>
+        <p:nvSpPr>
+          <p:cNvPr id="10" name="Rectangle 9"/>
+          <p:cNvSpPr/>
+          <p:nvPr/>
+        </p:nvSpPr>
+        <p:spPr>
+          <a:xfrm>
+            <a:off x="6336485" y="1373251"/>
+            <a:ext cx="1669409" cy="830510"/>
+          </a:xfrm>
+          <a:prstGeom prst="rect">
+            <a:avLst/>
+          </a:prstGeom>
+        </p:spPr>
+        <p:style>
+          <a:lnRef idx="2">
+            <a:schemeClr val="accent1">
+              <a:shade val="50000"/>
+            </a:schemeClr>
+          </a:lnRef>
+          <a:fillRef idx="1">
+            <a:schemeClr val="accent1"/>
+          </a:fillRef>
+          <a:effectRef idx="0">
+            <a:schemeClr val="accent1"/>
+          </a:effectRef>
+          <a:fontRef idx="minor">
+            <a:schemeClr val="lt1"/>
+          </a:fontRef>
+        </p:style>
+        <p:txBody>
+          <a:bodyPr rtlCol="0" anchor="ctr"/>
+          <a:lstStyle/>
+          <a:p>
+            <a:pPr algn="ctr"/>
+            <a:r>
+              <a:rPr lang="nl-BE" dirty="0" smtClean="0"/>
+              <a:t>leergebied100</a:t>
+            </a:r>
+            <a:endParaRPr lang="en-US" dirty="0"/>
+          </a:p>
+        </p:txBody>
+      </p:sp>
+      <p:sp>
+        <p:nvSpPr>
+          <p:cNvPr id="11" name="Rectangle 10"/>
+          <p:cNvSpPr/>
+          <p:nvPr/>
+        </p:nvSpPr>
+        <p:spPr>
+          <a:xfrm>
+            <a:off x="2886510" y="2783588"/>
+            <a:ext cx="1669409" cy="830510"/>
+          </a:xfrm>
+          <a:prstGeom prst="rect">
+            <a:avLst/>
+          </a:prstGeom>
+        </p:spPr>
+        <p:style>
+          <a:lnRef idx="2">
+            <a:schemeClr val="accent1">
+              <a:shade val="50000"/>
+            </a:schemeClr>
+          </a:lnRef>
+          <a:fillRef idx="1">
+            <a:schemeClr val="accent1"/>
+          </a:fillRef>
+          <a:effectRef idx="0">
+            <a:schemeClr val="accent1"/>
+          </a:effectRef>
+          <a:fontRef idx="minor">
+            <a:schemeClr val="lt1"/>
+          </a:fontRef>
+        </p:style>
+        <p:txBody>
+          <a:bodyPr rtlCol="0" anchor="ctr"/>
+          <a:lstStyle/>
+          <a:p>
+            <a:pPr algn="ctr"/>
+            <a:r>
+              <a:rPr lang="nl-BE" dirty="0" smtClean="0"/>
+              <a:t>onderwijs-doel2</a:t>
+            </a:r>
+            <a:endParaRPr lang="en-US" dirty="0"/>
+          </a:p>
+        </p:txBody>
+      </p:sp>
+      <p:sp>
+        <p:nvSpPr>
+          <p:cNvPr id="12" name="Rectangle 11"/>
+          <p:cNvSpPr/>
+          <p:nvPr/>
+        </p:nvSpPr>
+        <p:spPr>
+          <a:xfrm>
+            <a:off x="2859247" y="4167465"/>
+            <a:ext cx="1669409" cy="830510"/>
+          </a:xfrm>
+          <a:prstGeom prst="rect">
+            <a:avLst/>
+          </a:prstGeom>
+        </p:spPr>
+        <p:style>
+          <a:lnRef idx="2">
+            <a:schemeClr val="accent1">
+              <a:shade val="50000"/>
+            </a:schemeClr>
+          </a:lnRef>
+          <a:fillRef idx="1">
+            <a:schemeClr val="accent1"/>
+          </a:fillRef>
+          <a:effectRef idx="0">
+            <a:schemeClr val="accent1"/>
+          </a:effectRef>
+          <a:fontRef idx="minor">
+            <a:schemeClr val="lt1"/>
+          </a:fontRef>
+        </p:style>
+        <p:txBody>
+          <a:bodyPr rtlCol="0" anchor="ctr"/>
+          <a:lstStyle/>
+          <a:p>
+            <a:pPr algn="ctr"/>
+            <a:r>
+              <a:rPr lang="nl-BE" dirty="0" smtClean="0"/>
+              <a:t>onderwijs-doel3</a:t>
+            </a:r>
+            <a:endParaRPr lang="en-US" dirty="0"/>
+          </a:p>
+        </p:txBody>
+      </p:sp>
+      <p:sp>
+        <p:nvSpPr>
+          <p:cNvPr id="13" name="Rectangle 12"/>
+          <p:cNvSpPr/>
+          <p:nvPr/>
+        </p:nvSpPr>
+        <p:spPr>
+          <a:xfrm>
+            <a:off x="6336485" y="2783588"/>
+            <a:ext cx="1669409" cy="830510"/>
+          </a:xfrm>
+          <a:prstGeom prst="rect">
+            <a:avLst/>
+          </a:prstGeom>
+        </p:spPr>
+        <p:style>
+          <a:lnRef idx="2">
+            <a:schemeClr val="accent1">
+              <a:shade val="50000"/>
+            </a:schemeClr>
+          </a:lnRef>
+          <a:fillRef idx="1">
+            <a:schemeClr val="accent1"/>
+          </a:fillRef>
+          <a:effectRef idx="0">
+            <a:schemeClr val="accent1"/>
+          </a:effectRef>
+          <a:fontRef idx="minor">
+            <a:schemeClr val="lt1"/>
+          </a:fontRef>
+        </p:style>
+        <p:txBody>
+          <a:bodyPr rtlCol="0" anchor="ctr"/>
+          <a:lstStyle/>
+          <a:p>
+            <a:pPr algn="ctr"/>
+            <a:r>
+              <a:rPr lang="nl-BE" dirty="0" smtClean="0"/>
+              <a:t>sleutelcom-petentie200</a:t>
+            </a:r>
+            <a:endParaRPr lang="en-US" dirty="0"/>
+          </a:p>
+        </p:txBody>
+      </p:sp>
+      <p:cxnSp>
+        <p:nvCxnSpPr>
+          <p:cNvPr id="44" name="Curved Connector 43"/>
+          <p:cNvCxnSpPr>
+            <a:stCxn id="3" idx="3"/>
+            <a:endCxn id="9" idx="1"/>
+          </p:cNvCxnSpPr>
+          <p:nvPr/>
+        </p:nvCxnSpPr>
+        <p:spPr>
+          <a:xfrm flipV="1">
+            <a:off x="2000752" y="1788506"/>
+            <a:ext cx="885759" cy="6350"/>
+          </a:xfrm>
+          <a:prstGeom prst="curvedConnector3">
+            <a:avLst/>
+          </a:prstGeom>
+          <a:ln>
+            <a:tailEnd type="triangle"/>
+          </a:ln>
+        </p:spPr>
+        <p:style>
+          <a:lnRef idx="3">
+            <a:schemeClr val="accent5"/>
+          </a:lnRef>
+          <a:fillRef idx="0">
+            <a:schemeClr val="accent5"/>
+          </a:fillRef>
+          <a:effectRef idx="2">
+            <a:schemeClr val="accent5"/>
+          </a:effectRef>
+          <a:fontRef idx="minor">
+            <a:schemeClr val="tx1"/>
+          </a:fontRef>
+        </p:style>
+      </p:cxnSp>
+      <p:cxnSp>
+        <p:nvCxnSpPr>
+          <p:cNvPr id="55" name="Curved Connector 54"/>
+          <p:cNvCxnSpPr>
+            <a:stCxn id="3" idx="3"/>
+            <a:endCxn id="11" idx="1"/>
+          </p:cNvCxnSpPr>
+          <p:nvPr/>
+        </p:nvCxnSpPr>
+        <p:spPr>
+          <a:xfrm>
+            <a:off x="2000752" y="1794856"/>
+            <a:ext cx="885758" cy="1403987"/>
+          </a:xfrm>
+          <a:prstGeom prst="curvedConnector3">
+            <a:avLst>
+              <a:gd name="adj1" fmla="val 50000"/>
+            </a:avLst>
+          </a:prstGeom>
+          <a:ln>
+            <a:tailEnd type="triangle"/>
+          </a:ln>
+        </p:spPr>
+        <p:style>
+          <a:lnRef idx="3">
+            <a:schemeClr val="accent5"/>
+          </a:lnRef>
+          <a:fillRef idx="0">
+            <a:schemeClr val="accent5"/>
+          </a:fillRef>
+          <a:effectRef idx="2">
+            <a:schemeClr val="accent5"/>
+          </a:effectRef>
+          <a:fontRef idx="minor">
+            <a:schemeClr val="tx1"/>
+          </a:fontRef>
+        </p:style>
+      </p:cxnSp>
+      <p:cxnSp>
+        <p:nvCxnSpPr>
+          <p:cNvPr id="63" name="Curved Connector 62"/>
+          <p:cNvCxnSpPr>
+            <a:stCxn id="3" idx="3"/>
+            <a:endCxn id="12" idx="1"/>
+          </p:cNvCxnSpPr>
+          <p:nvPr/>
+        </p:nvCxnSpPr>
+        <p:spPr>
+          <a:xfrm>
+            <a:off x="2000752" y="1794856"/>
+            <a:ext cx="858495" cy="2787864"/>
+          </a:xfrm>
+          <a:prstGeom prst="curvedConnector3">
+            <a:avLst>
+              <a:gd name="adj1" fmla="val 50000"/>
+            </a:avLst>
+          </a:prstGeom>
+          <a:ln>
+            <a:tailEnd type="triangle"/>
+          </a:ln>
+        </p:spPr>
+        <p:style>
+          <a:lnRef idx="3">
+            <a:schemeClr val="accent5"/>
+          </a:lnRef>
+          <a:fillRef idx="0">
+            <a:schemeClr val="accent5"/>
+          </a:fillRef>
+          <a:effectRef idx="2">
+            <a:schemeClr val="accent5"/>
+          </a:effectRef>
+          <a:fontRef idx="minor">
+            <a:schemeClr val="tx1"/>
+          </a:fontRef>
+        </p:style>
+      </p:cxnSp>
+      <p:sp>
+        <p:nvSpPr>
+          <p:cNvPr id="85" name="TextBox 84"/>
+          <p:cNvSpPr txBox="1"/>
+          <p:nvPr/>
+        </p:nvSpPr>
+        <p:spPr>
+          <a:xfrm>
+            <a:off x="10417968" y="5598968"/>
+            <a:ext cx="1446486" cy="369332"/>
+          </a:xfrm>
+          <a:prstGeom prst="rect">
+            <a:avLst/>
+          </a:prstGeom>
+          <a:noFill/>
+        </p:spPr>
+        <p:txBody>
+          <a:bodyPr wrap="none" rtlCol="0">
+            <a:spAutoFit/>
+          </a:bodyPr>
+          <a:lstStyle/>
+          <a:p>
+            <a:r>
+              <a:rPr lang="nl-BE" dirty="0" err="1" smtClean="0"/>
+              <a:t>skos:member</a:t>
+            </a:r>
+            <a:endParaRPr lang="en-US" dirty="0"/>
+          </a:p>
+        </p:txBody>
+      </p:sp>
+      <p:cxnSp>
+        <p:nvCxnSpPr>
+          <p:cNvPr id="107" name="Straight Arrow Connector 106"/>
+          <p:cNvCxnSpPr/>
+          <p:nvPr/>
+        </p:nvCxnSpPr>
+        <p:spPr>
+          <a:xfrm>
+            <a:off x="10482087" y="6042237"/>
+            <a:ext cx="1241571" cy="0"/>
+          </a:xfrm>
+          <a:prstGeom prst="straightConnector1">
+            <a:avLst/>
+          </a:prstGeom>
+          <a:ln>
+            <a:tailEnd type="triangle"/>
+          </a:ln>
+        </p:spPr>
+        <p:style>
+          <a:lnRef idx="3">
+            <a:schemeClr val="accent5"/>
+          </a:lnRef>
+          <a:fillRef idx="0">
+            <a:schemeClr val="accent5"/>
+          </a:fillRef>
+          <a:effectRef idx="2">
+            <a:schemeClr val="accent5"/>
+          </a:effectRef>
+          <a:fontRef idx="minor">
+            <a:schemeClr val="tx1"/>
+          </a:fontRef>
+        </p:style>
+      </p:cxnSp>
+      <p:sp>
+        <p:nvSpPr>
+          <p:cNvPr id="24" name="Rectangle 23"/>
+          <p:cNvSpPr/>
+          <p:nvPr/>
+        </p:nvSpPr>
+        <p:spPr>
+          <a:xfrm>
+            <a:off x="8108003" y="1379601"/>
+            <a:ext cx="1669409" cy="830510"/>
+          </a:xfrm>
+          <a:prstGeom prst="rect">
+            <a:avLst/>
+          </a:prstGeom>
+        </p:spPr>
+        <p:style>
+          <a:lnRef idx="2">
+            <a:schemeClr val="accent1">
+              <a:shade val="50000"/>
+            </a:schemeClr>
+          </a:lnRef>
+          <a:fillRef idx="1">
+            <a:schemeClr val="accent1"/>
+          </a:fillRef>
+          <a:effectRef idx="0">
+            <a:schemeClr val="accent1"/>
+          </a:effectRef>
+          <a:fontRef idx="minor">
+            <a:schemeClr val="lt1"/>
+          </a:fontRef>
+        </p:style>
+        <p:txBody>
+          <a:bodyPr rtlCol="0" anchor="ctr"/>
+          <a:lstStyle/>
+          <a:p>
+            <a:pPr algn="ctr"/>
+            <a:r>
+              <a:rPr lang="nl-BE" dirty="0" smtClean="0"/>
+              <a:t>subdomein110</a:t>
+            </a:r>
+            <a:endParaRPr lang="en-US" dirty="0"/>
+          </a:p>
+        </p:txBody>
+      </p:sp>
+      <p:sp>
+        <p:nvSpPr>
+          <p:cNvPr id="25" name="Rectangle 24"/>
+          <p:cNvSpPr/>
+          <p:nvPr/>
+        </p:nvSpPr>
+        <p:spPr>
+          <a:xfrm>
+            <a:off x="9879521" y="1379601"/>
+            <a:ext cx="1669409" cy="830510"/>
+          </a:xfrm>
+          <a:prstGeom prst="rect">
+            <a:avLst/>
+          </a:prstGeom>
+        </p:spPr>
+        <p:style>
+          <a:lnRef idx="2">
+            <a:schemeClr val="accent1">
+              <a:shade val="50000"/>
+            </a:schemeClr>
+          </a:lnRef>
+          <a:fillRef idx="1">
+            <a:schemeClr val="accent1"/>
+          </a:fillRef>
+          <a:effectRef idx="0">
+            <a:schemeClr val="accent1"/>
+          </a:effectRef>
+          <a:fontRef idx="minor">
+            <a:schemeClr val="lt1"/>
+          </a:fontRef>
+        </p:style>
+        <p:txBody>
+          <a:bodyPr rtlCol="0" anchor="ctr"/>
+          <a:lstStyle/>
+          <a:p>
+            <a:pPr algn="ctr"/>
+            <a:r>
+              <a:rPr lang="nl-BE" dirty="0" smtClean="0"/>
+              <a:t>thema120</a:t>
+            </a:r>
+            <a:endParaRPr lang="en-US" dirty="0"/>
+          </a:p>
+        </p:txBody>
+      </p:sp>
+      <p:sp>
+        <p:nvSpPr>
+          <p:cNvPr id="34" name="Rectangle 33"/>
+          <p:cNvSpPr/>
+          <p:nvPr/>
+        </p:nvSpPr>
+        <p:spPr>
+          <a:xfrm>
+            <a:off x="8108002" y="2783588"/>
+            <a:ext cx="1669409" cy="830510"/>
+          </a:xfrm>
+          <a:prstGeom prst="rect">
+            <a:avLst/>
+          </a:prstGeom>
+        </p:spPr>
+        <p:style>
+          <a:lnRef idx="2">
+            <a:schemeClr val="accent1">
+              <a:shade val="50000"/>
+            </a:schemeClr>
+          </a:lnRef>
+          <a:fillRef idx="1">
+            <a:schemeClr val="accent1"/>
+          </a:fillRef>
+          <a:effectRef idx="0">
+            <a:schemeClr val="accent1"/>
+          </a:effectRef>
+          <a:fontRef idx="minor">
+            <a:schemeClr val="lt1"/>
+          </a:fontRef>
+        </p:style>
+        <p:txBody>
+          <a:bodyPr rtlCol="0" anchor="ctr"/>
+          <a:lstStyle/>
+          <a:p>
+            <a:pPr algn="ctr"/>
+            <a:r>
+              <a:rPr lang="nl-BE" dirty="0" smtClean="0"/>
+              <a:t>bouwsteen210</a:t>
+            </a:r>
+            <a:endParaRPr lang="en-US" dirty="0"/>
+          </a:p>
+        </p:txBody>
+      </p:sp>
+      <p:sp>
+        <p:nvSpPr>
+          <p:cNvPr id="35" name="Rectangle 34"/>
+          <p:cNvSpPr/>
+          <p:nvPr/>
+        </p:nvSpPr>
+        <p:spPr>
+          <a:xfrm>
+            <a:off x="6336484" y="4167465"/>
+            <a:ext cx="1669409" cy="830510"/>
+          </a:xfrm>
+          <a:prstGeom prst="rect">
+            <a:avLst/>
+          </a:prstGeom>
+        </p:spPr>
+        <p:style>
+          <a:lnRef idx="2">
+            <a:schemeClr val="accent1">
+              <a:shade val="50000"/>
+            </a:schemeClr>
+          </a:lnRef>
+          <a:fillRef idx="1">
+            <a:schemeClr val="accent1"/>
+          </a:fillRef>
+          <a:effectRef idx="0">
+            <a:schemeClr val="accent1"/>
+          </a:effectRef>
+          <a:fontRef idx="minor">
+            <a:schemeClr val="lt1"/>
+          </a:fontRef>
+        </p:style>
+        <p:txBody>
+          <a:bodyPr rtlCol="0" anchor="ctr"/>
+          <a:lstStyle/>
+          <a:p>
+            <a:pPr algn="ctr"/>
+            <a:r>
+              <a:rPr lang="nl-BE" dirty="0" smtClean="0"/>
+              <a:t>wetenschaps-domein300</a:t>
+            </a:r>
+            <a:endParaRPr lang="en-US" dirty="0"/>
+          </a:p>
+        </p:txBody>
+      </p:sp>
+      <p:cxnSp>
+        <p:nvCxnSpPr>
+          <p:cNvPr id="36" name="Straight Arrow Connector 35"/>
+          <p:cNvCxnSpPr/>
+          <p:nvPr/>
+        </p:nvCxnSpPr>
+        <p:spPr>
+          <a:xfrm>
+            <a:off x="10482087" y="6515327"/>
+            <a:ext cx="1241571" cy="0"/>
+          </a:xfrm>
+          <a:prstGeom prst="straightConnector1">
+            <a:avLst/>
+          </a:prstGeom>
+          <a:ln>
+            <a:headEnd type="triangle"/>
+            <a:tailEnd type="triangle"/>
+          </a:ln>
+        </p:spPr>
+        <p:style>
+          <a:lnRef idx="3">
+            <a:schemeClr val="accent3"/>
+          </a:lnRef>
+          <a:fillRef idx="0">
+            <a:schemeClr val="accent3"/>
+          </a:fillRef>
+          <a:effectRef idx="2">
+            <a:schemeClr val="accent3"/>
+          </a:effectRef>
+          <a:fontRef idx="minor">
+            <a:schemeClr val="tx1"/>
+          </a:fontRef>
+        </p:style>
+      </p:cxnSp>
+      <p:sp>
+        <p:nvSpPr>
+          <p:cNvPr id="37" name="TextBox 36"/>
+          <p:cNvSpPr txBox="1"/>
+          <p:nvPr/>
+        </p:nvSpPr>
+        <p:spPr>
+          <a:xfrm>
+            <a:off x="10399495" y="6116175"/>
+            <a:ext cx="1310615" cy="369332"/>
+          </a:xfrm>
+          <a:prstGeom prst="rect">
+            <a:avLst/>
+          </a:prstGeom>
+          <a:noFill/>
+        </p:spPr>
+        <p:txBody>
+          <a:bodyPr wrap="none" rtlCol="0">
+            <a:spAutoFit/>
+          </a:bodyPr>
+          <a:lstStyle/>
+          <a:p>
+            <a:r>
+              <a:rPr lang="nl-BE" dirty="0" err="1" smtClean="0"/>
+              <a:t>skos:related</a:t>
+            </a:r>
+            <a:endParaRPr lang="en-US" dirty="0"/>
+          </a:p>
+        </p:txBody>
+      </p:sp>
+      <p:cxnSp>
+        <p:nvCxnSpPr>
+          <p:cNvPr id="38" name="Straight Arrow Connector 37"/>
+          <p:cNvCxnSpPr>
+            <a:stCxn id="9" idx="3"/>
+            <a:endCxn id="10" idx="1"/>
+          </p:cNvCxnSpPr>
+          <p:nvPr/>
+        </p:nvCxnSpPr>
+        <p:spPr>
+          <a:xfrm>
+            <a:off x="4555920" y="1788506"/>
+            <a:ext cx="1780565" cy="0"/>
+          </a:xfrm>
+          <a:prstGeom prst="straightConnector1">
+            <a:avLst/>
+          </a:prstGeom>
+          <a:ln>
+            <a:headEnd type="triangle"/>
+            <a:tailEnd type="triangle"/>
+          </a:ln>
+        </p:spPr>
+        <p:style>
+          <a:lnRef idx="3">
+            <a:schemeClr val="accent3"/>
+          </a:lnRef>
+          <a:fillRef idx="0">
+            <a:schemeClr val="accent3"/>
+          </a:fillRef>
+          <a:effectRef idx="2">
+            <a:schemeClr val="accent3"/>
+          </a:effectRef>
+          <a:fontRef idx="minor">
+            <a:schemeClr val="tx1"/>
+          </a:fontRef>
+        </p:style>
+      </p:cxnSp>
+      <p:cxnSp>
+        <p:nvCxnSpPr>
+          <p:cNvPr id="41" name="Straight Arrow Connector 40"/>
+          <p:cNvCxnSpPr>
+            <a:endCxn id="24" idx="0"/>
+          </p:cNvCxnSpPr>
+          <p:nvPr/>
+        </p:nvCxnSpPr>
+        <p:spPr>
+          <a:xfrm flipV="1">
+            <a:off x="4583184" y="1379601"/>
+            <a:ext cx="4359524" cy="408906"/>
+          </a:xfrm>
+          <a:prstGeom prst="curvedConnector4">
+            <a:avLst>
+              <a:gd name="adj1" fmla="val 31768"/>
+              <a:gd name="adj2" fmla="val 211297"/>
+            </a:avLst>
+          </a:prstGeom>
+          <a:ln>
+            <a:headEnd type="triangle"/>
+            <a:tailEnd type="triangle"/>
+          </a:ln>
+        </p:spPr>
+        <p:style>
+          <a:lnRef idx="3">
+            <a:schemeClr val="accent3"/>
+          </a:lnRef>
+          <a:fillRef idx="0">
+            <a:schemeClr val="accent3"/>
+          </a:fillRef>
+          <a:effectRef idx="2">
+            <a:schemeClr val="accent3"/>
+          </a:effectRef>
+          <a:fontRef idx="minor">
+            <a:schemeClr val="tx1"/>
+          </a:fontRef>
+        </p:style>
+      </p:cxnSp>
+      <p:cxnSp>
+        <p:nvCxnSpPr>
+          <p:cNvPr id="47" name="Straight Arrow Connector 40"/>
+          <p:cNvCxnSpPr>
+            <a:stCxn id="9" idx="3"/>
+            <a:endCxn id="25" idx="0"/>
+          </p:cNvCxnSpPr>
+          <p:nvPr/>
+        </p:nvCxnSpPr>
+        <p:spPr>
+          <a:xfrm flipV="1">
+            <a:off x="4555920" y="1379601"/>
+            <a:ext cx="6158306" cy="408905"/>
+          </a:xfrm>
+          <a:prstGeom prst="curvedConnector4">
+            <a:avLst>
+              <a:gd name="adj1" fmla="val 18703"/>
+              <a:gd name="adj2" fmla="val 301068"/>
+            </a:avLst>
+          </a:prstGeom>
+          <a:ln>
+            <a:headEnd type="triangle"/>
+            <a:tailEnd type="triangle"/>
+          </a:ln>
+        </p:spPr>
+        <p:style>
+          <a:lnRef idx="3">
+            <a:schemeClr val="accent3"/>
+          </a:lnRef>
+          <a:fillRef idx="0">
+            <a:schemeClr val="accent3"/>
+          </a:fillRef>
+          <a:effectRef idx="2">
+            <a:schemeClr val="accent3"/>
+          </a:effectRef>
+          <a:fontRef idx="minor">
+            <a:schemeClr val="tx1"/>
+          </a:fontRef>
+        </p:style>
+      </p:cxnSp>
+      <p:cxnSp>
+        <p:nvCxnSpPr>
+          <p:cNvPr id="54" name="Straight Arrow Connector 53"/>
+          <p:cNvCxnSpPr/>
+          <p:nvPr/>
+        </p:nvCxnSpPr>
+        <p:spPr>
+          <a:xfrm>
+            <a:off x="4542287" y="3188788"/>
+            <a:ext cx="1780565" cy="0"/>
+          </a:xfrm>
+          <a:prstGeom prst="straightConnector1">
+            <a:avLst/>
+          </a:prstGeom>
+          <a:ln>
+            <a:headEnd type="triangle"/>
+            <a:tailEnd type="triangle"/>
+          </a:ln>
+        </p:spPr>
+        <p:style>
+          <a:lnRef idx="3">
+            <a:schemeClr val="accent3"/>
+          </a:lnRef>
+          <a:fillRef idx="0">
+            <a:schemeClr val="accent3"/>
+          </a:fillRef>
+          <a:effectRef idx="2">
+            <a:schemeClr val="accent3"/>
+          </a:effectRef>
+          <a:fontRef idx="minor">
+            <a:schemeClr val="tx1"/>
+          </a:fontRef>
+        </p:style>
+      </p:cxnSp>
+      <p:cxnSp>
+        <p:nvCxnSpPr>
+          <p:cNvPr id="56" name="Straight Arrow Connector 55"/>
+          <p:cNvCxnSpPr/>
+          <p:nvPr/>
+        </p:nvCxnSpPr>
+        <p:spPr>
+          <a:xfrm>
+            <a:off x="4542287" y="4585769"/>
+            <a:ext cx="1780565" cy="0"/>
+          </a:xfrm>
+          <a:prstGeom prst="straightConnector1">
+            <a:avLst/>
+          </a:prstGeom>
+          <a:ln>
+            <a:headEnd type="triangle"/>
+            <a:tailEnd type="triangle"/>
+          </a:ln>
+        </p:spPr>
+        <p:style>
+          <a:lnRef idx="3">
+            <a:schemeClr val="accent3"/>
+          </a:lnRef>
+          <a:fillRef idx="0">
+            <a:schemeClr val="accent3"/>
+          </a:fillRef>
+          <a:effectRef idx="2">
+            <a:schemeClr val="accent3"/>
+          </a:effectRef>
+          <a:fontRef idx="minor">
+            <a:schemeClr val="tx1"/>
+          </a:fontRef>
+        </p:style>
+      </p:cxnSp>
+      <p:cxnSp>
+        <p:nvCxnSpPr>
+          <p:cNvPr id="57" name="Straight Arrow Connector 40"/>
+          <p:cNvCxnSpPr/>
+          <p:nvPr/>
+        </p:nvCxnSpPr>
+        <p:spPr>
+          <a:xfrm flipV="1">
+            <a:off x="4528656" y="2773532"/>
+            <a:ext cx="4359524" cy="408906"/>
+          </a:xfrm>
+          <a:prstGeom prst="curvedConnector4">
+            <a:avLst>
+              <a:gd name="adj1" fmla="val 31768"/>
+              <a:gd name="adj2" fmla="val 211297"/>
+            </a:avLst>
+          </a:prstGeom>
+          <a:ln>
+            <a:headEnd type="triangle"/>
+            <a:tailEnd type="triangle"/>
+          </a:ln>
+        </p:spPr>
+        <p:style>
+          <a:lnRef idx="3">
+            <a:schemeClr val="accent3"/>
+          </a:lnRef>
+          <a:fillRef idx="0">
+            <a:schemeClr val="accent3"/>
+          </a:fillRef>
+          <a:effectRef idx="2">
+            <a:schemeClr val="accent3"/>
+          </a:effectRef>
+          <a:fontRef idx="minor">
+            <a:schemeClr val="tx1"/>
+          </a:fontRef>
+        </p:style>
+      </p:cxnSp>
+    </p:spTree>
+    <p:extLst>
+      <p:ext uri="{BB962C8B-B14F-4D97-AF65-F5344CB8AC3E}">
+        <p14:creationId xmlns:p14="http://schemas.microsoft.com/office/powerpoint/2010/main" val="2560485309"/>
+      </p:ext>
+    </p:extLst>
+  </p:cSld>
+  <p:clrMapOvr>
+    <a:masterClrMapping/>
+  </p:clrMapOvr>
+</p:sld>
+</file>
+
+<file path=ppt/slides/slide13.xml><?xml version="1.0" encoding="utf-8"?>
+<p:sld xmlns:a="http://schemas.openxmlformats.org/drawingml/2006/main" xmlns:r="http://schemas.openxmlformats.org/officeDocument/2006/relationships" xmlns:p="http://schemas.openxmlformats.org/presentationml/2006/main">
+  <p:cSld>
+    <p:spTree>
+      <p:nvGrpSpPr>
+        <p:cNvPr id="1" name=""/>
+        <p:cNvGrpSpPr/>
+        <p:nvPr/>
+      </p:nvGrpSpPr>
+      <p:grpSpPr>
+        <a:xfrm>
+          <a:off x="0" y="0"/>
+          <a:ext cx="0" cy="0"/>
+          <a:chOff x="0" y="0"/>
+          <a:chExt cx="0" cy="0"/>
+        </a:xfrm>
+      </p:grpSpPr>
+      <p:sp>
+        <p:nvSpPr>
+          <p:cNvPr id="3" name="Rectangle 2"/>
+          <p:cNvSpPr/>
+          <p:nvPr/>
+        </p:nvSpPr>
+        <p:spPr>
+          <a:xfrm>
+            <a:off x="331343" y="2202561"/>
+            <a:ext cx="1669409" cy="830510"/>
+          </a:xfrm>
+          <a:prstGeom prst="rect">
+            <a:avLst/>
+          </a:prstGeom>
+        </p:spPr>
+        <p:style>
+          <a:lnRef idx="2">
+            <a:schemeClr val="accent1">
+              <a:shade val="50000"/>
+            </a:schemeClr>
+          </a:lnRef>
+          <a:fillRef idx="1">
+            <a:schemeClr val="accent1"/>
+          </a:fillRef>
+          <a:effectRef idx="0">
+            <a:schemeClr val="accent1"/>
+          </a:effectRef>
+          <a:fontRef idx="minor">
+            <a:schemeClr val="lt1"/>
+          </a:fontRef>
+        </p:style>
+        <p:txBody>
+          <a:bodyPr rtlCol="0" anchor="ctr"/>
+          <a:lstStyle/>
+          <a:p>
+            <a:pPr algn="ctr"/>
+            <a:r>
+              <a:rPr lang="nl-BE" dirty="0" err="1" smtClean="0"/>
+              <a:t>onderwijs-doelen</a:t>
+            </a:r>
+            <a:endParaRPr lang="en-US" dirty="0"/>
+          </a:p>
+        </p:txBody>
+      </p:sp>
+      <p:sp>
+        <p:nvSpPr>
+          <p:cNvPr id="9" name="Rectangle 8"/>
+          <p:cNvSpPr/>
+          <p:nvPr/>
+        </p:nvSpPr>
+        <p:spPr>
+          <a:xfrm>
+            <a:off x="2886511" y="2196211"/>
+            <a:ext cx="1669409" cy="830510"/>
+          </a:xfrm>
+          <a:prstGeom prst="rect">
+            <a:avLst/>
+          </a:prstGeom>
+        </p:spPr>
+        <p:style>
+          <a:lnRef idx="2">
+            <a:schemeClr val="accent1">
+              <a:shade val="50000"/>
+            </a:schemeClr>
+          </a:lnRef>
+          <a:fillRef idx="1">
+            <a:schemeClr val="accent1"/>
+          </a:fillRef>
+          <a:effectRef idx="0">
+            <a:schemeClr val="accent1"/>
+          </a:effectRef>
+          <a:fontRef idx="minor">
+            <a:schemeClr val="lt1"/>
+          </a:fontRef>
+        </p:style>
+        <p:txBody>
+          <a:bodyPr rtlCol="0" anchor="ctr"/>
+          <a:lstStyle/>
+          <a:p>
+            <a:pPr algn="ctr"/>
+            <a:r>
+              <a:rPr lang="nl-BE" dirty="0" smtClean="0"/>
+              <a:t>onderwijs-doel1</a:t>
+            </a:r>
+            <a:endParaRPr lang="en-US" dirty="0"/>
+          </a:p>
+        </p:txBody>
+      </p:sp>
+      <p:sp>
+        <p:nvSpPr>
+          <p:cNvPr id="10" name="Rectangle 9"/>
+          <p:cNvSpPr/>
+          <p:nvPr/>
+        </p:nvSpPr>
+        <p:spPr>
+          <a:xfrm>
+            <a:off x="6336485" y="2196211"/>
+            <a:ext cx="1669409" cy="830510"/>
+          </a:xfrm>
+          <a:prstGeom prst="rect">
+            <a:avLst/>
+          </a:prstGeom>
+        </p:spPr>
+        <p:style>
+          <a:lnRef idx="2">
+            <a:schemeClr val="accent1">
+              <a:shade val="50000"/>
+            </a:schemeClr>
+          </a:lnRef>
+          <a:fillRef idx="1">
+            <a:schemeClr val="accent1"/>
+          </a:fillRef>
+          <a:effectRef idx="0">
+            <a:schemeClr val="accent1"/>
+          </a:effectRef>
+          <a:fontRef idx="minor">
+            <a:schemeClr val="lt1"/>
+          </a:fontRef>
+        </p:style>
+        <p:txBody>
+          <a:bodyPr rtlCol="0" anchor="ctr"/>
+          <a:lstStyle/>
+          <a:p>
+            <a:pPr algn="ctr"/>
+            <a:r>
+              <a:rPr lang="nl-BE" dirty="0" smtClean="0"/>
+              <a:t>leergebied100</a:t>
+            </a:r>
+            <a:endParaRPr lang="en-US" dirty="0"/>
+          </a:p>
+        </p:txBody>
+      </p:sp>
+      <p:sp>
+        <p:nvSpPr>
+          <p:cNvPr id="11" name="Rectangle 10"/>
+          <p:cNvSpPr/>
+          <p:nvPr/>
+        </p:nvSpPr>
+        <p:spPr>
+          <a:xfrm>
+            <a:off x="2886510" y="3606548"/>
+            <a:ext cx="1669409" cy="830510"/>
+          </a:xfrm>
+          <a:prstGeom prst="rect">
+            <a:avLst/>
+          </a:prstGeom>
+        </p:spPr>
+        <p:style>
+          <a:lnRef idx="2">
+            <a:schemeClr val="accent1">
+              <a:shade val="50000"/>
+            </a:schemeClr>
+          </a:lnRef>
+          <a:fillRef idx="1">
+            <a:schemeClr val="accent1"/>
+          </a:fillRef>
+          <a:effectRef idx="0">
+            <a:schemeClr val="accent1"/>
+          </a:effectRef>
+          <a:fontRef idx="minor">
+            <a:schemeClr val="lt1"/>
+          </a:fontRef>
+        </p:style>
+        <p:txBody>
+          <a:bodyPr rtlCol="0" anchor="ctr"/>
+          <a:lstStyle/>
+          <a:p>
+            <a:pPr algn="ctr"/>
+            <a:r>
+              <a:rPr lang="nl-BE" dirty="0" smtClean="0"/>
+              <a:t>onderwijs-doel2</a:t>
+            </a:r>
+            <a:endParaRPr lang="en-US" dirty="0"/>
+          </a:p>
+        </p:txBody>
+      </p:sp>
+      <p:sp>
+        <p:nvSpPr>
+          <p:cNvPr id="13" name="Rectangle 12"/>
+          <p:cNvSpPr/>
+          <p:nvPr/>
+        </p:nvSpPr>
+        <p:spPr>
+          <a:xfrm>
+            <a:off x="6336485" y="3606548"/>
+            <a:ext cx="1669409" cy="830510"/>
+          </a:xfrm>
+          <a:prstGeom prst="rect">
+            <a:avLst/>
+          </a:prstGeom>
+        </p:spPr>
+        <p:style>
+          <a:lnRef idx="2">
+            <a:schemeClr val="accent1">
+              <a:shade val="50000"/>
+            </a:schemeClr>
+          </a:lnRef>
+          <a:fillRef idx="1">
+            <a:schemeClr val="accent1"/>
+          </a:fillRef>
+          <a:effectRef idx="0">
+            <a:schemeClr val="accent1"/>
+          </a:effectRef>
+          <a:fontRef idx="minor">
+            <a:schemeClr val="lt1"/>
+          </a:fontRef>
+        </p:style>
+        <p:txBody>
+          <a:bodyPr rtlCol="0" anchor="ctr"/>
+          <a:lstStyle/>
+          <a:p>
+            <a:pPr algn="ctr"/>
+            <a:r>
+              <a:rPr lang="nl-BE" dirty="0" smtClean="0"/>
+              <a:t>sleutelcom-petentie200</a:t>
+            </a:r>
+            <a:endParaRPr lang="en-US" dirty="0"/>
+          </a:p>
+        </p:txBody>
+      </p:sp>
+      <p:cxnSp>
+        <p:nvCxnSpPr>
+          <p:cNvPr id="44" name="Curved Connector 43"/>
+          <p:cNvCxnSpPr>
+            <a:stCxn id="3" idx="3"/>
+            <a:endCxn id="9" idx="1"/>
+          </p:cNvCxnSpPr>
+          <p:nvPr/>
+        </p:nvCxnSpPr>
+        <p:spPr>
+          <a:xfrm flipV="1">
+            <a:off x="2000752" y="2611466"/>
+            <a:ext cx="885759" cy="6350"/>
+          </a:xfrm>
+          <a:prstGeom prst="curvedConnector3">
+            <a:avLst/>
+          </a:prstGeom>
+          <a:ln>
+            <a:tailEnd type="triangle"/>
+          </a:ln>
+        </p:spPr>
+        <p:style>
+          <a:lnRef idx="3">
+            <a:schemeClr val="accent5"/>
+          </a:lnRef>
+          <a:fillRef idx="0">
+            <a:schemeClr val="accent5"/>
+          </a:fillRef>
+          <a:effectRef idx="2">
+            <a:schemeClr val="accent5"/>
+          </a:effectRef>
+          <a:fontRef idx="minor">
+            <a:schemeClr val="tx1"/>
+          </a:fontRef>
+        </p:style>
+      </p:cxnSp>
+      <p:cxnSp>
+        <p:nvCxnSpPr>
+          <p:cNvPr id="55" name="Curved Connector 54"/>
+          <p:cNvCxnSpPr>
+            <a:stCxn id="3" idx="3"/>
+            <a:endCxn id="11" idx="1"/>
+          </p:cNvCxnSpPr>
+          <p:nvPr/>
+        </p:nvCxnSpPr>
+        <p:spPr>
+          <a:xfrm>
+            <a:off x="2000752" y="2617816"/>
+            <a:ext cx="885758" cy="1403987"/>
+          </a:xfrm>
+          <a:prstGeom prst="curvedConnector3">
+            <a:avLst>
+              <a:gd name="adj1" fmla="val 50000"/>
+            </a:avLst>
+          </a:prstGeom>
+          <a:ln>
+            <a:tailEnd type="triangle"/>
+          </a:ln>
+        </p:spPr>
+        <p:style>
+          <a:lnRef idx="3">
+            <a:schemeClr val="accent5"/>
+          </a:lnRef>
+          <a:fillRef idx="0">
+            <a:schemeClr val="accent5"/>
+          </a:fillRef>
+          <a:effectRef idx="2">
+            <a:schemeClr val="accent5"/>
+          </a:effectRef>
+          <a:fontRef idx="minor">
+            <a:schemeClr val="tx1"/>
+          </a:fontRef>
+        </p:style>
+      </p:cxnSp>
+      <p:sp>
+        <p:nvSpPr>
+          <p:cNvPr id="85" name="TextBox 84"/>
+          <p:cNvSpPr txBox="1"/>
+          <p:nvPr/>
+        </p:nvSpPr>
+        <p:spPr>
+          <a:xfrm>
+            <a:off x="10417968" y="5598968"/>
+            <a:ext cx="1446486" cy="369332"/>
+          </a:xfrm>
+          <a:prstGeom prst="rect">
+            <a:avLst/>
+          </a:prstGeom>
+          <a:noFill/>
+        </p:spPr>
+        <p:txBody>
+          <a:bodyPr wrap="none" rtlCol="0">
+            <a:spAutoFit/>
+          </a:bodyPr>
+          <a:lstStyle/>
+          <a:p>
+            <a:r>
+              <a:rPr lang="nl-BE" dirty="0" err="1" smtClean="0"/>
+              <a:t>skos:member</a:t>
+            </a:r>
+            <a:endParaRPr lang="en-US" dirty="0"/>
+          </a:p>
+        </p:txBody>
+      </p:sp>
+      <p:cxnSp>
+        <p:nvCxnSpPr>
+          <p:cNvPr id="107" name="Straight Arrow Connector 106"/>
+          <p:cNvCxnSpPr/>
+          <p:nvPr/>
+        </p:nvCxnSpPr>
+        <p:spPr>
+          <a:xfrm>
+            <a:off x="10482087" y="6042237"/>
+            <a:ext cx="1241571" cy="0"/>
+          </a:xfrm>
+          <a:prstGeom prst="straightConnector1">
+            <a:avLst/>
+          </a:prstGeom>
+          <a:ln>
+            <a:tailEnd type="triangle"/>
+          </a:ln>
+        </p:spPr>
+        <p:style>
+          <a:lnRef idx="3">
+            <a:schemeClr val="accent5"/>
+          </a:lnRef>
+          <a:fillRef idx="0">
+            <a:schemeClr val="accent5"/>
+          </a:fillRef>
+          <a:effectRef idx="2">
+            <a:schemeClr val="accent5"/>
+          </a:effectRef>
+          <a:fontRef idx="minor">
+            <a:schemeClr val="tx1"/>
+          </a:fontRef>
+        </p:style>
+      </p:cxnSp>
+      <p:sp>
+        <p:nvSpPr>
+          <p:cNvPr id="24" name="Rectangle 23"/>
+          <p:cNvSpPr/>
+          <p:nvPr/>
+        </p:nvSpPr>
+        <p:spPr>
+          <a:xfrm>
+            <a:off x="8108003" y="2202561"/>
+            <a:ext cx="1669409" cy="830510"/>
+          </a:xfrm>
+          <a:prstGeom prst="rect">
+            <a:avLst/>
+          </a:prstGeom>
+        </p:spPr>
+        <p:style>
+          <a:lnRef idx="2">
+            <a:schemeClr val="accent1">
+              <a:shade val="50000"/>
+            </a:schemeClr>
+          </a:lnRef>
+          <a:fillRef idx="1">
+            <a:schemeClr val="accent1"/>
+          </a:fillRef>
+          <a:effectRef idx="0">
+            <a:schemeClr val="accent1"/>
+          </a:effectRef>
+          <a:fontRef idx="minor">
+            <a:schemeClr val="lt1"/>
+          </a:fontRef>
+        </p:style>
+        <p:txBody>
+          <a:bodyPr rtlCol="0" anchor="ctr"/>
+          <a:lstStyle/>
+          <a:p>
+            <a:pPr algn="ctr"/>
+            <a:r>
+              <a:rPr lang="nl-BE" dirty="0" smtClean="0"/>
+              <a:t>subdomein110</a:t>
+            </a:r>
+            <a:endParaRPr lang="en-US" dirty="0"/>
+          </a:p>
+        </p:txBody>
+      </p:sp>
+      <p:sp>
+        <p:nvSpPr>
+          <p:cNvPr id="25" name="Rectangle 24"/>
+          <p:cNvSpPr/>
+          <p:nvPr/>
+        </p:nvSpPr>
+        <p:spPr>
+          <a:xfrm>
+            <a:off x="9879521" y="2202561"/>
+            <a:ext cx="1669409" cy="830510"/>
+          </a:xfrm>
+          <a:prstGeom prst="rect">
+            <a:avLst/>
+          </a:prstGeom>
+        </p:spPr>
+        <p:style>
+          <a:lnRef idx="2">
+            <a:schemeClr val="accent1">
+              <a:shade val="50000"/>
+            </a:schemeClr>
+          </a:lnRef>
+          <a:fillRef idx="1">
+            <a:schemeClr val="accent1"/>
+          </a:fillRef>
+          <a:effectRef idx="0">
+            <a:schemeClr val="accent1"/>
+          </a:effectRef>
+          <a:fontRef idx="minor">
+            <a:schemeClr val="lt1"/>
+          </a:fontRef>
+        </p:style>
+        <p:txBody>
+          <a:bodyPr rtlCol="0" anchor="ctr"/>
+          <a:lstStyle/>
+          <a:p>
+            <a:pPr algn="ctr"/>
+            <a:r>
+              <a:rPr lang="nl-BE" dirty="0" smtClean="0"/>
+              <a:t>thema120</a:t>
+            </a:r>
+            <a:endParaRPr lang="en-US" dirty="0"/>
+          </a:p>
+        </p:txBody>
+      </p:sp>
+      <p:sp>
+        <p:nvSpPr>
+          <p:cNvPr id="34" name="Rectangle 33"/>
+          <p:cNvSpPr/>
+          <p:nvPr/>
+        </p:nvSpPr>
+        <p:spPr>
+          <a:xfrm>
+            <a:off x="8108002" y="3606548"/>
+            <a:ext cx="1669409" cy="830510"/>
+          </a:xfrm>
+          <a:prstGeom prst="rect">
+            <a:avLst/>
+          </a:prstGeom>
+        </p:spPr>
+        <p:style>
+          <a:lnRef idx="2">
+            <a:schemeClr val="accent1">
+              <a:shade val="50000"/>
+            </a:schemeClr>
+          </a:lnRef>
+          <a:fillRef idx="1">
+            <a:schemeClr val="accent1"/>
+          </a:fillRef>
+          <a:effectRef idx="0">
+            <a:schemeClr val="accent1"/>
+          </a:effectRef>
+          <a:fontRef idx="minor">
+            <a:schemeClr val="lt1"/>
+          </a:fontRef>
+        </p:style>
+        <p:txBody>
+          <a:bodyPr rtlCol="0" anchor="ctr"/>
+          <a:lstStyle/>
+          <a:p>
+            <a:pPr algn="ctr"/>
+            <a:r>
+              <a:rPr lang="nl-BE" dirty="0" smtClean="0"/>
+              <a:t>bouwsteen210</a:t>
+            </a:r>
+            <a:endParaRPr lang="en-US" dirty="0"/>
+          </a:p>
+        </p:txBody>
+      </p:sp>
+      <p:cxnSp>
+        <p:nvCxnSpPr>
+          <p:cNvPr id="36" name="Straight Arrow Connector 35"/>
+          <p:cNvCxnSpPr/>
+          <p:nvPr/>
+        </p:nvCxnSpPr>
+        <p:spPr>
+          <a:xfrm>
+            <a:off x="10482087" y="6515327"/>
+            <a:ext cx="1241571" cy="0"/>
+          </a:xfrm>
+          <a:prstGeom prst="straightConnector1">
+            <a:avLst/>
+          </a:prstGeom>
+          <a:ln>
+            <a:headEnd type="triangle"/>
+            <a:tailEnd type="triangle"/>
+          </a:ln>
+        </p:spPr>
+        <p:style>
+          <a:lnRef idx="3">
+            <a:schemeClr val="accent3"/>
+          </a:lnRef>
+          <a:fillRef idx="0">
+            <a:schemeClr val="accent3"/>
+          </a:fillRef>
+          <a:effectRef idx="2">
+            <a:schemeClr val="accent3"/>
+          </a:effectRef>
+          <a:fontRef idx="minor">
+            <a:schemeClr val="tx1"/>
+          </a:fontRef>
+        </p:style>
+      </p:cxnSp>
+      <p:sp>
+        <p:nvSpPr>
+          <p:cNvPr id="37" name="TextBox 36"/>
+          <p:cNvSpPr txBox="1"/>
+          <p:nvPr/>
+        </p:nvSpPr>
+        <p:spPr>
+          <a:xfrm>
+            <a:off x="10399495" y="6116175"/>
+            <a:ext cx="1310615" cy="369332"/>
+          </a:xfrm>
+          <a:prstGeom prst="rect">
+            <a:avLst/>
+          </a:prstGeom>
+          <a:noFill/>
+        </p:spPr>
+        <p:txBody>
+          <a:bodyPr wrap="none" rtlCol="0">
+            <a:spAutoFit/>
+          </a:bodyPr>
+          <a:lstStyle/>
+          <a:p>
+            <a:r>
+              <a:rPr lang="nl-BE" dirty="0" err="1" smtClean="0"/>
+              <a:t>skos:related</a:t>
+            </a:r>
+            <a:endParaRPr lang="en-US" dirty="0"/>
+          </a:p>
+        </p:txBody>
+      </p:sp>
+      <p:cxnSp>
+        <p:nvCxnSpPr>
+          <p:cNvPr id="38" name="Straight Arrow Connector 37"/>
+          <p:cNvCxnSpPr>
+            <a:stCxn id="9" idx="3"/>
+            <a:endCxn id="10" idx="1"/>
+          </p:cNvCxnSpPr>
+          <p:nvPr/>
+        </p:nvCxnSpPr>
+        <p:spPr>
+          <a:xfrm>
+            <a:off x="4555920" y="2611466"/>
+            <a:ext cx="1780565" cy="0"/>
+          </a:xfrm>
+          <a:prstGeom prst="straightConnector1">
+            <a:avLst/>
+          </a:prstGeom>
+          <a:ln>
+            <a:headEnd type="triangle"/>
+            <a:tailEnd type="triangle"/>
+          </a:ln>
+        </p:spPr>
+        <p:style>
+          <a:lnRef idx="3">
+            <a:schemeClr val="accent3"/>
+          </a:lnRef>
+          <a:fillRef idx="0">
+            <a:schemeClr val="accent3"/>
+          </a:fillRef>
+          <a:effectRef idx="2">
+            <a:schemeClr val="accent3"/>
+          </a:effectRef>
+          <a:fontRef idx="minor">
+            <a:schemeClr val="tx1"/>
+          </a:fontRef>
+        </p:style>
+      </p:cxnSp>
+      <p:cxnSp>
+        <p:nvCxnSpPr>
+          <p:cNvPr id="41" name="Straight Arrow Connector 40"/>
+          <p:cNvCxnSpPr>
+            <a:endCxn id="24" idx="0"/>
+          </p:cNvCxnSpPr>
+          <p:nvPr/>
+        </p:nvCxnSpPr>
+        <p:spPr>
+          <a:xfrm flipV="1">
+            <a:off x="4583184" y="2202561"/>
+            <a:ext cx="4359524" cy="408906"/>
+          </a:xfrm>
+          <a:prstGeom prst="curvedConnector4">
+            <a:avLst>
+              <a:gd name="adj1" fmla="val 31768"/>
+              <a:gd name="adj2" fmla="val 211297"/>
+            </a:avLst>
+          </a:prstGeom>
+          <a:ln>
+            <a:headEnd type="triangle"/>
+            <a:tailEnd type="triangle"/>
+          </a:ln>
+        </p:spPr>
+        <p:style>
+          <a:lnRef idx="3">
+            <a:schemeClr val="accent3"/>
+          </a:lnRef>
+          <a:fillRef idx="0">
+            <a:schemeClr val="accent3"/>
+          </a:fillRef>
+          <a:effectRef idx="2">
+            <a:schemeClr val="accent3"/>
+          </a:effectRef>
+          <a:fontRef idx="minor">
+            <a:schemeClr val="tx1"/>
+          </a:fontRef>
+        </p:style>
+      </p:cxnSp>
+      <p:cxnSp>
+        <p:nvCxnSpPr>
+          <p:cNvPr id="47" name="Straight Arrow Connector 40"/>
+          <p:cNvCxnSpPr>
+            <a:stCxn id="9" idx="3"/>
+            <a:endCxn id="25" idx="0"/>
+          </p:cNvCxnSpPr>
+          <p:nvPr/>
+        </p:nvCxnSpPr>
+        <p:spPr>
+          <a:xfrm flipV="1">
+            <a:off x="4555920" y="2202561"/>
+            <a:ext cx="6158306" cy="408905"/>
+          </a:xfrm>
+          <a:prstGeom prst="curvedConnector4">
+            <a:avLst>
+              <a:gd name="adj1" fmla="val 18703"/>
+              <a:gd name="adj2" fmla="val 301068"/>
+            </a:avLst>
+          </a:prstGeom>
+          <a:ln>
+            <a:headEnd type="triangle"/>
+            <a:tailEnd type="triangle"/>
+          </a:ln>
+        </p:spPr>
+        <p:style>
+          <a:lnRef idx="3">
+            <a:schemeClr val="accent3"/>
+          </a:lnRef>
+          <a:fillRef idx="0">
+            <a:schemeClr val="accent3"/>
+          </a:fillRef>
+          <a:effectRef idx="2">
+            <a:schemeClr val="accent3"/>
+          </a:effectRef>
+          <a:fontRef idx="minor">
+            <a:schemeClr val="tx1"/>
+          </a:fontRef>
+        </p:style>
+      </p:cxnSp>
+      <p:cxnSp>
+        <p:nvCxnSpPr>
+          <p:cNvPr id="54" name="Straight Arrow Connector 53"/>
+          <p:cNvCxnSpPr/>
+          <p:nvPr/>
+        </p:nvCxnSpPr>
+        <p:spPr>
+          <a:xfrm>
+            <a:off x="4542287" y="4011748"/>
+            <a:ext cx="1780565" cy="0"/>
+          </a:xfrm>
+          <a:prstGeom prst="straightConnector1">
+            <a:avLst/>
+          </a:prstGeom>
+          <a:ln>
+            <a:headEnd type="triangle"/>
+            <a:tailEnd type="triangle"/>
+          </a:ln>
+        </p:spPr>
+        <p:style>
+          <a:lnRef idx="3">
+            <a:schemeClr val="accent3"/>
+          </a:lnRef>
+          <a:fillRef idx="0">
+            <a:schemeClr val="accent3"/>
+          </a:fillRef>
+          <a:effectRef idx="2">
+            <a:schemeClr val="accent3"/>
+          </a:effectRef>
+          <a:fontRef idx="minor">
+            <a:schemeClr val="tx1"/>
+          </a:fontRef>
+        </p:style>
+      </p:cxnSp>
+      <p:cxnSp>
+        <p:nvCxnSpPr>
+          <p:cNvPr id="57" name="Straight Arrow Connector 40"/>
+          <p:cNvCxnSpPr/>
+          <p:nvPr/>
+        </p:nvCxnSpPr>
+        <p:spPr>
+          <a:xfrm flipV="1">
+            <a:off x="4528656" y="3596492"/>
+            <a:ext cx="4359524" cy="408906"/>
+          </a:xfrm>
+          <a:prstGeom prst="curvedConnector4">
+            <a:avLst>
+              <a:gd name="adj1" fmla="val 31768"/>
+              <a:gd name="adj2" fmla="val 211297"/>
+            </a:avLst>
+          </a:prstGeom>
+          <a:ln>
+            <a:headEnd type="triangle"/>
+            <a:tailEnd type="triangle"/>
+          </a:ln>
+        </p:spPr>
+        <p:style>
+          <a:lnRef idx="3">
+            <a:schemeClr val="accent3"/>
+          </a:lnRef>
+          <a:fillRef idx="0">
+            <a:schemeClr val="accent3"/>
+          </a:fillRef>
+          <a:effectRef idx="2">
+            <a:schemeClr val="accent3"/>
+          </a:effectRef>
+          <a:fontRef idx="minor">
+            <a:schemeClr val="tx1"/>
+          </a:fontRef>
+        </p:style>
+      </p:cxnSp>
+    </p:spTree>
+    <p:extLst>
+      <p:ext uri="{BB962C8B-B14F-4D97-AF65-F5344CB8AC3E}">
+        <p14:creationId xmlns:p14="http://schemas.microsoft.com/office/powerpoint/2010/main" val="211160614"/>
+      </p:ext>
+    </p:extLst>
+  </p:cSld>
+  <p:clrMapOvr>
+    <a:masterClrMapping/>
+  </p:clrMapOvr>
+</p:sld>
+</file>
+
+<file path=ppt/slides/slide14.xml><?xml version="1.0" encoding="utf-8"?>
+<p:sld xmlns:a="http://schemas.openxmlformats.org/drawingml/2006/main" xmlns:r="http://schemas.openxmlformats.org/officeDocument/2006/relationships" xmlns:p="http://schemas.openxmlformats.org/presentationml/2006/main">
+  <p:cSld>
+    <p:spTree>
+      <p:nvGrpSpPr>
+        <p:cNvPr id="1" name=""/>
+        <p:cNvGrpSpPr/>
+        <p:nvPr/>
+      </p:nvGrpSpPr>
+      <p:grpSpPr>
+        <a:xfrm>
+          <a:off x="0" y="0"/>
+          <a:ext cx="0" cy="0"/>
+          <a:chOff x="0" y="0"/>
+          <a:chExt cx="0" cy="0"/>
+        </a:xfrm>
+      </p:grpSpPr>
+      <p:sp>
+        <p:nvSpPr>
           <p:cNvPr id="9" name="Rectangle 8"/>
           <p:cNvSpPr/>
           <p:nvPr/>
@@ -6014,43 +7872,22 @@
       </p:grpSpPr>
       <p:sp>
         <p:nvSpPr>
-          <p:cNvPr id="61" name="Rectangle 60"/>
-          <p:cNvSpPr/>
-          <p:nvPr/>
-        </p:nvSpPr>
-        <p:spPr>
-          <a:xfrm>
-            <a:off x="280646" y="3703444"/>
-            <a:ext cx="1669409" cy="830510"/>
-          </a:xfrm>
-          <a:prstGeom prst="rect">
-            <a:avLst/>
-          </a:prstGeom>
-        </p:spPr>
-        <p:style>
-          <a:lnRef idx="2">
-            <a:schemeClr val="accent1">
-              <a:shade val="50000"/>
-            </a:schemeClr>
-          </a:lnRef>
-          <a:fillRef idx="1">
-            <a:schemeClr val="accent1"/>
-          </a:fillRef>
-          <a:effectRef idx="0">
-            <a:schemeClr val="accent1"/>
-          </a:effectRef>
-          <a:fontRef idx="minor">
-            <a:schemeClr val="lt1"/>
-          </a:fontRef>
-        </p:style>
-        <p:txBody>
-          <a:bodyPr rtlCol="0" anchor="ctr"/>
-          <a:lstStyle/>
-          <a:p>
-            <a:pPr algn="ctr"/>
-            <a:r>
-              <a:rPr lang="nl-BE" dirty="0" err="1" smtClean="0"/>
-              <a:t>beroeps-kwalificaties</a:t>
+          <p:cNvPr id="2" name="Title 1"/>
+          <p:cNvSpPr>
+            <a:spLocks noGrp="1"/>
+          </p:cNvSpPr>
+          <p:nvPr>
+            <p:ph type="title"/>
+          </p:nvPr>
+        </p:nvSpPr>
+        <p:spPr/>
+        <p:txBody>
+          <a:bodyPr/>
+          <a:lstStyle/>
+          <a:p>
+            <a:r>
+              <a:rPr lang="nl-BE" dirty="0" smtClean="0"/>
+              <a:t>volgende slides...</a:t>
             </a:r>
             <a:endParaRPr lang="en-US" dirty="0"/>
           </a:p>
@@ -6058,855 +7895,52 @@
       </p:sp>
       <p:sp>
         <p:nvSpPr>
-          <p:cNvPr id="60" name="Rectangle 59"/>
-          <p:cNvSpPr/>
-          <p:nvPr/>
-        </p:nvSpPr>
-        <p:spPr>
-          <a:xfrm>
-            <a:off x="2032552" y="3703444"/>
-            <a:ext cx="1669409" cy="830510"/>
-          </a:xfrm>
-          <a:prstGeom prst="rect">
-            <a:avLst/>
-          </a:prstGeom>
-        </p:spPr>
-        <p:style>
-          <a:lnRef idx="2">
-            <a:schemeClr val="accent1">
-              <a:shade val="50000"/>
-            </a:schemeClr>
-          </a:lnRef>
-          <a:fillRef idx="1">
-            <a:schemeClr val="accent1"/>
-          </a:fillRef>
-          <a:effectRef idx="0">
-            <a:schemeClr val="accent1"/>
-          </a:effectRef>
-          <a:fontRef idx="minor">
-            <a:schemeClr val="lt1"/>
-          </a:fontRef>
-        </p:style>
-        <p:txBody>
-          <a:bodyPr rtlCol="0" anchor="ctr"/>
-          <a:lstStyle/>
-          <a:p>
-            <a:pPr algn="ctr"/>
+          <p:cNvPr id="3" name="Content Placeholder 2"/>
+          <p:cNvSpPr>
+            <a:spLocks noGrp="1"/>
+          </p:cNvSpPr>
+          <p:nvPr>
+            <p:ph idx="1"/>
+          </p:nvPr>
+        </p:nvSpPr>
+        <p:spPr/>
+        <p:txBody>
+          <a:bodyPr/>
+          <a:lstStyle/>
+          <a:p>
             <a:r>
               <a:rPr lang="nl-BE" dirty="0" smtClean="0"/>
-              <a:t>wetenschaps-domeinen</a:t>
+              <a:t>Eerst met, dan zonder:</a:t>
+            </a:r>
+          </a:p>
+          <a:p>
+            <a:pPr lvl="1"/>
+            <a:r>
+              <a:rPr lang="nl-BE" dirty="0" smtClean="0"/>
+              <a:t>studiedomein</a:t>
+            </a:r>
+          </a:p>
+          <a:p>
+            <a:pPr lvl="1"/>
+            <a:r>
+              <a:rPr lang="nl-BE" dirty="0" smtClean="0"/>
+              <a:t>wetenschapsdomein</a:t>
+            </a:r>
+          </a:p>
+          <a:p>
+            <a:pPr lvl="1"/>
+            <a:r>
+              <a:rPr lang="nl-BE" smtClean="0"/>
+              <a:t>beroepskwalificatie</a:t>
             </a:r>
             <a:endParaRPr lang="en-US" dirty="0"/>
           </a:p>
         </p:txBody>
       </p:sp>
-      <p:sp>
-        <p:nvSpPr>
-          <p:cNvPr id="59" name="Rectangle 58"/>
-          <p:cNvSpPr/>
-          <p:nvPr/>
-        </p:nvSpPr>
-        <p:spPr>
-          <a:xfrm>
-            <a:off x="2032557" y="2763866"/>
-            <a:ext cx="1669409" cy="830510"/>
-          </a:xfrm>
-          <a:prstGeom prst="rect">
-            <a:avLst/>
-          </a:prstGeom>
-        </p:spPr>
-        <p:style>
-          <a:lnRef idx="2">
-            <a:schemeClr val="accent1">
-              <a:shade val="50000"/>
-            </a:schemeClr>
-          </a:lnRef>
-          <a:fillRef idx="1">
-            <a:schemeClr val="accent1"/>
-          </a:fillRef>
-          <a:effectRef idx="0">
-            <a:schemeClr val="accent1"/>
-          </a:effectRef>
-          <a:fontRef idx="minor">
-            <a:schemeClr val="lt1"/>
-          </a:fontRef>
-        </p:style>
-        <p:txBody>
-          <a:bodyPr rtlCol="0" anchor="ctr"/>
-          <a:lstStyle/>
-          <a:p>
-            <a:pPr algn="ctr"/>
-            <a:r>
-              <a:rPr lang="nl-BE" dirty="0" err="1" smtClean="0"/>
-              <a:t>studie-domeinen</a:t>
-            </a:r>
-            <a:endParaRPr lang="en-US" dirty="0"/>
-          </a:p>
-        </p:txBody>
-      </p:sp>
-      <p:sp>
-        <p:nvSpPr>
-          <p:cNvPr id="3" name="Rectangle 2"/>
-          <p:cNvSpPr/>
-          <p:nvPr/>
-        </p:nvSpPr>
-        <p:spPr>
-          <a:xfrm>
-            <a:off x="3784458" y="1812022"/>
-            <a:ext cx="1669409" cy="830510"/>
-          </a:xfrm>
-          <a:prstGeom prst="rect">
-            <a:avLst/>
-          </a:prstGeom>
-        </p:spPr>
-        <p:style>
-          <a:lnRef idx="2">
-            <a:schemeClr val="accent1">
-              <a:shade val="50000"/>
-            </a:schemeClr>
-          </a:lnRef>
-          <a:fillRef idx="1">
-            <a:schemeClr val="accent1"/>
-          </a:fillRef>
-          <a:effectRef idx="0">
-            <a:schemeClr val="accent1"/>
-          </a:effectRef>
-          <a:fontRef idx="minor">
-            <a:schemeClr val="lt1"/>
-          </a:fontRef>
-        </p:style>
-        <p:txBody>
-          <a:bodyPr rtlCol="0" anchor="ctr"/>
-          <a:lstStyle/>
-          <a:p>
-            <a:pPr algn="ctr"/>
-            <a:r>
-              <a:rPr lang="nl-BE" dirty="0" smtClean="0"/>
-              <a:t>secundair onderwijs</a:t>
-            </a:r>
-            <a:endParaRPr lang="en-US" dirty="0"/>
-          </a:p>
-        </p:txBody>
-      </p:sp>
-      <p:sp>
-        <p:nvSpPr>
-          <p:cNvPr id="5" name="Rectangle 4"/>
-          <p:cNvSpPr/>
-          <p:nvPr/>
-        </p:nvSpPr>
-        <p:spPr>
-          <a:xfrm>
-            <a:off x="3784458" y="2763866"/>
-            <a:ext cx="1669409" cy="830510"/>
-          </a:xfrm>
-          <a:prstGeom prst="rect">
-            <a:avLst/>
-          </a:prstGeom>
-        </p:spPr>
-        <p:style>
-          <a:lnRef idx="2">
-            <a:schemeClr val="accent1">
-              <a:shade val="50000"/>
-            </a:schemeClr>
-          </a:lnRef>
-          <a:fillRef idx="1">
-            <a:schemeClr val="accent1"/>
-          </a:fillRef>
-          <a:effectRef idx="0">
-            <a:schemeClr val="accent1"/>
-          </a:effectRef>
-          <a:fontRef idx="minor">
-            <a:schemeClr val="lt1"/>
-          </a:fontRef>
-        </p:style>
-        <p:txBody>
-          <a:bodyPr rtlCol="0" anchor="ctr"/>
-          <a:lstStyle/>
-          <a:p>
-            <a:pPr algn="ctr"/>
-            <a:r>
-              <a:rPr lang="nl-BE" dirty="0" smtClean="0"/>
-              <a:t>sleutel-competenties</a:t>
-            </a:r>
-            <a:endParaRPr lang="en-US" dirty="0"/>
-          </a:p>
-        </p:txBody>
-      </p:sp>
-      <p:sp>
-        <p:nvSpPr>
-          <p:cNvPr id="6" name="Rectangle 5"/>
-          <p:cNvSpPr/>
-          <p:nvPr/>
-        </p:nvSpPr>
-        <p:spPr>
-          <a:xfrm>
-            <a:off x="3784454" y="3704891"/>
-            <a:ext cx="1669409" cy="829063"/>
-          </a:xfrm>
-          <a:prstGeom prst="rect">
-            <a:avLst/>
-          </a:prstGeom>
-        </p:spPr>
-        <p:style>
-          <a:lnRef idx="2">
-            <a:schemeClr val="accent1">
-              <a:shade val="50000"/>
-            </a:schemeClr>
-          </a:lnRef>
-          <a:fillRef idx="1">
-            <a:schemeClr val="accent1"/>
-          </a:fillRef>
-          <a:effectRef idx="0">
-            <a:schemeClr val="accent1"/>
-          </a:effectRef>
-          <a:fontRef idx="minor">
-            <a:schemeClr val="lt1"/>
-          </a:fontRef>
-        </p:style>
-        <p:txBody>
-          <a:bodyPr rtlCol="0" anchor="ctr"/>
-          <a:lstStyle/>
-          <a:p>
-            <a:pPr algn="ctr"/>
-            <a:r>
-              <a:rPr lang="nl-BE" dirty="0" smtClean="0"/>
-              <a:t>bouwstenen</a:t>
-            </a:r>
-            <a:endParaRPr lang="en-US" dirty="0"/>
-          </a:p>
-        </p:txBody>
-      </p:sp>
-      <p:sp>
-        <p:nvSpPr>
-          <p:cNvPr id="7" name="Rectangle 6"/>
-          <p:cNvSpPr/>
-          <p:nvPr/>
-        </p:nvSpPr>
-        <p:spPr>
-          <a:xfrm>
-            <a:off x="3784455" y="4667554"/>
-            <a:ext cx="1669409" cy="830510"/>
-          </a:xfrm>
-          <a:prstGeom prst="rect">
-            <a:avLst/>
-          </a:prstGeom>
-        </p:spPr>
-        <p:style>
-          <a:lnRef idx="2">
-            <a:schemeClr val="accent1">
-              <a:shade val="50000"/>
-            </a:schemeClr>
-          </a:lnRef>
-          <a:fillRef idx="1">
-            <a:schemeClr val="accent1"/>
-          </a:fillRef>
-          <a:effectRef idx="0">
-            <a:schemeClr val="accent1"/>
-          </a:effectRef>
-          <a:fontRef idx="minor">
-            <a:schemeClr val="lt1"/>
-          </a:fontRef>
-        </p:style>
-        <p:txBody>
-          <a:bodyPr rtlCol="0" anchor="ctr"/>
-          <a:lstStyle/>
-          <a:p>
-            <a:pPr algn="ctr"/>
-            <a:r>
-              <a:rPr lang="nl-BE" dirty="0" smtClean="0"/>
-              <a:t>vakken</a:t>
-            </a:r>
-            <a:endParaRPr lang="en-US" dirty="0"/>
-          </a:p>
-        </p:txBody>
-      </p:sp>
-      <p:sp>
-        <p:nvSpPr>
-          <p:cNvPr id="8" name="Rectangle 7"/>
-          <p:cNvSpPr/>
-          <p:nvPr/>
-        </p:nvSpPr>
-        <p:spPr>
-          <a:xfrm>
-            <a:off x="3784454" y="5619398"/>
-            <a:ext cx="1669409" cy="830510"/>
-          </a:xfrm>
-          <a:prstGeom prst="rect">
-            <a:avLst/>
-          </a:prstGeom>
-        </p:spPr>
-        <p:style>
-          <a:lnRef idx="2">
-            <a:schemeClr val="accent1">
-              <a:shade val="50000"/>
-            </a:schemeClr>
-          </a:lnRef>
-          <a:fillRef idx="1">
-            <a:schemeClr val="accent1"/>
-          </a:fillRef>
-          <a:effectRef idx="0">
-            <a:schemeClr val="accent1"/>
-          </a:effectRef>
-          <a:fontRef idx="minor">
-            <a:schemeClr val="lt1"/>
-          </a:fontRef>
-        </p:style>
-        <p:txBody>
-          <a:bodyPr rtlCol="0" anchor="ctr"/>
-          <a:lstStyle/>
-          <a:p>
-            <a:pPr algn="ctr"/>
-            <a:r>
-              <a:rPr lang="nl-BE" dirty="0" smtClean="0"/>
-              <a:t>trefwoorden</a:t>
-            </a:r>
-            <a:endParaRPr lang="en-US" dirty="0"/>
-          </a:p>
-        </p:txBody>
-      </p:sp>
-      <p:sp>
-        <p:nvSpPr>
-          <p:cNvPr id="9" name="Rectangle 8"/>
-          <p:cNvSpPr/>
-          <p:nvPr/>
-        </p:nvSpPr>
-        <p:spPr>
-          <a:xfrm>
-            <a:off x="6814282" y="1812022"/>
-            <a:ext cx="1669409" cy="830510"/>
-          </a:xfrm>
-          <a:prstGeom prst="rect">
-            <a:avLst/>
-          </a:prstGeom>
-        </p:spPr>
-        <p:style>
-          <a:lnRef idx="2">
-            <a:schemeClr val="accent1">
-              <a:shade val="50000"/>
-            </a:schemeClr>
-          </a:lnRef>
-          <a:fillRef idx="1">
-            <a:schemeClr val="accent1"/>
-          </a:fillRef>
-          <a:effectRef idx="0">
-            <a:schemeClr val="accent1"/>
-          </a:effectRef>
-          <a:fontRef idx="minor">
-            <a:schemeClr val="lt1"/>
-          </a:fontRef>
-        </p:style>
-        <p:txBody>
-          <a:bodyPr rtlCol="0" anchor="ctr"/>
-          <a:lstStyle/>
-          <a:p>
-            <a:pPr algn="ctr"/>
-            <a:r>
-              <a:rPr lang="nl-BE" dirty="0" smtClean="0"/>
-              <a:t>sleutel-competentie1</a:t>
-            </a:r>
-            <a:endParaRPr lang="en-US" dirty="0"/>
-          </a:p>
-        </p:txBody>
-      </p:sp>
-      <p:sp>
-        <p:nvSpPr>
-          <p:cNvPr id="11" name="Rectangle 10"/>
-          <p:cNvSpPr/>
-          <p:nvPr/>
-        </p:nvSpPr>
-        <p:spPr>
-          <a:xfrm>
-            <a:off x="7288259" y="3132369"/>
-            <a:ext cx="1669409" cy="830510"/>
-          </a:xfrm>
-          <a:prstGeom prst="rect">
-            <a:avLst/>
-          </a:prstGeom>
-        </p:spPr>
-        <p:style>
-          <a:lnRef idx="2">
-            <a:schemeClr val="accent1">
-              <a:shade val="50000"/>
-            </a:schemeClr>
-          </a:lnRef>
-          <a:fillRef idx="1">
-            <a:schemeClr val="accent1"/>
-          </a:fillRef>
-          <a:effectRef idx="0">
-            <a:schemeClr val="accent1"/>
-          </a:effectRef>
-          <a:fontRef idx="minor">
-            <a:schemeClr val="lt1"/>
-          </a:fontRef>
-        </p:style>
-        <p:txBody>
-          <a:bodyPr rtlCol="0" anchor="ctr"/>
-          <a:lstStyle/>
-          <a:p>
-            <a:pPr algn="ctr"/>
-            <a:r>
-              <a:rPr lang="nl-BE" dirty="0" smtClean="0"/>
-              <a:t>bouwsteen1</a:t>
-            </a:r>
-            <a:endParaRPr lang="en-US" dirty="0"/>
-          </a:p>
-        </p:txBody>
-      </p:sp>
-      <p:sp>
-        <p:nvSpPr>
-          <p:cNvPr id="12" name="Rectangle 11"/>
-          <p:cNvSpPr/>
-          <p:nvPr/>
-        </p:nvSpPr>
-        <p:spPr>
-          <a:xfrm>
-            <a:off x="10102764" y="4460460"/>
-            <a:ext cx="1669409" cy="830510"/>
-          </a:xfrm>
-          <a:prstGeom prst="rect">
-            <a:avLst/>
-          </a:prstGeom>
-        </p:spPr>
-        <p:style>
-          <a:lnRef idx="2">
-            <a:schemeClr val="accent1">
-              <a:shade val="50000"/>
-            </a:schemeClr>
-          </a:lnRef>
-          <a:fillRef idx="1">
-            <a:schemeClr val="accent1"/>
-          </a:fillRef>
-          <a:effectRef idx="0">
-            <a:schemeClr val="accent1"/>
-          </a:effectRef>
-          <a:fontRef idx="minor">
-            <a:schemeClr val="lt1"/>
-          </a:fontRef>
-        </p:style>
-        <p:txBody>
-          <a:bodyPr rtlCol="0" anchor="ctr"/>
-          <a:lstStyle/>
-          <a:p>
-            <a:pPr algn="ctr"/>
-            <a:r>
-              <a:rPr lang="nl-BE" dirty="0" smtClean="0"/>
-              <a:t>vak1</a:t>
-            </a:r>
-            <a:endParaRPr lang="en-US" dirty="0"/>
-          </a:p>
-        </p:txBody>
-      </p:sp>
-      <p:sp>
-        <p:nvSpPr>
-          <p:cNvPr id="13" name="Rectangle 12"/>
-          <p:cNvSpPr/>
-          <p:nvPr/>
-        </p:nvSpPr>
-        <p:spPr>
-          <a:xfrm>
-            <a:off x="10102766" y="5784325"/>
-            <a:ext cx="1669409" cy="830510"/>
-          </a:xfrm>
-          <a:prstGeom prst="rect">
-            <a:avLst/>
-          </a:prstGeom>
-        </p:spPr>
-        <p:style>
-          <a:lnRef idx="2">
-            <a:schemeClr val="accent1">
-              <a:shade val="50000"/>
-            </a:schemeClr>
-          </a:lnRef>
-          <a:fillRef idx="1">
-            <a:schemeClr val="accent1"/>
-          </a:fillRef>
-          <a:effectRef idx="0">
-            <a:schemeClr val="accent1"/>
-          </a:effectRef>
-          <a:fontRef idx="minor">
-            <a:schemeClr val="lt1"/>
-          </a:fontRef>
-        </p:style>
-        <p:txBody>
-          <a:bodyPr rtlCol="0" anchor="ctr"/>
-          <a:lstStyle/>
-          <a:p>
-            <a:pPr algn="ctr"/>
-            <a:r>
-              <a:rPr lang="nl-BE" dirty="0" smtClean="0"/>
-              <a:t>trefwoord1</a:t>
-            </a:r>
-            <a:endParaRPr lang="en-US" dirty="0"/>
-          </a:p>
-        </p:txBody>
-      </p:sp>
-      <p:cxnSp>
-        <p:nvCxnSpPr>
-          <p:cNvPr id="44" name="Curved Connector 43"/>
-          <p:cNvCxnSpPr>
-            <a:stCxn id="3" idx="3"/>
-            <a:endCxn id="9" idx="1"/>
-          </p:cNvCxnSpPr>
-          <p:nvPr/>
-        </p:nvCxnSpPr>
-        <p:spPr>
-          <a:xfrm>
-            <a:off x="5453867" y="2227277"/>
-            <a:ext cx="1360415" cy="12700"/>
-          </a:xfrm>
-          <a:prstGeom prst="curvedConnector3">
-            <a:avLst/>
-          </a:prstGeom>
-          <a:ln>
-            <a:tailEnd type="triangle"/>
-          </a:ln>
-        </p:spPr>
-        <p:style>
-          <a:lnRef idx="3">
-            <a:schemeClr val="accent5"/>
-          </a:lnRef>
-          <a:fillRef idx="0">
-            <a:schemeClr val="accent5"/>
-          </a:fillRef>
-          <a:effectRef idx="2">
-            <a:schemeClr val="accent5"/>
-          </a:effectRef>
-          <a:fontRef idx="minor">
-            <a:schemeClr val="tx1"/>
-          </a:fontRef>
-        </p:style>
-      </p:cxnSp>
-      <p:cxnSp>
-        <p:nvCxnSpPr>
-          <p:cNvPr id="46" name="Curved Connector 45"/>
-          <p:cNvCxnSpPr>
-            <a:stCxn id="3" idx="3"/>
-            <a:endCxn id="11" idx="1"/>
-          </p:cNvCxnSpPr>
-          <p:nvPr/>
-        </p:nvCxnSpPr>
-        <p:spPr>
-          <a:xfrm>
-            <a:off x="5453867" y="2227277"/>
-            <a:ext cx="1834392" cy="1320347"/>
-          </a:xfrm>
-          <a:prstGeom prst="curvedConnector3">
-            <a:avLst>
-              <a:gd name="adj1" fmla="val 43140"/>
-            </a:avLst>
-          </a:prstGeom>
-          <a:ln>
-            <a:tailEnd type="triangle"/>
-          </a:ln>
-        </p:spPr>
-        <p:style>
-          <a:lnRef idx="3">
-            <a:schemeClr val="accent5"/>
-          </a:lnRef>
-          <a:fillRef idx="0">
-            <a:schemeClr val="accent5"/>
-          </a:fillRef>
-          <a:effectRef idx="2">
-            <a:schemeClr val="accent5"/>
-          </a:effectRef>
-          <a:fontRef idx="minor">
-            <a:schemeClr val="tx1"/>
-          </a:fontRef>
-        </p:style>
-      </p:cxnSp>
-      <p:cxnSp>
-        <p:nvCxnSpPr>
-          <p:cNvPr id="48" name="Curved Connector 47"/>
-          <p:cNvCxnSpPr>
-            <a:stCxn id="3" idx="3"/>
-            <a:endCxn id="12" idx="1"/>
-          </p:cNvCxnSpPr>
-          <p:nvPr/>
-        </p:nvCxnSpPr>
-        <p:spPr>
-          <a:xfrm>
-            <a:off x="5453867" y="2227277"/>
-            <a:ext cx="4648897" cy="2648438"/>
-          </a:xfrm>
-          <a:prstGeom prst="curvedConnector3">
-            <a:avLst>
-              <a:gd name="adj1" fmla="val 29068"/>
-            </a:avLst>
-          </a:prstGeom>
-          <a:ln>
-            <a:tailEnd type="triangle"/>
-          </a:ln>
-        </p:spPr>
-        <p:style>
-          <a:lnRef idx="3">
-            <a:schemeClr val="accent5"/>
-          </a:lnRef>
-          <a:fillRef idx="0">
-            <a:schemeClr val="accent5"/>
-          </a:fillRef>
-          <a:effectRef idx="2">
-            <a:schemeClr val="accent5"/>
-          </a:effectRef>
-          <a:fontRef idx="minor">
-            <a:schemeClr val="tx1"/>
-          </a:fontRef>
-        </p:style>
-      </p:cxnSp>
-      <p:cxnSp>
-        <p:nvCxnSpPr>
-          <p:cNvPr id="55" name="Curved Connector 54"/>
-          <p:cNvCxnSpPr>
-            <a:stCxn id="3" idx="3"/>
-            <a:endCxn id="13" idx="1"/>
-          </p:cNvCxnSpPr>
-          <p:nvPr/>
-        </p:nvCxnSpPr>
-        <p:spPr>
-          <a:xfrm>
-            <a:off x="5453867" y="2227277"/>
-            <a:ext cx="4648899" cy="3972303"/>
-          </a:xfrm>
-          <a:prstGeom prst="curvedConnector3">
-            <a:avLst>
-              <a:gd name="adj1" fmla="val 19323"/>
-            </a:avLst>
-          </a:prstGeom>
-          <a:ln>
-            <a:tailEnd type="triangle"/>
-          </a:ln>
-        </p:spPr>
-        <p:style>
-          <a:lnRef idx="3">
-            <a:schemeClr val="accent5"/>
-          </a:lnRef>
-          <a:fillRef idx="0">
-            <a:schemeClr val="accent5"/>
-          </a:fillRef>
-          <a:effectRef idx="2">
-            <a:schemeClr val="accent5"/>
-          </a:effectRef>
-          <a:fontRef idx="minor">
-            <a:schemeClr val="tx1"/>
-          </a:fontRef>
-        </p:style>
-      </p:cxnSp>
-      <p:cxnSp>
-        <p:nvCxnSpPr>
-          <p:cNvPr id="63" name="Curved Connector 62"/>
-          <p:cNvCxnSpPr>
-            <a:stCxn id="5" idx="3"/>
-            <a:endCxn id="9" idx="1"/>
-          </p:cNvCxnSpPr>
-          <p:nvPr/>
-        </p:nvCxnSpPr>
-        <p:spPr>
-          <a:xfrm flipV="1">
-            <a:off x="5453867" y="2227277"/>
-            <a:ext cx="1360415" cy="951844"/>
-          </a:xfrm>
-          <a:prstGeom prst="curvedConnector3">
-            <a:avLst>
-              <a:gd name="adj1" fmla="val 50000"/>
-            </a:avLst>
-          </a:prstGeom>
-          <a:ln>
-            <a:tailEnd type="triangle"/>
-          </a:ln>
-        </p:spPr>
-        <p:style>
-          <a:lnRef idx="3">
-            <a:schemeClr val="accent5"/>
-          </a:lnRef>
-          <a:fillRef idx="0">
-            <a:schemeClr val="accent5"/>
-          </a:fillRef>
-          <a:effectRef idx="2">
-            <a:schemeClr val="accent5"/>
-          </a:effectRef>
-          <a:fontRef idx="minor">
-            <a:schemeClr val="tx1"/>
-          </a:fontRef>
-        </p:style>
-      </p:cxnSp>
-      <p:cxnSp>
-        <p:nvCxnSpPr>
-          <p:cNvPr id="69" name="Curved Connector 68"/>
-          <p:cNvCxnSpPr>
-            <a:stCxn id="6" idx="3"/>
-            <a:endCxn id="11" idx="1"/>
-          </p:cNvCxnSpPr>
-          <p:nvPr/>
-        </p:nvCxnSpPr>
-        <p:spPr>
-          <a:xfrm flipV="1">
-            <a:off x="5453863" y="3547624"/>
-            <a:ext cx="1834396" cy="571799"/>
-          </a:xfrm>
-          <a:prstGeom prst="curvedConnector3">
-            <a:avLst>
-              <a:gd name="adj1" fmla="val 37195"/>
-            </a:avLst>
-          </a:prstGeom>
-          <a:ln>
-            <a:tailEnd type="triangle"/>
-          </a:ln>
-        </p:spPr>
-        <p:style>
-          <a:lnRef idx="3">
-            <a:schemeClr val="accent5"/>
-          </a:lnRef>
-          <a:fillRef idx="0">
-            <a:schemeClr val="accent5"/>
-          </a:fillRef>
-          <a:effectRef idx="2">
-            <a:schemeClr val="accent5"/>
-          </a:effectRef>
-          <a:fontRef idx="minor">
-            <a:schemeClr val="tx1"/>
-          </a:fontRef>
-        </p:style>
-      </p:cxnSp>
-      <p:cxnSp>
-        <p:nvCxnSpPr>
-          <p:cNvPr id="73" name="Curved Connector 72"/>
-          <p:cNvCxnSpPr>
-            <a:stCxn id="7" idx="3"/>
-            <a:endCxn id="12" idx="1"/>
-          </p:cNvCxnSpPr>
-          <p:nvPr/>
-        </p:nvCxnSpPr>
-        <p:spPr>
-          <a:xfrm flipV="1">
-            <a:off x="5453864" y="4875715"/>
-            <a:ext cx="4648900" cy="207094"/>
-          </a:xfrm>
-          <a:prstGeom prst="curvedConnector3">
-            <a:avLst>
-              <a:gd name="adj1" fmla="val 50000"/>
-            </a:avLst>
-          </a:prstGeom>
-          <a:ln>
-            <a:tailEnd type="triangle"/>
-          </a:ln>
-        </p:spPr>
-        <p:style>
-          <a:lnRef idx="3">
-            <a:schemeClr val="accent5"/>
-          </a:lnRef>
-          <a:fillRef idx="0">
-            <a:schemeClr val="accent5"/>
-          </a:fillRef>
-          <a:effectRef idx="2">
-            <a:schemeClr val="accent5"/>
-          </a:effectRef>
-          <a:fontRef idx="minor">
-            <a:schemeClr val="tx1"/>
-          </a:fontRef>
-        </p:style>
-      </p:cxnSp>
-      <p:cxnSp>
-        <p:nvCxnSpPr>
-          <p:cNvPr id="81" name="Curved Connector 80"/>
-          <p:cNvCxnSpPr>
-            <a:stCxn id="8" idx="3"/>
-            <a:endCxn id="13" idx="1"/>
-          </p:cNvCxnSpPr>
-          <p:nvPr/>
-        </p:nvCxnSpPr>
-        <p:spPr>
-          <a:xfrm>
-            <a:off x="5453863" y="6034653"/>
-            <a:ext cx="4648903" cy="164927"/>
-          </a:xfrm>
-          <a:prstGeom prst="curvedConnector3">
-            <a:avLst/>
-          </a:prstGeom>
-          <a:ln>
-            <a:tailEnd type="triangle"/>
-          </a:ln>
-        </p:spPr>
-        <p:style>
-          <a:lnRef idx="3">
-            <a:schemeClr val="accent5"/>
-          </a:lnRef>
-          <a:fillRef idx="0">
-            <a:schemeClr val="accent5"/>
-          </a:fillRef>
-          <a:effectRef idx="2">
-            <a:schemeClr val="accent5"/>
-          </a:effectRef>
-          <a:fontRef idx="minor">
-            <a:schemeClr val="tx1"/>
-          </a:fontRef>
-        </p:style>
-      </p:cxnSp>
-      <p:sp>
-        <p:nvSpPr>
-          <p:cNvPr id="85" name="TextBox 84"/>
-          <p:cNvSpPr txBox="1"/>
-          <p:nvPr/>
-        </p:nvSpPr>
-        <p:spPr>
-          <a:xfrm>
-            <a:off x="9746849" y="196458"/>
-            <a:ext cx="1446486" cy="369332"/>
-          </a:xfrm>
-          <a:prstGeom prst="rect">
-            <a:avLst/>
-          </a:prstGeom>
-          <a:noFill/>
-        </p:spPr>
-        <p:txBody>
-          <a:bodyPr wrap="none" rtlCol="0">
-            <a:spAutoFit/>
-          </a:bodyPr>
-          <a:lstStyle/>
-          <a:p>
-            <a:r>
-              <a:rPr lang="nl-BE" dirty="0" err="1" smtClean="0"/>
-              <a:t>skos:member</a:t>
-            </a:r>
-            <a:endParaRPr lang="en-US" dirty="0"/>
-          </a:p>
-        </p:txBody>
-      </p:sp>
-      <p:cxnSp>
-        <p:nvCxnSpPr>
-          <p:cNvPr id="107" name="Straight Arrow Connector 106"/>
-          <p:cNvCxnSpPr/>
-          <p:nvPr/>
-        </p:nvCxnSpPr>
-        <p:spPr>
-          <a:xfrm>
-            <a:off x="9810968" y="639727"/>
-            <a:ext cx="1241571" cy="0"/>
-          </a:xfrm>
-          <a:prstGeom prst="straightConnector1">
-            <a:avLst/>
-          </a:prstGeom>
-          <a:ln>
-            <a:tailEnd type="triangle"/>
-          </a:ln>
-        </p:spPr>
-        <p:style>
-          <a:lnRef idx="3">
-            <a:schemeClr val="accent5"/>
-          </a:lnRef>
-          <a:fillRef idx="0">
-            <a:schemeClr val="accent5"/>
-          </a:fillRef>
-          <a:effectRef idx="2">
-            <a:schemeClr val="accent5"/>
-          </a:effectRef>
-          <a:fontRef idx="minor">
-            <a:schemeClr val="tx1"/>
-          </a:fontRef>
-        </p:style>
-      </p:cxnSp>
     </p:spTree>
     <p:extLst>
       <p:ext uri="{BB962C8B-B14F-4D97-AF65-F5344CB8AC3E}">
-        <p14:creationId xmlns:p14="http://schemas.microsoft.com/office/powerpoint/2010/main" val="1888451891"/>
+        <p14:creationId xmlns:p14="http://schemas.microsoft.com/office/powerpoint/2010/main" val="4276263859"/>
       </p:ext>
     </p:extLst>
   </p:cSld>
@@ -6933,543 +7967,15 @@
           <a:chExt cx="0" cy="0"/>
         </a:xfrm>
       </p:grpSpPr>
-      <p:cxnSp>
-        <p:nvCxnSpPr>
-          <p:cNvPr id="87" name="Curved Connector 86"/>
-          <p:cNvCxnSpPr/>
-          <p:nvPr/>
-        </p:nvCxnSpPr>
-        <p:spPr>
-          <a:xfrm rot="16200000" flipV="1">
-            <a:off x="4871668" y="2650462"/>
-            <a:ext cx="489837" cy="473977"/>
-          </a:xfrm>
-          <a:prstGeom prst="curvedConnector3">
-            <a:avLst/>
-          </a:prstGeom>
-          <a:ln>
-            <a:tailEnd type="triangle"/>
-          </a:ln>
-        </p:spPr>
-        <p:style>
-          <a:lnRef idx="3">
-            <a:schemeClr val="accent2"/>
-          </a:lnRef>
-          <a:fillRef idx="0">
-            <a:schemeClr val="accent2"/>
-          </a:fillRef>
-          <a:effectRef idx="2">
-            <a:schemeClr val="accent2"/>
-          </a:effectRef>
-          <a:fontRef idx="minor">
-            <a:schemeClr val="tx1"/>
-          </a:fontRef>
-        </p:style>
-      </p:cxnSp>
-      <p:sp>
-        <p:nvSpPr>
-          <p:cNvPr id="94" name="TextBox 93"/>
-          <p:cNvSpPr txBox="1"/>
-          <p:nvPr/>
-        </p:nvSpPr>
-        <p:spPr>
-          <a:xfrm>
-            <a:off x="9746849" y="669679"/>
-            <a:ext cx="1393074" cy="369332"/>
-          </a:xfrm>
-          <a:prstGeom prst="rect">
-            <a:avLst/>
-          </a:prstGeom>
-          <a:noFill/>
-        </p:spPr>
-        <p:txBody>
-          <a:bodyPr wrap="none" rtlCol="0">
-            <a:spAutoFit/>
-          </a:bodyPr>
-          <a:lstStyle/>
-          <a:p>
-            <a:r>
-              <a:rPr lang="nl-BE" dirty="0" err="1" smtClean="0"/>
-              <a:t>skos:broader</a:t>
-            </a:r>
-            <a:endParaRPr lang="en-US" dirty="0"/>
-          </a:p>
-        </p:txBody>
-      </p:sp>
-      <p:cxnSp>
-        <p:nvCxnSpPr>
-          <p:cNvPr id="96" name="Curved Connector 95"/>
-          <p:cNvCxnSpPr/>
-          <p:nvPr/>
-        </p:nvCxnSpPr>
-        <p:spPr>
-          <a:xfrm rot="16200000" flipH="1">
-            <a:off x="4496639" y="2679502"/>
-            <a:ext cx="489837" cy="415896"/>
-          </a:xfrm>
-          <a:prstGeom prst="curvedConnector3">
-            <a:avLst/>
-          </a:prstGeom>
-          <a:ln>
-            <a:tailEnd type="triangle"/>
-          </a:ln>
-        </p:spPr>
-        <p:style>
-          <a:lnRef idx="3">
-            <a:schemeClr val="accent6"/>
-          </a:lnRef>
-          <a:fillRef idx="0">
-            <a:schemeClr val="accent6"/>
-          </a:fillRef>
-          <a:effectRef idx="2">
-            <a:schemeClr val="accent6"/>
-          </a:effectRef>
-          <a:fontRef idx="minor">
-            <a:schemeClr val="tx1"/>
-          </a:fontRef>
-        </p:style>
-      </p:cxnSp>
-      <p:cxnSp>
-        <p:nvCxnSpPr>
-          <p:cNvPr id="112" name="Straight Arrow Connector 111"/>
-          <p:cNvCxnSpPr/>
-          <p:nvPr/>
-        </p:nvCxnSpPr>
-        <p:spPr>
-          <a:xfrm>
-            <a:off x="9825329" y="1085741"/>
-            <a:ext cx="1241571" cy="0"/>
-          </a:xfrm>
-          <a:prstGeom prst="straightConnector1">
-            <a:avLst/>
-          </a:prstGeom>
-          <a:ln>
-            <a:tailEnd type="triangle"/>
-          </a:ln>
-        </p:spPr>
-        <p:style>
-          <a:lnRef idx="3">
-            <a:schemeClr val="accent2"/>
-          </a:lnRef>
-          <a:fillRef idx="0">
-            <a:schemeClr val="accent2"/>
-          </a:fillRef>
-          <a:effectRef idx="2">
-            <a:schemeClr val="accent2"/>
-          </a:effectRef>
-          <a:fontRef idx="minor">
-            <a:schemeClr val="tx1"/>
-          </a:fontRef>
-        </p:style>
-      </p:cxnSp>
-      <p:cxnSp>
-        <p:nvCxnSpPr>
-          <p:cNvPr id="113" name="Straight Arrow Connector 112"/>
-          <p:cNvCxnSpPr/>
-          <p:nvPr/>
-        </p:nvCxnSpPr>
-        <p:spPr>
-          <a:xfrm>
-            <a:off x="9825329" y="1548534"/>
-            <a:ext cx="1241571" cy="0"/>
-          </a:xfrm>
-          <a:prstGeom prst="straightConnector1">
-            <a:avLst/>
-          </a:prstGeom>
-          <a:ln>
-            <a:tailEnd type="triangle"/>
-          </a:ln>
-        </p:spPr>
-        <p:style>
-          <a:lnRef idx="3">
-            <a:schemeClr val="accent6"/>
-          </a:lnRef>
-          <a:fillRef idx="0">
-            <a:schemeClr val="accent6"/>
-          </a:fillRef>
-          <a:effectRef idx="2">
-            <a:schemeClr val="accent6"/>
-          </a:effectRef>
-          <a:fontRef idx="minor">
-            <a:schemeClr val="tx1"/>
-          </a:fontRef>
-        </p:style>
-      </p:cxnSp>
-      <p:sp>
-        <p:nvSpPr>
-          <p:cNvPr id="114" name="TextBox 113"/>
-          <p:cNvSpPr txBox="1"/>
-          <p:nvPr/>
-        </p:nvSpPr>
-        <p:spPr>
-          <a:xfrm>
-            <a:off x="9722872" y="1142900"/>
-            <a:ext cx="1513556" cy="369332"/>
-          </a:xfrm>
-          <a:prstGeom prst="rect">
-            <a:avLst/>
-          </a:prstGeom>
-          <a:noFill/>
-        </p:spPr>
-        <p:txBody>
-          <a:bodyPr wrap="none" rtlCol="0">
-            <a:spAutoFit/>
-          </a:bodyPr>
-          <a:lstStyle/>
-          <a:p>
-            <a:r>
-              <a:rPr lang="nl-BE" dirty="0" err="1" smtClean="0"/>
-              <a:t>skos:narrower</a:t>
-            </a:r>
-            <a:endParaRPr lang="en-US" dirty="0"/>
-          </a:p>
-        </p:txBody>
-      </p:sp>
-      <p:cxnSp>
-        <p:nvCxnSpPr>
-          <p:cNvPr id="117" name="Curved Connector 116"/>
-          <p:cNvCxnSpPr/>
-          <p:nvPr/>
-        </p:nvCxnSpPr>
-        <p:spPr>
-          <a:xfrm rot="16200000" flipV="1">
-            <a:off x="5142912" y="2644110"/>
-            <a:ext cx="489837" cy="473977"/>
-          </a:xfrm>
-          <a:prstGeom prst="curvedConnector3">
-            <a:avLst/>
-          </a:prstGeom>
-          <a:ln>
-            <a:prstDash val="dash"/>
-            <a:tailEnd type="triangle"/>
-          </a:ln>
-        </p:spPr>
-        <p:style>
-          <a:lnRef idx="3">
-            <a:schemeClr val="accent2"/>
-          </a:lnRef>
-          <a:fillRef idx="0">
-            <a:schemeClr val="accent2"/>
-          </a:fillRef>
-          <a:effectRef idx="2">
-            <a:schemeClr val="accent2"/>
-          </a:effectRef>
-          <a:fontRef idx="minor">
-            <a:schemeClr val="tx1"/>
-          </a:fontRef>
-        </p:style>
-      </p:cxnSp>
-      <p:cxnSp>
-        <p:nvCxnSpPr>
-          <p:cNvPr id="119" name="Curved Connector 118"/>
-          <p:cNvCxnSpPr/>
-          <p:nvPr/>
-        </p:nvCxnSpPr>
-        <p:spPr>
-          <a:xfrm rot="16200000" flipH="1">
-            <a:off x="4221200" y="2673150"/>
-            <a:ext cx="489837" cy="415896"/>
-          </a:xfrm>
-          <a:prstGeom prst="curvedConnector3">
-            <a:avLst/>
-          </a:prstGeom>
-          <a:ln>
-            <a:prstDash val="dash"/>
-            <a:tailEnd type="triangle"/>
-          </a:ln>
-        </p:spPr>
-        <p:style>
-          <a:lnRef idx="3">
-            <a:schemeClr val="accent6"/>
-          </a:lnRef>
-          <a:fillRef idx="0">
-            <a:schemeClr val="accent6"/>
-          </a:fillRef>
-          <a:effectRef idx="2">
-            <a:schemeClr val="accent6"/>
-          </a:effectRef>
-          <a:fontRef idx="minor">
-            <a:schemeClr val="tx1"/>
-          </a:fontRef>
-        </p:style>
-      </p:cxnSp>
-      <p:sp>
-        <p:nvSpPr>
-          <p:cNvPr id="127" name="TextBox 126"/>
-          <p:cNvSpPr txBox="1"/>
-          <p:nvPr/>
-        </p:nvSpPr>
-        <p:spPr>
-          <a:xfrm>
-            <a:off x="9741077" y="1569390"/>
-            <a:ext cx="2288703" cy="369332"/>
-          </a:xfrm>
-          <a:prstGeom prst="rect">
-            <a:avLst/>
-          </a:prstGeom>
-          <a:noFill/>
-        </p:spPr>
-        <p:txBody>
-          <a:bodyPr wrap="none" rtlCol="0">
-            <a:spAutoFit/>
-          </a:bodyPr>
-          <a:lstStyle/>
-          <a:p>
-            <a:r>
-              <a:rPr lang="nl-BE" dirty="0" err="1" smtClean="0"/>
-              <a:t>skos:broaderTransitive</a:t>
-            </a:r>
-            <a:endParaRPr lang="en-US" dirty="0"/>
-          </a:p>
-        </p:txBody>
-      </p:sp>
-      <p:cxnSp>
-        <p:nvCxnSpPr>
-          <p:cNvPr id="128" name="Straight Arrow Connector 127"/>
-          <p:cNvCxnSpPr/>
-          <p:nvPr/>
-        </p:nvCxnSpPr>
-        <p:spPr>
-          <a:xfrm>
-            <a:off x="9819557" y="1985452"/>
-            <a:ext cx="1241571" cy="0"/>
-          </a:xfrm>
-          <a:prstGeom prst="straightConnector1">
-            <a:avLst/>
-          </a:prstGeom>
-          <a:ln>
-            <a:prstDash val="dash"/>
-            <a:tailEnd type="triangle"/>
-          </a:ln>
-        </p:spPr>
-        <p:style>
-          <a:lnRef idx="3">
-            <a:schemeClr val="accent2"/>
-          </a:lnRef>
-          <a:fillRef idx="0">
-            <a:schemeClr val="accent2"/>
-          </a:fillRef>
-          <a:effectRef idx="2">
-            <a:schemeClr val="accent2"/>
-          </a:effectRef>
-          <a:fontRef idx="minor">
-            <a:schemeClr val="tx1"/>
-          </a:fontRef>
-        </p:style>
-      </p:cxnSp>
-      <p:cxnSp>
-        <p:nvCxnSpPr>
-          <p:cNvPr id="129" name="Straight Arrow Connector 128"/>
-          <p:cNvCxnSpPr/>
-          <p:nvPr/>
-        </p:nvCxnSpPr>
-        <p:spPr>
-          <a:xfrm>
-            <a:off x="9819557" y="2448245"/>
-            <a:ext cx="1241571" cy="0"/>
-          </a:xfrm>
-          <a:prstGeom prst="straightConnector1">
-            <a:avLst/>
-          </a:prstGeom>
-          <a:ln>
-            <a:prstDash val="dash"/>
-            <a:tailEnd type="triangle"/>
-          </a:ln>
-        </p:spPr>
-        <p:style>
-          <a:lnRef idx="3">
-            <a:schemeClr val="accent6"/>
-          </a:lnRef>
-          <a:fillRef idx="0">
-            <a:schemeClr val="accent6"/>
-          </a:fillRef>
-          <a:effectRef idx="2">
-            <a:schemeClr val="accent6"/>
-          </a:effectRef>
-          <a:fontRef idx="minor">
-            <a:schemeClr val="tx1"/>
-          </a:fontRef>
-        </p:style>
-      </p:cxnSp>
-      <p:sp>
-        <p:nvSpPr>
-          <p:cNvPr id="130" name="TextBox 129"/>
-          <p:cNvSpPr txBox="1"/>
-          <p:nvPr/>
-        </p:nvSpPr>
-        <p:spPr>
-          <a:xfrm>
-            <a:off x="9717100" y="2042611"/>
-            <a:ext cx="2409186" cy="369332"/>
-          </a:xfrm>
-          <a:prstGeom prst="rect">
-            <a:avLst/>
-          </a:prstGeom>
-          <a:noFill/>
-        </p:spPr>
-        <p:txBody>
-          <a:bodyPr wrap="none" rtlCol="0">
-            <a:spAutoFit/>
-          </a:bodyPr>
-          <a:lstStyle/>
-          <a:p>
-            <a:r>
-              <a:rPr lang="nl-BE" dirty="0" err="1" smtClean="0"/>
-              <a:t>skos:narrowerTransitive</a:t>
-            </a:r>
-            <a:endParaRPr lang="en-US" dirty="0"/>
-          </a:p>
-        </p:txBody>
-      </p:sp>
-      <p:cxnSp>
-        <p:nvCxnSpPr>
-          <p:cNvPr id="132" name="Curved Connector 131"/>
-          <p:cNvCxnSpPr>
-            <a:stCxn id="47" idx="0"/>
-            <a:endCxn id="43" idx="2"/>
-          </p:cNvCxnSpPr>
-          <p:nvPr/>
-        </p:nvCxnSpPr>
-        <p:spPr>
-          <a:xfrm rot="16200000" flipV="1">
-            <a:off x="5697078" y="3459995"/>
-            <a:ext cx="1821446" cy="2814507"/>
-          </a:xfrm>
-          <a:prstGeom prst="curvedConnector3">
-            <a:avLst>
-              <a:gd name="adj1" fmla="val 19142"/>
-            </a:avLst>
-          </a:prstGeom>
-          <a:ln>
-            <a:headEnd type="triangle"/>
-            <a:tailEnd type="triangle"/>
-          </a:ln>
-        </p:spPr>
-        <p:style>
-          <a:lnRef idx="3">
-            <a:schemeClr val="accent3"/>
-          </a:lnRef>
-          <a:fillRef idx="0">
-            <a:schemeClr val="accent3"/>
-          </a:fillRef>
-          <a:effectRef idx="2">
-            <a:schemeClr val="accent3"/>
-          </a:effectRef>
-          <a:fontRef idx="minor">
-            <a:schemeClr val="tx1"/>
-          </a:fontRef>
-        </p:style>
-      </p:cxnSp>
-      <p:cxnSp>
-        <p:nvCxnSpPr>
-          <p:cNvPr id="137" name="Straight Arrow Connector 136"/>
-          <p:cNvCxnSpPr/>
-          <p:nvPr/>
-        </p:nvCxnSpPr>
-        <p:spPr>
-          <a:xfrm>
-            <a:off x="9819557" y="2883877"/>
-            <a:ext cx="1241571" cy="0"/>
-          </a:xfrm>
-          <a:prstGeom prst="straightConnector1">
-            <a:avLst/>
-          </a:prstGeom>
-          <a:ln>
-            <a:headEnd type="triangle"/>
-            <a:tailEnd type="triangle"/>
-          </a:ln>
-        </p:spPr>
-        <p:style>
-          <a:lnRef idx="3">
-            <a:schemeClr val="accent3"/>
-          </a:lnRef>
-          <a:fillRef idx="0">
-            <a:schemeClr val="accent3"/>
-          </a:fillRef>
-          <a:effectRef idx="2">
-            <a:schemeClr val="accent3"/>
-          </a:effectRef>
-          <a:fontRef idx="minor">
-            <a:schemeClr val="tx1"/>
-          </a:fontRef>
-        </p:style>
-      </p:cxnSp>
-      <p:sp>
-        <p:nvSpPr>
-          <p:cNvPr id="150" name="TextBox 149"/>
-          <p:cNvSpPr txBox="1"/>
-          <p:nvPr/>
-        </p:nvSpPr>
-        <p:spPr>
-          <a:xfrm>
-            <a:off x="9736965" y="2484725"/>
-            <a:ext cx="1310615" cy="369332"/>
-          </a:xfrm>
-          <a:prstGeom prst="rect">
-            <a:avLst/>
-          </a:prstGeom>
-          <a:noFill/>
-        </p:spPr>
-        <p:txBody>
-          <a:bodyPr wrap="none" rtlCol="0">
-            <a:spAutoFit/>
-          </a:bodyPr>
-          <a:lstStyle/>
-          <a:p>
-            <a:r>
-              <a:rPr lang="nl-BE" dirty="0" err="1" smtClean="0"/>
-              <a:t>skos:related</a:t>
-            </a:r>
-            <a:endParaRPr lang="en-US" dirty="0"/>
-          </a:p>
-        </p:txBody>
-      </p:sp>
-      <p:cxnSp>
-        <p:nvCxnSpPr>
-          <p:cNvPr id="56" name="Curved Connector 55"/>
-          <p:cNvCxnSpPr>
-            <a:stCxn id="45" idx="0"/>
-            <a:endCxn id="43" idx="3"/>
-          </p:cNvCxnSpPr>
-          <p:nvPr/>
-        </p:nvCxnSpPr>
-        <p:spPr>
-          <a:xfrm rot="16200000" flipV="1">
-            <a:off x="6568734" y="3007788"/>
-            <a:ext cx="912836" cy="1979801"/>
-          </a:xfrm>
-          <a:prstGeom prst="curvedConnector2">
-            <a:avLst/>
-          </a:prstGeom>
-          <a:ln>
-            <a:headEnd type="triangle"/>
-            <a:tailEnd type="triangle"/>
-          </a:ln>
-        </p:spPr>
-        <p:style>
-          <a:lnRef idx="3">
-            <a:schemeClr val="accent3"/>
-          </a:lnRef>
-          <a:fillRef idx="0">
-            <a:schemeClr val="accent3"/>
-          </a:fillRef>
-          <a:effectRef idx="2">
-            <a:schemeClr val="accent3"/>
-          </a:effectRef>
-          <a:fontRef idx="minor">
-            <a:schemeClr val="tx1"/>
-          </a:fontRef>
-        </p:style>
-      </p:cxnSp>
-      <p:sp>
-        <p:nvSpPr>
-          <p:cNvPr id="42" name="Rectangle 41"/>
+      <p:sp>
+        <p:nvSpPr>
+          <p:cNvPr id="61" name="Rectangle 60"/>
           <p:cNvSpPr/>
           <p:nvPr/>
         </p:nvSpPr>
         <p:spPr>
           <a:xfrm>
-            <a:off x="3891865" y="1805669"/>
+            <a:off x="280646" y="3703444"/>
             <a:ext cx="1669409" cy="830510"/>
           </a:xfrm>
           <a:prstGeom prst="rect">
@@ -7498,8 +8004,8 @@
           <a:p>
             <a:pPr algn="ctr"/>
             <a:r>
-              <a:rPr lang="nl-BE" dirty="0" smtClean="0"/>
-              <a:t>sleutel-competentie1</a:t>
+              <a:rPr lang="nl-BE" dirty="0" err="1" smtClean="0"/>
+              <a:t>beroeps-kwalificaties</a:t>
             </a:r>
             <a:endParaRPr lang="en-US" dirty="0"/>
           </a:p>
@@ -7507,13 +8013,13 @@
       </p:sp>
       <p:sp>
         <p:nvSpPr>
-          <p:cNvPr id="43" name="Rectangle 42"/>
+          <p:cNvPr id="60" name="Rectangle 59"/>
           <p:cNvSpPr/>
           <p:nvPr/>
         </p:nvSpPr>
         <p:spPr>
           <a:xfrm>
-            <a:off x="4365842" y="3126016"/>
+            <a:off x="2032552" y="3703444"/>
             <a:ext cx="1669409" cy="830510"/>
           </a:xfrm>
           <a:prstGeom prst="rect">
@@ -7543,7 +8049,7 @@
             <a:pPr algn="ctr"/>
             <a:r>
               <a:rPr lang="nl-BE" dirty="0" smtClean="0"/>
-              <a:t>bouwsteen1</a:t>
+              <a:t>wetenschaps-domeinen</a:t>
             </a:r>
             <a:endParaRPr lang="en-US" dirty="0"/>
           </a:p>
@@ -7551,13 +8057,13 @@
       </p:sp>
       <p:sp>
         <p:nvSpPr>
-          <p:cNvPr id="45" name="Rectangle 44"/>
+          <p:cNvPr id="59" name="Rectangle 58"/>
           <p:cNvSpPr/>
           <p:nvPr/>
         </p:nvSpPr>
         <p:spPr>
           <a:xfrm>
-            <a:off x="7180347" y="4454107"/>
+            <a:off x="2032557" y="2763866"/>
             <a:ext cx="1669409" cy="830510"/>
           </a:xfrm>
           <a:prstGeom prst="rect">
@@ -7586,8 +8092,8 @@
           <a:p>
             <a:pPr algn="ctr"/>
             <a:r>
-              <a:rPr lang="nl-BE" dirty="0" smtClean="0"/>
-              <a:t>vak1</a:t>
+              <a:rPr lang="nl-BE" dirty="0" err="1" smtClean="0"/>
+              <a:t>studie-domeinen</a:t>
             </a:r>
             <a:endParaRPr lang="en-US" dirty="0"/>
           </a:p>
@@ -7595,13 +8101,13 @@
       </p:sp>
       <p:sp>
         <p:nvSpPr>
-          <p:cNvPr id="47" name="Rectangle 46"/>
+          <p:cNvPr id="3" name="Rectangle 2"/>
           <p:cNvSpPr/>
           <p:nvPr/>
         </p:nvSpPr>
         <p:spPr>
           <a:xfrm>
-            <a:off x="7180349" y="5777972"/>
+            <a:off x="3784458" y="1812022"/>
             <a:ext cx="1669409" cy="830510"/>
           </a:xfrm>
           <a:prstGeom prst="rect">
@@ -7631,16 +8137,731 @@
             <a:pPr algn="ctr"/>
             <a:r>
               <a:rPr lang="nl-BE" dirty="0" smtClean="0"/>
+              <a:t>secundair onderwijs</a:t>
+            </a:r>
+            <a:endParaRPr lang="en-US" dirty="0"/>
+          </a:p>
+        </p:txBody>
+      </p:sp>
+      <p:sp>
+        <p:nvSpPr>
+          <p:cNvPr id="5" name="Rectangle 4"/>
+          <p:cNvSpPr/>
+          <p:nvPr/>
+        </p:nvSpPr>
+        <p:spPr>
+          <a:xfrm>
+            <a:off x="3784458" y="2763866"/>
+            <a:ext cx="1669409" cy="830510"/>
+          </a:xfrm>
+          <a:prstGeom prst="rect">
+            <a:avLst/>
+          </a:prstGeom>
+        </p:spPr>
+        <p:style>
+          <a:lnRef idx="2">
+            <a:schemeClr val="accent1">
+              <a:shade val="50000"/>
+            </a:schemeClr>
+          </a:lnRef>
+          <a:fillRef idx="1">
+            <a:schemeClr val="accent1"/>
+          </a:fillRef>
+          <a:effectRef idx="0">
+            <a:schemeClr val="accent1"/>
+          </a:effectRef>
+          <a:fontRef idx="minor">
+            <a:schemeClr val="lt1"/>
+          </a:fontRef>
+        </p:style>
+        <p:txBody>
+          <a:bodyPr rtlCol="0" anchor="ctr"/>
+          <a:lstStyle/>
+          <a:p>
+            <a:pPr algn="ctr"/>
+            <a:r>
+              <a:rPr lang="nl-BE" dirty="0" smtClean="0"/>
+              <a:t>sleutel-competenties</a:t>
+            </a:r>
+            <a:endParaRPr lang="en-US" dirty="0"/>
+          </a:p>
+        </p:txBody>
+      </p:sp>
+      <p:sp>
+        <p:nvSpPr>
+          <p:cNvPr id="6" name="Rectangle 5"/>
+          <p:cNvSpPr/>
+          <p:nvPr/>
+        </p:nvSpPr>
+        <p:spPr>
+          <a:xfrm>
+            <a:off x="3784454" y="3704891"/>
+            <a:ext cx="1669409" cy="829063"/>
+          </a:xfrm>
+          <a:prstGeom prst="rect">
+            <a:avLst/>
+          </a:prstGeom>
+        </p:spPr>
+        <p:style>
+          <a:lnRef idx="2">
+            <a:schemeClr val="accent1">
+              <a:shade val="50000"/>
+            </a:schemeClr>
+          </a:lnRef>
+          <a:fillRef idx="1">
+            <a:schemeClr val="accent1"/>
+          </a:fillRef>
+          <a:effectRef idx="0">
+            <a:schemeClr val="accent1"/>
+          </a:effectRef>
+          <a:fontRef idx="minor">
+            <a:schemeClr val="lt1"/>
+          </a:fontRef>
+        </p:style>
+        <p:txBody>
+          <a:bodyPr rtlCol="0" anchor="ctr"/>
+          <a:lstStyle/>
+          <a:p>
+            <a:pPr algn="ctr"/>
+            <a:r>
+              <a:rPr lang="nl-BE" dirty="0" smtClean="0"/>
+              <a:t>bouwstenen</a:t>
+            </a:r>
+            <a:endParaRPr lang="en-US" dirty="0"/>
+          </a:p>
+        </p:txBody>
+      </p:sp>
+      <p:sp>
+        <p:nvSpPr>
+          <p:cNvPr id="7" name="Rectangle 6"/>
+          <p:cNvSpPr/>
+          <p:nvPr/>
+        </p:nvSpPr>
+        <p:spPr>
+          <a:xfrm>
+            <a:off x="3784455" y="4667554"/>
+            <a:ext cx="1669409" cy="830510"/>
+          </a:xfrm>
+          <a:prstGeom prst="rect">
+            <a:avLst/>
+          </a:prstGeom>
+        </p:spPr>
+        <p:style>
+          <a:lnRef idx="2">
+            <a:schemeClr val="accent1">
+              <a:shade val="50000"/>
+            </a:schemeClr>
+          </a:lnRef>
+          <a:fillRef idx="1">
+            <a:schemeClr val="accent1"/>
+          </a:fillRef>
+          <a:effectRef idx="0">
+            <a:schemeClr val="accent1"/>
+          </a:effectRef>
+          <a:fontRef idx="minor">
+            <a:schemeClr val="lt1"/>
+          </a:fontRef>
+        </p:style>
+        <p:txBody>
+          <a:bodyPr rtlCol="0" anchor="ctr"/>
+          <a:lstStyle/>
+          <a:p>
+            <a:pPr algn="ctr"/>
+            <a:r>
+              <a:rPr lang="nl-BE" dirty="0" smtClean="0"/>
+              <a:t>vakken</a:t>
+            </a:r>
+            <a:endParaRPr lang="en-US" dirty="0"/>
+          </a:p>
+        </p:txBody>
+      </p:sp>
+      <p:sp>
+        <p:nvSpPr>
+          <p:cNvPr id="8" name="Rectangle 7"/>
+          <p:cNvSpPr/>
+          <p:nvPr/>
+        </p:nvSpPr>
+        <p:spPr>
+          <a:xfrm>
+            <a:off x="3784454" y="5619398"/>
+            <a:ext cx="1669409" cy="830510"/>
+          </a:xfrm>
+          <a:prstGeom prst="rect">
+            <a:avLst/>
+          </a:prstGeom>
+        </p:spPr>
+        <p:style>
+          <a:lnRef idx="2">
+            <a:schemeClr val="accent1">
+              <a:shade val="50000"/>
+            </a:schemeClr>
+          </a:lnRef>
+          <a:fillRef idx="1">
+            <a:schemeClr val="accent1"/>
+          </a:fillRef>
+          <a:effectRef idx="0">
+            <a:schemeClr val="accent1"/>
+          </a:effectRef>
+          <a:fontRef idx="minor">
+            <a:schemeClr val="lt1"/>
+          </a:fontRef>
+        </p:style>
+        <p:txBody>
+          <a:bodyPr rtlCol="0" anchor="ctr"/>
+          <a:lstStyle/>
+          <a:p>
+            <a:pPr algn="ctr"/>
+            <a:r>
+              <a:rPr lang="nl-BE" dirty="0" smtClean="0"/>
+              <a:t>trefwoorden</a:t>
+            </a:r>
+            <a:endParaRPr lang="en-US" dirty="0"/>
+          </a:p>
+        </p:txBody>
+      </p:sp>
+      <p:sp>
+        <p:nvSpPr>
+          <p:cNvPr id="9" name="Rectangle 8"/>
+          <p:cNvSpPr/>
+          <p:nvPr/>
+        </p:nvSpPr>
+        <p:spPr>
+          <a:xfrm>
+            <a:off x="6814282" y="1812022"/>
+            <a:ext cx="1669409" cy="830510"/>
+          </a:xfrm>
+          <a:prstGeom prst="rect">
+            <a:avLst/>
+          </a:prstGeom>
+        </p:spPr>
+        <p:style>
+          <a:lnRef idx="2">
+            <a:schemeClr val="accent1">
+              <a:shade val="50000"/>
+            </a:schemeClr>
+          </a:lnRef>
+          <a:fillRef idx="1">
+            <a:schemeClr val="accent1"/>
+          </a:fillRef>
+          <a:effectRef idx="0">
+            <a:schemeClr val="accent1"/>
+          </a:effectRef>
+          <a:fontRef idx="minor">
+            <a:schemeClr val="lt1"/>
+          </a:fontRef>
+        </p:style>
+        <p:txBody>
+          <a:bodyPr rtlCol="0" anchor="ctr"/>
+          <a:lstStyle/>
+          <a:p>
+            <a:pPr algn="ctr"/>
+            <a:r>
+              <a:rPr lang="nl-BE" dirty="0" smtClean="0"/>
+              <a:t>sleutel-competentie1</a:t>
+            </a:r>
+            <a:endParaRPr lang="en-US" dirty="0"/>
+          </a:p>
+        </p:txBody>
+      </p:sp>
+      <p:sp>
+        <p:nvSpPr>
+          <p:cNvPr id="11" name="Rectangle 10"/>
+          <p:cNvSpPr/>
+          <p:nvPr/>
+        </p:nvSpPr>
+        <p:spPr>
+          <a:xfrm>
+            <a:off x="7288259" y="3132369"/>
+            <a:ext cx="1669409" cy="830510"/>
+          </a:xfrm>
+          <a:prstGeom prst="rect">
+            <a:avLst/>
+          </a:prstGeom>
+        </p:spPr>
+        <p:style>
+          <a:lnRef idx="2">
+            <a:schemeClr val="accent1">
+              <a:shade val="50000"/>
+            </a:schemeClr>
+          </a:lnRef>
+          <a:fillRef idx="1">
+            <a:schemeClr val="accent1"/>
+          </a:fillRef>
+          <a:effectRef idx="0">
+            <a:schemeClr val="accent1"/>
+          </a:effectRef>
+          <a:fontRef idx="minor">
+            <a:schemeClr val="lt1"/>
+          </a:fontRef>
+        </p:style>
+        <p:txBody>
+          <a:bodyPr rtlCol="0" anchor="ctr"/>
+          <a:lstStyle/>
+          <a:p>
+            <a:pPr algn="ctr"/>
+            <a:r>
+              <a:rPr lang="nl-BE" dirty="0" smtClean="0"/>
+              <a:t>bouwsteen1</a:t>
+            </a:r>
+            <a:endParaRPr lang="en-US" dirty="0"/>
+          </a:p>
+        </p:txBody>
+      </p:sp>
+      <p:sp>
+        <p:nvSpPr>
+          <p:cNvPr id="12" name="Rectangle 11"/>
+          <p:cNvSpPr/>
+          <p:nvPr/>
+        </p:nvSpPr>
+        <p:spPr>
+          <a:xfrm>
+            <a:off x="10102764" y="4460460"/>
+            <a:ext cx="1669409" cy="830510"/>
+          </a:xfrm>
+          <a:prstGeom prst="rect">
+            <a:avLst/>
+          </a:prstGeom>
+        </p:spPr>
+        <p:style>
+          <a:lnRef idx="2">
+            <a:schemeClr val="accent1">
+              <a:shade val="50000"/>
+            </a:schemeClr>
+          </a:lnRef>
+          <a:fillRef idx="1">
+            <a:schemeClr val="accent1"/>
+          </a:fillRef>
+          <a:effectRef idx="0">
+            <a:schemeClr val="accent1"/>
+          </a:effectRef>
+          <a:fontRef idx="minor">
+            <a:schemeClr val="lt1"/>
+          </a:fontRef>
+        </p:style>
+        <p:txBody>
+          <a:bodyPr rtlCol="0" anchor="ctr"/>
+          <a:lstStyle/>
+          <a:p>
+            <a:pPr algn="ctr"/>
+            <a:r>
+              <a:rPr lang="nl-BE" dirty="0" smtClean="0"/>
+              <a:t>vak1</a:t>
+            </a:r>
+            <a:endParaRPr lang="en-US" dirty="0"/>
+          </a:p>
+        </p:txBody>
+      </p:sp>
+      <p:sp>
+        <p:nvSpPr>
+          <p:cNvPr id="13" name="Rectangle 12"/>
+          <p:cNvSpPr/>
+          <p:nvPr/>
+        </p:nvSpPr>
+        <p:spPr>
+          <a:xfrm>
+            <a:off x="10102766" y="5784325"/>
+            <a:ext cx="1669409" cy="830510"/>
+          </a:xfrm>
+          <a:prstGeom prst="rect">
+            <a:avLst/>
+          </a:prstGeom>
+        </p:spPr>
+        <p:style>
+          <a:lnRef idx="2">
+            <a:schemeClr val="accent1">
+              <a:shade val="50000"/>
+            </a:schemeClr>
+          </a:lnRef>
+          <a:fillRef idx="1">
+            <a:schemeClr val="accent1"/>
+          </a:fillRef>
+          <a:effectRef idx="0">
+            <a:schemeClr val="accent1"/>
+          </a:effectRef>
+          <a:fontRef idx="minor">
+            <a:schemeClr val="lt1"/>
+          </a:fontRef>
+        </p:style>
+        <p:txBody>
+          <a:bodyPr rtlCol="0" anchor="ctr"/>
+          <a:lstStyle/>
+          <a:p>
+            <a:pPr algn="ctr"/>
+            <a:r>
+              <a:rPr lang="nl-BE" dirty="0" smtClean="0"/>
               <a:t>trefwoord1</a:t>
             </a:r>
             <a:endParaRPr lang="en-US" dirty="0"/>
           </a:p>
         </p:txBody>
       </p:sp>
+      <p:cxnSp>
+        <p:nvCxnSpPr>
+          <p:cNvPr id="44" name="Curved Connector 43"/>
+          <p:cNvCxnSpPr>
+            <a:stCxn id="3" idx="3"/>
+            <a:endCxn id="9" idx="1"/>
+          </p:cNvCxnSpPr>
+          <p:nvPr/>
+        </p:nvCxnSpPr>
+        <p:spPr>
+          <a:xfrm>
+            <a:off x="5453867" y="2227277"/>
+            <a:ext cx="1360415" cy="12700"/>
+          </a:xfrm>
+          <a:prstGeom prst="curvedConnector3">
+            <a:avLst/>
+          </a:prstGeom>
+          <a:ln>
+            <a:tailEnd type="triangle"/>
+          </a:ln>
+        </p:spPr>
+        <p:style>
+          <a:lnRef idx="3">
+            <a:schemeClr val="accent5"/>
+          </a:lnRef>
+          <a:fillRef idx="0">
+            <a:schemeClr val="accent5"/>
+          </a:fillRef>
+          <a:effectRef idx="2">
+            <a:schemeClr val="accent5"/>
+          </a:effectRef>
+          <a:fontRef idx="minor">
+            <a:schemeClr val="tx1"/>
+          </a:fontRef>
+        </p:style>
+      </p:cxnSp>
+      <p:cxnSp>
+        <p:nvCxnSpPr>
+          <p:cNvPr id="46" name="Curved Connector 45"/>
+          <p:cNvCxnSpPr>
+            <a:stCxn id="3" idx="3"/>
+            <a:endCxn id="11" idx="1"/>
+          </p:cNvCxnSpPr>
+          <p:nvPr/>
+        </p:nvCxnSpPr>
+        <p:spPr>
+          <a:xfrm>
+            <a:off x="5453867" y="2227277"/>
+            <a:ext cx="1834392" cy="1320347"/>
+          </a:xfrm>
+          <a:prstGeom prst="curvedConnector3">
+            <a:avLst>
+              <a:gd name="adj1" fmla="val 43140"/>
+            </a:avLst>
+          </a:prstGeom>
+          <a:ln>
+            <a:tailEnd type="triangle"/>
+          </a:ln>
+        </p:spPr>
+        <p:style>
+          <a:lnRef idx="3">
+            <a:schemeClr val="accent5"/>
+          </a:lnRef>
+          <a:fillRef idx="0">
+            <a:schemeClr val="accent5"/>
+          </a:fillRef>
+          <a:effectRef idx="2">
+            <a:schemeClr val="accent5"/>
+          </a:effectRef>
+          <a:fontRef idx="minor">
+            <a:schemeClr val="tx1"/>
+          </a:fontRef>
+        </p:style>
+      </p:cxnSp>
+      <p:cxnSp>
+        <p:nvCxnSpPr>
+          <p:cNvPr id="48" name="Curved Connector 47"/>
+          <p:cNvCxnSpPr>
+            <a:stCxn id="3" idx="3"/>
+            <a:endCxn id="12" idx="1"/>
+          </p:cNvCxnSpPr>
+          <p:nvPr/>
+        </p:nvCxnSpPr>
+        <p:spPr>
+          <a:xfrm>
+            <a:off x="5453867" y="2227277"/>
+            <a:ext cx="4648897" cy="2648438"/>
+          </a:xfrm>
+          <a:prstGeom prst="curvedConnector3">
+            <a:avLst>
+              <a:gd name="adj1" fmla="val 29068"/>
+            </a:avLst>
+          </a:prstGeom>
+          <a:ln>
+            <a:tailEnd type="triangle"/>
+          </a:ln>
+        </p:spPr>
+        <p:style>
+          <a:lnRef idx="3">
+            <a:schemeClr val="accent5"/>
+          </a:lnRef>
+          <a:fillRef idx="0">
+            <a:schemeClr val="accent5"/>
+          </a:fillRef>
+          <a:effectRef idx="2">
+            <a:schemeClr val="accent5"/>
+          </a:effectRef>
+          <a:fontRef idx="minor">
+            <a:schemeClr val="tx1"/>
+          </a:fontRef>
+        </p:style>
+      </p:cxnSp>
+      <p:cxnSp>
+        <p:nvCxnSpPr>
+          <p:cNvPr id="55" name="Curved Connector 54"/>
+          <p:cNvCxnSpPr>
+            <a:stCxn id="3" idx="3"/>
+            <a:endCxn id="13" idx="1"/>
+          </p:cNvCxnSpPr>
+          <p:nvPr/>
+        </p:nvCxnSpPr>
+        <p:spPr>
+          <a:xfrm>
+            <a:off x="5453867" y="2227277"/>
+            <a:ext cx="4648899" cy="3972303"/>
+          </a:xfrm>
+          <a:prstGeom prst="curvedConnector3">
+            <a:avLst>
+              <a:gd name="adj1" fmla="val 19323"/>
+            </a:avLst>
+          </a:prstGeom>
+          <a:ln>
+            <a:tailEnd type="triangle"/>
+          </a:ln>
+        </p:spPr>
+        <p:style>
+          <a:lnRef idx="3">
+            <a:schemeClr val="accent5"/>
+          </a:lnRef>
+          <a:fillRef idx="0">
+            <a:schemeClr val="accent5"/>
+          </a:fillRef>
+          <a:effectRef idx="2">
+            <a:schemeClr val="accent5"/>
+          </a:effectRef>
+          <a:fontRef idx="minor">
+            <a:schemeClr val="tx1"/>
+          </a:fontRef>
+        </p:style>
+      </p:cxnSp>
+      <p:cxnSp>
+        <p:nvCxnSpPr>
+          <p:cNvPr id="63" name="Curved Connector 62"/>
+          <p:cNvCxnSpPr>
+            <a:stCxn id="5" idx="3"/>
+            <a:endCxn id="9" idx="1"/>
+          </p:cNvCxnSpPr>
+          <p:nvPr/>
+        </p:nvCxnSpPr>
+        <p:spPr>
+          <a:xfrm flipV="1">
+            <a:off x="5453867" y="2227277"/>
+            <a:ext cx="1360415" cy="951844"/>
+          </a:xfrm>
+          <a:prstGeom prst="curvedConnector3">
+            <a:avLst>
+              <a:gd name="adj1" fmla="val 50000"/>
+            </a:avLst>
+          </a:prstGeom>
+          <a:ln>
+            <a:tailEnd type="triangle"/>
+          </a:ln>
+        </p:spPr>
+        <p:style>
+          <a:lnRef idx="3">
+            <a:schemeClr val="accent5"/>
+          </a:lnRef>
+          <a:fillRef idx="0">
+            <a:schemeClr val="accent5"/>
+          </a:fillRef>
+          <a:effectRef idx="2">
+            <a:schemeClr val="accent5"/>
+          </a:effectRef>
+          <a:fontRef idx="minor">
+            <a:schemeClr val="tx1"/>
+          </a:fontRef>
+        </p:style>
+      </p:cxnSp>
+      <p:cxnSp>
+        <p:nvCxnSpPr>
+          <p:cNvPr id="69" name="Curved Connector 68"/>
+          <p:cNvCxnSpPr>
+            <a:stCxn id="6" idx="3"/>
+            <a:endCxn id="11" idx="1"/>
+          </p:cNvCxnSpPr>
+          <p:nvPr/>
+        </p:nvCxnSpPr>
+        <p:spPr>
+          <a:xfrm flipV="1">
+            <a:off x="5453863" y="3547624"/>
+            <a:ext cx="1834396" cy="571799"/>
+          </a:xfrm>
+          <a:prstGeom prst="curvedConnector3">
+            <a:avLst>
+              <a:gd name="adj1" fmla="val 37195"/>
+            </a:avLst>
+          </a:prstGeom>
+          <a:ln>
+            <a:tailEnd type="triangle"/>
+          </a:ln>
+        </p:spPr>
+        <p:style>
+          <a:lnRef idx="3">
+            <a:schemeClr val="accent5"/>
+          </a:lnRef>
+          <a:fillRef idx="0">
+            <a:schemeClr val="accent5"/>
+          </a:fillRef>
+          <a:effectRef idx="2">
+            <a:schemeClr val="accent5"/>
+          </a:effectRef>
+          <a:fontRef idx="minor">
+            <a:schemeClr val="tx1"/>
+          </a:fontRef>
+        </p:style>
+      </p:cxnSp>
+      <p:cxnSp>
+        <p:nvCxnSpPr>
+          <p:cNvPr id="73" name="Curved Connector 72"/>
+          <p:cNvCxnSpPr>
+            <a:stCxn id="7" idx="3"/>
+            <a:endCxn id="12" idx="1"/>
+          </p:cNvCxnSpPr>
+          <p:nvPr/>
+        </p:nvCxnSpPr>
+        <p:spPr>
+          <a:xfrm flipV="1">
+            <a:off x="5453864" y="4875715"/>
+            <a:ext cx="4648900" cy="207094"/>
+          </a:xfrm>
+          <a:prstGeom prst="curvedConnector3">
+            <a:avLst>
+              <a:gd name="adj1" fmla="val 50000"/>
+            </a:avLst>
+          </a:prstGeom>
+          <a:ln>
+            <a:tailEnd type="triangle"/>
+          </a:ln>
+        </p:spPr>
+        <p:style>
+          <a:lnRef idx="3">
+            <a:schemeClr val="accent5"/>
+          </a:lnRef>
+          <a:fillRef idx="0">
+            <a:schemeClr val="accent5"/>
+          </a:fillRef>
+          <a:effectRef idx="2">
+            <a:schemeClr val="accent5"/>
+          </a:effectRef>
+          <a:fontRef idx="minor">
+            <a:schemeClr val="tx1"/>
+          </a:fontRef>
+        </p:style>
+      </p:cxnSp>
+      <p:cxnSp>
+        <p:nvCxnSpPr>
+          <p:cNvPr id="81" name="Curved Connector 80"/>
+          <p:cNvCxnSpPr>
+            <a:stCxn id="8" idx="3"/>
+            <a:endCxn id="13" idx="1"/>
+          </p:cNvCxnSpPr>
+          <p:nvPr/>
+        </p:nvCxnSpPr>
+        <p:spPr>
+          <a:xfrm>
+            <a:off x="5453863" y="6034653"/>
+            <a:ext cx="4648903" cy="164927"/>
+          </a:xfrm>
+          <a:prstGeom prst="curvedConnector3">
+            <a:avLst/>
+          </a:prstGeom>
+          <a:ln>
+            <a:tailEnd type="triangle"/>
+          </a:ln>
+        </p:spPr>
+        <p:style>
+          <a:lnRef idx="3">
+            <a:schemeClr val="accent5"/>
+          </a:lnRef>
+          <a:fillRef idx="0">
+            <a:schemeClr val="accent5"/>
+          </a:fillRef>
+          <a:effectRef idx="2">
+            <a:schemeClr val="accent5"/>
+          </a:effectRef>
+          <a:fontRef idx="minor">
+            <a:schemeClr val="tx1"/>
+          </a:fontRef>
+        </p:style>
+      </p:cxnSp>
+      <p:sp>
+        <p:nvSpPr>
+          <p:cNvPr id="85" name="TextBox 84"/>
+          <p:cNvSpPr txBox="1"/>
+          <p:nvPr/>
+        </p:nvSpPr>
+        <p:spPr>
+          <a:xfrm>
+            <a:off x="9746849" y="196458"/>
+            <a:ext cx="1446486" cy="369332"/>
+          </a:xfrm>
+          <a:prstGeom prst="rect">
+            <a:avLst/>
+          </a:prstGeom>
+          <a:noFill/>
+        </p:spPr>
+        <p:txBody>
+          <a:bodyPr wrap="none" rtlCol="0">
+            <a:spAutoFit/>
+          </a:bodyPr>
+          <a:lstStyle/>
+          <a:p>
+            <a:r>
+              <a:rPr lang="nl-BE" dirty="0" err="1" smtClean="0"/>
+              <a:t>skos:member</a:t>
+            </a:r>
+            <a:endParaRPr lang="en-US" dirty="0"/>
+          </a:p>
+        </p:txBody>
+      </p:sp>
+      <p:cxnSp>
+        <p:nvCxnSpPr>
+          <p:cNvPr id="107" name="Straight Arrow Connector 106"/>
+          <p:cNvCxnSpPr/>
+          <p:nvPr/>
+        </p:nvCxnSpPr>
+        <p:spPr>
+          <a:xfrm>
+            <a:off x="9810968" y="639727"/>
+            <a:ext cx="1241571" cy="0"/>
+          </a:xfrm>
+          <a:prstGeom prst="straightConnector1">
+            <a:avLst/>
+          </a:prstGeom>
+          <a:ln>
+            <a:tailEnd type="triangle"/>
+          </a:ln>
+        </p:spPr>
+        <p:style>
+          <a:lnRef idx="3">
+            <a:schemeClr val="accent5"/>
+          </a:lnRef>
+          <a:fillRef idx="0">
+            <a:schemeClr val="accent5"/>
+          </a:fillRef>
+          <a:effectRef idx="2">
+            <a:schemeClr val="accent5"/>
+          </a:effectRef>
+          <a:fontRef idx="minor">
+            <a:schemeClr val="tx1"/>
+          </a:fontRef>
+        </p:style>
+      </p:cxnSp>
     </p:spTree>
     <p:extLst>
       <p:ext uri="{BB962C8B-B14F-4D97-AF65-F5344CB8AC3E}">
-        <p14:creationId xmlns:p14="http://schemas.microsoft.com/office/powerpoint/2010/main" val="1387079543"/>
+        <p14:creationId xmlns:p14="http://schemas.microsoft.com/office/powerpoint/2010/main" val="1888451891"/>
       </p:ext>
     </p:extLst>
   </p:cSld>
@@ -7669,22 +8890,43 @@
       </p:grpSpPr>
       <p:sp>
         <p:nvSpPr>
-          <p:cNvPr id="2" name="Title 1"/>
-          <p:cNvSpPr>
-            <a:spLocks noGrp="1"/>
-          </p:cNvSpPr>
-          <p:nvPr>
-            <p:ph type="title"/>
-          </p:nvPr>
-        </p:nvSpPr>
-        <p:spPr/>
-        <p:txBody>
-          <a:bodyPr/>
-          <a:lstStyle/>
-          <a:p>
+          <p:cNvPr id="3" name="Rectangle 2"/>
+          <p:cNvSpPr/>
+          <p:nvPr/>
+        </p:nvSpPr>
+        <p:spPr>
+          <a:xfrm>
+            <a:off x="2453498" y="1222742"/>
+            <a:ext cx="1669409" cy="830510"/>
+          </a:xfrm>
+          <a:prstGeom prst="rect">
+            <a:avLst/>
+          </a:prstGeom>
+        </p:spPr>
+        <p:style>
+          <a:lnRef idx="2">
+            <a:schemeClr val="accent1">
+              <a:shade val="50000"/>
+            </a:schemeClr>
+          </a:lnRef>
+          <a:fillRef idx="1">
+            <a:schemeClr val="accent1"/>
+          </a:fillRef>
+          <a:effectRef idx="0">
+            <a:schemeClr val="accent1"/>
+          </a:effectRef>
+          <a:fontRef idx="minor">
+            <a:schemeClr val="lt1"/>
+          </a:fontRef>
+        </p:style>
+        <p:txBody>
+          <a:bodyPr rtlCol="0" anchor="ctr"/>
+          <a:lstStyle/>
+          <a:p>
+            <a:pPr algn="ctr"/>
             <a:r>
               <a:rPr lang="nl-BE" dirty="0" smtClean="0"/>
-              <a:t>Onderwijsdoelen</a:t>
+              <a:t>secundair onderwijs</a:t>
             </a:r>
             <a:endParaRPr lang="en-US" dirty="0"/>
           </a:p>
@@ -7692,27 +8934,723 @@
       </p:sp>
       <p:sp>
         <p:nvSpPr>
-          <p:cNvPr id="3" name="Content Placeholder 2"/>
-          <p:cNvSpPr>
-            <a:spLocks noGrp="1"/>
-          </p:cNvSpPr>
-          <p:nvPr>
-            <p:ph idx="1"/>
-          </p:nvPr>
-        </p:nvSpPr>
-        <p:spPr/>
-        <p:txBody>
-          <a:bodyPr/>
-          <a:lstStyle/>
-          <a:p>
+          <p:cNvPr id="5" name="Rectangle 4"/>
+          <p:cNvSpPr/>
+          <p:nvPr/>
+        </p:nvSpPr>
+        <p:spPr>
+          <a:xfrm>
+            <a:off x="2453498" y="2174586"/>
+            <a:ext cx="1669409" cy="830510"/>
+          </a:xfrm>
+          <a:prstGeom prst="rect">
+            <a:avLst/>
+          </a:prstGeom>
+        </p:spPr>
+        <p:style>
+          <a:lnRef idx="2">
+            <a:schemeClr val="accent1">
+              <a:shade val="50000"/>
+            </a:schemeClr>
+          </a:lnRef>
+          <a:fillRef idx="1">
+            <a:schemeClr val="accent1"/>
+          </a:fillRef>
+          <a:effectRef idx="0">
+            <a:schemeClr val="accent1"/>
+          </a:effectRef>
+          <a:fontRef idx="minor">
+            <a:schemeClr val="lt1"/>
+          </a:fontRef>
+        </p:style>
+        <p:txBody>
+          <a:bodyPr rtlCol="0" anchor="ctr"/>
+          <a:lstStyle/>
+          <a:p>
+            <a:pPr algn="ctr"/>
+            <a:r>
+              <a:rPr lang="nl-BE" dirty="0" smtClean="0"/>
+              <a:t>sleutel-competenties</a:t>
+            </a:r>
             <a:endParaRPr lang="en-US" dirty="0"/>
           </a:p>
         </p:txBody>
       </p:sp>
+      <p:sp>
+        <p:nvSpPr>
+          <p:cNvPr id="6" name="Rectangle 5"/>
+          <p:cNvSpPr/>
+          <p:nvPr/>
+        </p:nvSpPr>
+        <p:spPr>
+          <a:xfrm>
+            <a:off x="2453494" y="3115611"/>
+            <a:ext cx="1669409" cy="829063"/>
+          </a:xfrm>
+          <a:prstGeom prst="rect">
+            <a:avLst/>
+          </a:prstGeom>
+        </p:spPr>
+        <p:style>
+          <a:lnRef idx="2">
+            <a:schemeClr val="accent1">
+              <a:shade val="50000"/>
+            </a:schemeClr>
+          </a:lnRef>
+          <a:fillRef idx="1">
+            <a:schemeClr val="accent1"/>
+          </a:fillRef>
+          <a:effectRef idx="0">
+            <a:schemeClr val="accent1"/>
+          </a:effectRef>
+          <a:fontRef idx="minor">
+            <a:schemeClr val="lt1"/>
+          </a:fontRef>
+        </p:style>
+        <p:txBody>
+          <a:bodyPr rtlCol="0" anchor="ctr"/>
+          <a:lstStyle/>
+          <a:p>
+            <a:pPr algn="ctr"/>
+            <a:r>
+              <a:rPr lang="nl-BE" dirty="0" smtClean="0"/>
+              <a:t>bouwstenen</a:t>
+            </a:r>
+            <a:endParaRPr lang="en-US" dirty="0"/>
+          </a:p>
+        </p:txBody>
+      </p:sp>
+      <p:sp>
+        <p:nvSpPr>
+          <p:cNvPr id="7" name="Rectangle 6"/>
+          <p:cNvSpPr/>
+          <p:nvPr/>
+        </p:nvSpPr>
+        <p:spPr>
+          <a:xfrm>
+            <a:off x="2453495" y="4078274"/>
+            <a:ext cx="1669409" cy="830510"/>
+          </a:xfrm>
+          <a:prstGeom prst="rect">
+            <a:avLst/>
+          </a:prstGeom>
+        </p:spPr>
+        <p:style>
+          <a:lnRef idx="2">
+            <a:schemeClr val="accent1">
+              <a:shade val="50000"/>
+            </a:schemeClr>
+          </a:lnRef>
+          <a:fillRef idx="1">
+            <a:schemeClr val="accent1"/>
+          </a:fillRef>
+          <a:effectRef idx="0">
+            <a:schemeClr val="accent1"/>
+          </a:effectRef>
+          <a:fontRef idx="minor">
+            <a:schemeClr val="lt1"/>
+          </a:fontRef>
+        </p:style>
+        <p:txBody>
+          <a:bodyPr rtlCol="0" anchor="ctr"/>
+          <a:lstStyle/>
+          <a:p>
+            <a:pPr algn="ctr"/>
+            <a:r>
+              <a:rPr lang="nl-BE" dirty="0" smtClean="0"/>
+              <a:t>vakken</a:t>
+            </a:r>
+            <a:endParaRPr lang="en-US" dirty="0"/>
+          </a:p>
+        </p:txBody>
+      </p:sp>
+      <p:sp>
+        <p:nvSpPr>
+          <p:cNvPr id="8" name="Rectangle 7"/>
+          <p:cNvSpPr/>
+          <p:nvPr/>
+        </p:nvSpPr>
+        <p:spPr>
+          <a:xfrm>
+            <a:off x="2453494" y="5030118"/>
+            <a:ext cx="1669409" cy="830510"/>
+          </a:xfrm>
+          <a:prstGeom prst="rect">
+            <a:avLst/>
+          </a:prstGeom>
+        </p:spPr>
+        <p:style>
+          <a:lnRef idx="2">
+            <a:schemeClr val="accent1">
+              <a:shade val="50000"/>
+            </a:schemeClr>
+          </a:lnRef>
+          <a:fillRef idx="1">
+            <a:schemeClr val="accent1"/>
+          </a:fillRef>
+          <a:effectRef idx="0">
+            <a:schemeClr val="accent1"/>
+          </a:effectRef>
+          <a:fontRef idx="minor">
+            <a:schemeClr val="lt1"/>
+          </a:fontRef>
+        </p:style>
+        <p:txBody>
+          <a:bodyPr rtlCol="0" anchor="ctr"/>
+          <a:lstStyle/>
+          <a:p>
+            <a:pPr algn="ctr"/>
+            <a:r>
+              <a:rPr lang="nl-BE" dirty="0" smtClean="0"/>
+              <a:t>trefwoorden</a:t>
+            </a:r>
+            <a:endParaRPr lang="en-US" dirty="0"/>
+          </a:p>
+        </p:txBody>
+      </p:sp>
+      <p:sp>
+        <p:nvSpPr>
+          <p:cNvPr id="9" name="Rectangle 8"/>
+          <p:cNvSpPr/>
+          <p:nvPr/>
+        </p:nvSpPr>
+        <p:spPr>
+          <a:xfrm>
+            <a:off x="5483322" y="1222742"/>
+            <a:ext cx="1669409" cy="830510"/>
+          </a:xfrm>
+          <a:prstGeom prst="rect">
+            <a:avLst/>
+          </a:prstGeom>
+        </p:spPr>
+        <p:style>
+          <a:lnRef idx="2">
+            <a:schemeClr val="accent1">
+              <a:shade val="50000"/>
+            </a:schemeClr>
+          </a:lnRef>
+          <a:fillRef idx="1">
+            <a:schemeClr val="accent1"/>
+          </a:fillRef>
+          <a:effectRef idx="0">
+            <a:schemeClr val="accent1"/>
+          </a:effectRef>
+          <a:fontRef idx="minor">
+            <a:schemeClr val="lt1"/>
+          </a:fontRef>
+        </p:style>
+        <p:txBody>
+          <a:bodyPr rtlCol="0" anchor="ctr"/>
+          <a:lstStyle/>
+          <a:p>
+            <a:pPr algn="ctr"/>
+            <a:r>
+              <a:rPr lang="nl-BE" dirty="0" smtClean="0"/>
+              <a:t>sleutel-competentie1</a:t>
+            </a:r>
+            <a:endParaRPr lang="en-US" dirty="0"/>
+          </a:p>
+        </p:txBody>
+      </p:sp>
+      <p:sp>
+        <p:nvSpPr>
+          <p:cNvPr id="11" name="Rectangle 10"/>
+          <p:cNvSpPr/>
+          <p:nvPr/>
+        </p:nvSpPr>
+        <p:spPr>
+          <a:xfrm>
+            <a:off x="5957299" y="2543089"/>
+            <a:ext cx="1669409" cy="830510"/>
+          </a:xfrm>
+          <a:prstGeom prst="rect">
+            <a:avLst/>
+          </a:prstGeom>
+        </p:spPr>
+        <p:style>
+          <a:lnRef idx="2">
+            <a:schemeClr val="accent1">
+              <a:shade val="50000"/>
+            </a:schemeClr>
+          </a:lnRef>
+          <a:fillRef idx="1">
+            <a:schemeClr val="accent1"/>
+          </a:fillRef>
+          <a:effectRef idx="0">
+            <a:schemeClr val="accent1"/>
+          </a:effectRef>
+          <a:fontRef idx="minor">
+            <a:schemeClr val="lt1"/>
+          </a:fontRef>
+        </p:style>
+        <p:txBody>
+          <a:bodyPr rtlCol="0" anchor="ctr"/>
+          <a:lstStyle/>
+          <a:p>
+            <a:pPr algn="ctr"/>
+            <a:r>
+              <a:rPr lang="nl-BE" dirty="0" smtClean="0"/>
+              <a:t>bouwsteen1</a:t>
+            </a:r>
+            <a:endParaRPr lang="en-US" dirty="0"/>
+          </a:p>
+        </p:txBody>
+      </p:sp>
+      <p:sp>
+        <p:nvSpPr>
+          <p:cNvPr id="12" name="Rectangle 11"/>
+          <p:cNvSpPr/>
+          <p:nvPr/>
+        </p:nvSpPr>
+        <p:spPr>
+          <a:xfrm>
+            <a:off x="8771804" y="3871180"/>
+            <a:ext cx="1669409" cy="830510"/>
+          </a:xfrm>
+          <a:prstGeom prst="rect">
+            <a:avLst/>
+          </a:prstGeom>
+        </p:spPr>
+        <p:style>
+          <a:lnRef idx="2">
+            <a:schemeClr val="accent1">
+              <a:shade val="50000"/>
+            </a:schemeClr>
+          </a:lnRef>
+          <a:fillRef idx="1">
+            <a:schemeClr val="accent1"/>
+          </a:fillRef>
+          <a:effectRef idx="0">
+            <a:schemeClr val="accent1"/>
+          </a:effectRef>
+          <a:fontRef idx="minor">
+            <a:schemeClr val="lt1"/>
+          </a:fontRef>
+        </p:style>
+        <p:txBody>
+          <a:bodyPr rtlCol="0" anchor="ctr"/>
+          <a:lstStyle/>
+          <a:p>
+            <a:pPr algn="ctr"/>
+            <a:r>
+              <a:rPr lang="nl-BE" dirty="0" smtClean="0"/>
+              <a:t>vak1</a:t>
+            </a:r>
+            <a:endParaRPr lang="en-US" dirty="0"/>
+          </a:p>
+        </p:txBody>
+      </p:sp>
+      <p:sp>
+        <p:nvSpPr>
+          <p:cNvPr id="13" name="Rectangle 12"/>
+          <p:cNvSpPr/>
+          <p:nvPr/>
+        </p:nvSpPr>
+        <p:spPr>
+          <a:xfrm>
+            <a:off x="8771806" y="5195045"/>
+            <a:ext cx="1669409" cy="830510"/>
+          </a:xfrm>
+          <a:prstGeom prst="rect">
+            <a:avLst/>
+          </a:prstGeom>
+        </p:spPr>
+        <p:style>
+          <a:lnRef idx="2">
+            <a:schemeClr val="accent1">
+              <a:shade val="50000"/>
+            </a:schemeClr>
+          </a:lnRef>
+          <a:fillRef idx="1">
+            <a:schemeClr val="accent1"/>
+          </a:fillRef>
+          <a:effectRef idx="0">
+            <a:schemeClr val="accent1"/>
+          </a:effectRef>
+          <a:fontRef idx="minor">
+            <a:schemeClr val="lt1"/>
+          </a:fontRef>
+        </p:style>
+        <p:txBody>
+          <a:bodyPr rtlCol="0" anchor="ctr"/>
+          <a:lstStyle/>
+          <a:p>
+            <a:pPr algn="ctr"/>
+            <a:r>
+              <a:rPr lang="nl-BE" dirty="0" smtClean="0"/>
+              <a:t>trefwoord1</a:t>
+            </a:r>
+            <a:endParaRPr lang="en-US" dirty="0"/>
+          </a:p>
+        </p:txBody>
+      </p:sp>
+      <p:cxnSp>
+        <p:nvCxnSpPr>
+          <p:cNvPr id="44" name="Curved Connector 43"/>
+          <p:cNvCxnSpPr>
+            <a:stCxn id="3" idx="3"/>
+            <a:endCxn id="9" idx="1"/>
+          </p:cNvCxnSpPr>
+          <p:nvPr/>
+        </p:nvCxnSpPr>
+        <p:spPr>
+          <a:xfrm>
+            <a:off x="4122907" y="1637997"/>
+            <a:ext cx="1360415" cy="12700"/>
+          </a:xfrm>
+          <a:prstGeom prst="curvedConnector3">
+            <a:avLst/>
+          </a:prstGeom>
+          <a:ln>
+            <a:tailEnd type="triangle"/>
+          </a:ln>
+        </p:spPr>
+        <p:style>
+          <a:lnRef idx="3">
+            <a:schemeClr val="accent5"/>
+          </a:lnRef>
+          <a:fillRef idx="0">
+            <a:schemeClr val="accent5"/>
+          </a:fillRef>
+          <a:effectRef idx="2">
+            <a:schemeClr val="accent5"/>
+          </a:effectRef>
+          <a:fontRef idx="minor">
+            <a:schemeClr val="tx1"/>
+          </a:fontRef>
+        </p:style>
+      </p:cxnSp>
+      <p:cxnSp>
+        <p:nvCxnSpPr>
+          <p:cNvPr id="46" name="Curved Connector 45"/>
+          <p:cNvCxnSpPr>
+            <a:stCxn id="3" idx="3"/>
+            <a:endCxn id="11" idx="1"/>
+          </p:cNvCxnSpPr>
+          <p:nvPr/>
+        </p:nvCxnSpPr>
+        <p:spPr>
+          <a:xfrm>
+            <a:off x="4122907" y="1637997"/>
+            <a:ext cx="1834392" cy="1320347"/>
+          </a:xfrm>
+          <a:prstGeom prst="curvedConnector3">
+            <a:avLst>
+              <a:gd name="adj1" fmla="val 43140"/>
+            </a:avLst>
+          </a:prstGeom>
+          <a:ln>
+            <a:tailEnd type="triangle"/>
+          </a:ln>
+        </p:spPr>
+        <p:style>
+          <a:lnRef idx="3">
+            <a:schemeClr val="accent5"/>
+          </a:lnRef>
+          <a:fillRef idx="0">
+            <a:schemeClr val="accent5"/>
+          </a:fillRef>
+          <a:effectRef idx="2">
+            <a:schemeClr val="accent5"/>
+          </a:effectRef>
+          <a:fontRef idx="minor">
+            <a:schemeClr val="tx1"/>
+          </a:fontRef>
+        </p:style>
+      </p:cxnSp>
+      <p:cxnSp>
+        <p:nvCxnSpPr>
+          <p:cNvPr id="48" name="Curved Connector 47"/>
+          <p:cNvCxnSpPr>
+            <a:stCxn id="3" idx="3"/>
+            <a:endCxn id="12" idx="1"/>
+          </p:cNvCxnSpPr>
+          <p:nvPr/>
+        </p:nvCxnSpPr>
+        <p:spPr>
+          <a:xfrm>
+            <a:off x="4122907" y="1637997"/>
+            <a:ext cx="4648897" cy="2648438"/>
+          </a:xfrm>
+          <a:prstGeom prst="curvedConnector3">
+            <a:avLst>
+              <a:gd name="adj1" fmla="val 29068"/>
+            </a:avLst>
+          </a:prstGeom>
+          <a:ln>
+            <a:tailEnd type="triangle"/>
+          </a:ln>
+        </p:spPr>
+        <p:style>
+          <a:lnRef idx="3">
+            <a:schemeClr val="accent5"/>
+          </a:lnRef>
+          <a:fillRef idx="0">
+            <a:schemeClr val="accent5"/>
+          </a:fillRef>
+          <a:effectRef idx="2">
+            <a:schemeClr val="accent5"/>
+          </a:effectRef>
+          <a:fontRef idx="minor">
+            <a:schemeClr val="tx1"/>
+          </a:fontRef>
+        </p:style>
+      </p:cxnSp>
+      <p:cxnSp>
+        <p:nvCxnSpPr>
+          <p:cNvPr id="55" name="Curved Connector 54"/>
+          <p:cNvCxnSpPr>
+            <a:stCxn id="3" idx="3"/>
+            <a:endCxn id="13" idx="1"/>
+          </p:cNvCxnSpPr>
+          <p:nvPr/>
+        </p:nvCxnSpPr>
+        <p:spPr>
+          <a:xfrm>
+            <a:off x="4122907" y="1637997"/>
+            <a:ext cx="4648899" cy="3972303"/>
+          </a:xfrm>
+          <a:prstGeom prst="curvedConnector3">
+            <a:avLst>
+              <a:gd name="adj1" fmla="val 19323"/>
+            </a:avLst>
+          </a:prstGeom>
+          <a:ln>
+            <a:tailEnd type="triangle"/>
+          </a:ln>
+        </p:spPr>
+        <p:style>
+          <a:lnRef idx="3">
+            <a:schemeClr val="accent5"/>
+          </a:lnRef>
+          <a:fillRef idx="0">
+            <a:schemeClr val="accent5"/>
+          </a:fillRef>
+          <a:effectRef idx="2">
+            <a:schemeClr val="accent5"/>
+          </a:effectRef>
+          <a:fontRef idx="minor">
+            <a:schemeClr val="tx1"/>
+          </a:fontRef>
+        </p:style>
+      </p:cxnSp>
+      <p:cxnSp>
+        <p:nvCxnSpPr>
+          <p:cNvPr id="63" name="Curved Connector 62"/>
+          <p:cNvCxnSpPr>
+            <a:stCxn id="5" idx="3"/>
+            <a:endCxn id="9" idx="1"/>
+          </p:cNvCxnSpPr>
+          <p:nvPr/>
+        </p:nvCxnSpPr>
+        <p:spPr>
+          <a:xfrm flipV="1">
+            <a:off x="4122907" y="1637997"/>
+            <a:ext cx="1360415" cy="951844"/>
+          </a:xfrm>
+          <a:prstGeom prst="curvedConnector3">
+            <a:avLst>
+              <a:gd name="adj1" fmla="val 50000"/>
+            </a:avLst>
+          </a:prstGeom>
+          <a:ln>
+            <a:tailEnd type="triangle"/>
+          </a:ln>
+        </p:spPr>
+        <p:style>
+          <a:lnRef idx="3">
+            <a:schemeClr val="accent5"/>
+          </a:lnRef>
+          <a:fillRef idx="0">
+            <a:schemeClr val="accent5"/>
+          </a:fillRef>
+          <a:effectRef idx="2">
+            <a:schemeClr val="accent5"/>
+          </a:effectRef>
+          <a:fontRef idx="minor">
+            <a:schemeClr val="tx1"/>
+          </a:fontRef>
+        </p:style>
+      </p:cxnSp>
+      <p:cxnSp>
+        <p:nvCxnSpPr>
+          <p:cNvPr id="69" name="Curved Connector 68"/>
+          <p:cNvCxnSpPr>
+            <a:stCxn id="6" idx="3"/>
+            <a:endCxn id="11" idx="1"/>
+          </p:cNvCxnSpPr>
+          <p:nvPr/>
+        </p:nvCxnSpPr>
+        <p:spPr>
+          <a:xfrm flipV="1">
+            <a:off x="4122903" y="2958344"/>
+            <a:ext cx="1834396" cy="571799"/>
+          </a:xfrm>
+          <a:prstGeom prst="curvedConnector3">
+            <a:avLst>
+              <a:gd name="adj1" fmla="val 37195"/>
+            </a:avLst>
+          </a:prstGeom>
+          <a:ln>
+            <a:tailEnd type="triangle"/>
+          </a:ln>
+        </p:spPr>
+        <p:style>
+          <a:lnRef idx="3">
+            <a:schemeClr val="accent5"/>
+          </a:lnRef>
+          <a:fillRef idx="0">
+            <a:schemeClr val="accent5"/>
+          </a:fillRef>
+          <a:effectRef idx="2">
+            <a:schemeClr val="accent5"/>
+          </a:effectRef>
+          <a:fontRef idx="minor">
+            <a:schemeClr val="tx1"/>
+          </a:fontRef>
+        </p:style>
+      </p:cxnSp>
+      <p:cxnSp>
+        <p:nvCxnSpPr>
+          <p:cNvPr id="73" name="Curved Connector 72"/>
+          <p:cNvCxnSpPr>
+            <a:stCxn id="7" idx="3"/>
+            <a:endCxn id="12" idx="1"/>
+          </p:cNvCxnSpPr>
+          <p:nvPr/>
+        </p:nvCxnSpPr>
+        <p:spPr>
+          <a:xfrm flipV="1">
+            <a:off x="4122904" y="4286435"/>
+            <a:ext cx="4648900" cy="207094"/>
+          </a:xfrm>
+          <a:prstGeom prst="curvedConnector3">
+            <a:avLst>
+              <a:gd name="adj1" fmla="val 50000"/>
+            </a:avLst>
+          </a:prstGeom>
+          <a:ln>
+            <a:tailEnd type="triangle"/>
+          </a:ln>
+        </p:spPr>
+        <p:style>
+          <a:lnRef idx="3">
+            <a:schemeClr val="accent5"/>
+          </a:lnRef>
+          <a:fillRef idx="0">
+            <a:schemeClr val="accent5"/>
+          </a:fillRef>
+          <a:effectRef idx="2">
+            <a:schemeClr val="accent5"/>
+          </a:effectRef>
+          <a:fontRef idx="minor">
+            <a:schemeClr val="tx1"/>
+          </a:fontRef>
+        </p:style>
+      </p:cxnSp>
+      <p:cxnSp>
+        <p:nvCxnSpPr>
+          <p:cNvPr id="81" name="Curved Connector 80"/>
+          <p:cNvCxnSpPr>
+            <a:stCxn id="8" idx="3"/>
+            <a:endCxn id="13" idx="1"/>
+          </p:cNvCxnSpPr>
+          <p:nvPr/>
+        </p:nvCxnSpPr>
+        <p:spPr>
+          <a:xfrm>
+            <a:off x="4122903" y="5445373"/>
+            <a:ext cx="4648903" cy="164927"/>
+          </a:xfrm>
+          <a:prstGeom prst="curvedConnector3">
+            <a:avLst/>
+          </a:prstGeom>
+          <a:ln>
+            <a:tailEnd type="triangle"/>
+          </a:ln>
+        </p:spPr>
+        <p:style>
+          <a:lnRef idx="3">
+            <a:schemeClr val="accent5"/>
+          </a:lnRef>
+          <a:fillRef idx="0">
+            <a:schemeClr val="accent5"/>
+          </a:fillRef>
+          <a:effectRef idx="2">
+            <a:schemeClr val="accent5"/>
+          </a:effectRef>
+          <a:fontRef idx="minor">
+            <a:schemeClr val="tx1"/>
+          </a:fontRef>
+        </p:style>
+      </p:cxnSp>
+      <p:sp>
+        <p:nvSpPr>
+          <p:cNvPr id="85" name="TextBox 84"/>
+          <p:cNvSpPr txBox="1"/>
+          <p:nvPr/>
+        </p:nvSpPr>
+        <p:spPr>
+          <a:xfrm>
+            <a:off x="9746849" y="196458"/>
+            <a:ext cx="1446486" cy="369332"/>
+          </a:xfrm>
+          <a:prstGeom prst="rect">
+            <a:avLst/>
+          </a:prstGeom>
+          <a:noFill/>
+        </p:spPr>
+        <p:txBody>
+          <a:bodyPr wrap="none" rtlCol="0">
+            <a:spAutoFit/>
+          </a:bodyPr>
+          <a:lstStyle/>
+          <a:p>
+            <a:r>
+              <a:rPr lang="nl-BE" dirty="0" err="1" smtClean="0"/>
+              <a:t>skos:member</a:t>
+            </a:r>
+            <a:endParaRPr lang="en-US" dirty="0"/>
+          </a:p>
+        </p:txBody>
+      </p:sp>
+      <p:cxnSp>
+        <p:nvCxnSpPr>
+          <p:cNvPr id="107" name="Straight Arrow Connector 106"/>
+          <p:cNvCxnSpPr/>
+          <p:nvPr/>
+        </p:nvCxnSpPr>
+        <p:spPr>
+          <a:xfrm>
+            <a:off x="9810968" y="639727"/>
+            <a:ext cx="1241571" cy="0"/>
+          </a:xfrm>
+          <a:prstGeom prst="straightConnector1">
+            <a:avLst/>
+          </a:prstGeom>
+          <a:ln>
+            <a:tailEnd type="triangle"/>
+          </a:ln>
+        </p:spPr>
+        <p:style>
+          <a:lnRef idx="3">
+            <a:schemeClr val="accent5"/>
+          </a:lnRef>
+          <a:fillRef idx="0">
+            <a:schemeClr val="accent5"/>
+          </a:fillRef>
+          <a:effectRef idx="2">
+            <a:schemeClr val="accent5"/>
+          </a:effectRef>
+          <a:fontRef idx="minor">
+            <a:schemeClr val="tx1"/>
+          </a:fontRef>
+        </p:style>
+      </p:cxnSp>
     </p:spTree>
     <p:extLst>
       <p:ext uri="{BB962C8B-B14F-4D97-AF65-F5344CB8AC3E}">
-        <p14:creationId xmlns:p14="http://schemas.microsoft.com/office/powerpoint/2010/main" val="1733495430"/>
+        <p14:creationId xmlns:p14="http://schemas.microsoft.com/office/powerpoint/2010/main" val="1008542128"/>
       </p:ext>
     </p:extLst>
   </p:cSld>
@@ -7739,15 +9677,543 @@
           <a:chExt cx="0" cy="0"/>
         </a:xfrm>
       </p:grpSpPr>
-      <p:sp>
-        <p:nvSpPr>
-          <p:cNvPr id="3" name="Rectangle 2"/>
+      <p:cxnSp>
+        <p:nvCxnSpPr>
+          <p:cNvPr id="87" name="Curved Connector 86"/>
+          <p:cNvCxnSpPr/>
+          <p:nvPr/>
+        </p:nvCxnSpPr>
+        <p:spPr>
+          <a:xfrm rot="16200000" flipV="1">
+            <a:off x="4871668" y="2650462"/>
+            <a:ext cx="489837" cy="473977"/>
+          </a:xfrm>
+          <a:prstGeom prst="curvedConnector3">
+            <a:avLst/>
+          </a:prstGeom>
+          <a:ln>
+            <a:tailEnd type="triangle"/>
+          </a:ln>
+        </p:spPr>
+        <p:style>
+          <a:lnRef idx="3">
+            <a:schemeClr val="accent2"/>
+          </a:lnRef>
+          <a:fillRef idx="0">
+            <a:schemeClr val="accent2"/>
+          </a:fillRef>
+          <a:effectRef idx="2">
+            <a:schemeClr val="accent2"/>
+          </a:effectRef>
+          <a:fontRef idx="minor">
+            <a:schemeClr val="tx1"/>
+          </a:fontRef>
+        </p:style>
+      </p:cxnSp>
+      <p:sp>
+        <p:nvSpPr>
+          <p:cNvPr id="94" name="TextBox 93"/>
+          <p:cNvSpPr txBox="1"/>
+          <p:nvPr/>
+        </p:nvSpPr>
+        <p:spPr>
+          <a:xfrm>
+            <a:off x="9746849" y="669679"/>
+            <a:ext cx="1393074" cy="369332"/>
+          </a:xfrm>
+          <a:prstGeom prst="rect">
+            <a:avLst/>
+          </a:prstGeom>
+          <a:noFill/>
+        </p:spPr>
+        <p:txBody>
+          <a:bodyPr wrap="none" rtlCol="0">
+            <a:spAutoFit/>
+          </a:bodyPr>
+          <a:lstStyle/>
+          <a:p>
+            <a:r>
+              <a:rPr lang="nl-BE" dirty="0" err="1" smtClean="0"/>
+              <a:t>skos:broader</a:t>
+            </a:r>
+            <a:endParaRPr lang="en-US" dirty="0"/>
+          </a:p>
+        </p:txBody>
+      </p:sp>
+      <p:cxnSp>
+        <p:nvCxnSpPr>
+          <p:cNvPr id="96" name="Curved Connector 95"/>
+          <p:cNvCxnSpPr/>
+          <p:nvPr/>
+        </p:nvCxnSpPr>
+        <p:spPr>
+          <a:xfrm rot="16200000" flipH="1">
+            <a:off x="4496639" y="2679502"/>
+            <a:ext cx="489837" cy="415896"/>
+          </a:xfrm>
+          <a:prstGeom prst="curvedConnector3">
+            <a:avLst/>
+          </a:prstGeom>
+          <a:ln>
+            <a:tailEnd type="triangle"/>
+          </a:ln>
+        </p:spPr>
+        <p:style>
+          <a:lnRef idx="3">
+            <a:schemeClr val="accent6"/>
+          </a:lnRef>
+          <a:fillRef idx="0">
+            <a:schemeClr val="accent6"/>
+          </a:fillRef>
+          <a:effectRef idx="2">
+            <a:schemeClr val="accent6"/>
+          </a:effectRef>
+          <a:fontRef idx="minor">
+            <a:schemeClr val="tx1"/>
+          </a:fontRef>
+        </p:style>
+      </p:cxnSp>
+      <p:cxnSp>
+        <p:nvCxnSpPr>
+          <p:cNvPr id="112" name="Straight Arrow Connector 111"/>
+          <p:cNvCxnSpPr/>
+          <p:nvPr/>
+        </p:nvCxnSpPr>
+        <p:spPr>
+          <a:xfrm>
+            <a:off x="9825329" y="1085741"/>
+            <a:ext cx="1241571" cy="0"/>
+          </a:xfrm>
+          <a:prstGeom prst="straightConnector1">
+            <a:avLst/>
+          </a:prstGeom>
+          <a:ln>
+            <a:tailEnd type="triangle"/>
+          </a:ln>
+        </p:spPr>
+        <p:style>
+          <a:lnRef idx="3">
+            <a:schemeClr val="accent2"/>
+          </a:lnRef>
+          <a:fillRef idx="0">
+            <a:schemeClr val="accent2"/>
+          </a:fillRef>
+          <a:effectRef idx="2">
+            <a:schemeClr val="accent2"/>
+          </a:effectRef>
+          <a:fontRef idx="minor">
+            <a:schemeClr val="tx1"/>
+          </a:fontRef>
+        </p:style>
+      </p:cxnSp>
+      <p:cxnSp>
+        <p:nvCxnSpPr>
+          <p:cNvPr id="113" name="Straight Arrow Connector 112"/>
+          <p:cNvCxnSpPr/>
+          <p:nvPr/>
+        </p:nvCxnSpPr>
+        <p:spPr>
+          <a:xfrm>
+            <a:off x="9825329" y="1548534"/>
+            <a:ext cx="1241571" cy="0"/>
+          </a:xfrm>
+          <a:prstGeom prst="straightConnector1">
+            <a:avLst/>
+          </a:prstGeom>
+          <a:ln>
+            <a:tailEnd type="triangle"/>
+          </a:ln>
+        </p:spPr>
+        <p:style>
+          <a:lnRef idx="3">
+            <a:schemeClr val="accent6"/>
+          </a:lnRef>
+          <a:fillRef idx="0">
+            <a:schemeClr val="accent6"/>
+          </a:fillRef>
+          <a:effectRef idx="2">
+            <a:schemeClr val="accent6"/>
+          </a:effectRef>
+          <a:fontRef idx="minor">
+            <a:schemeClr val="tx1"/>
+          </a:fontRef>
+        </p:style>
+      </p:cxnSp>
+      <p:sp>
+        <p:nvSpPr>
+          <p:cNvPr id="114" name="TextBox 113"/>
+          <p:cNvSpPr txBox="1"/>
+          <p:nvPr/>
+        </p:nvSpPr>
+        <p:spPr>
+          <a:xfrm>
+            <a:off x="9722872" y="1142900"/>
+            <a:ext cx="1513556" cy="369332"/>
+          </a:xfrm>
+          <a:prstGeom prst="rect">
+            <a:avLst/>
+          </a:prstGeom>
+          <a:noFill/>
+        </p:spPr>
+        <p:txBody>
+          <a:bodyPr wrap="none" rtlCol="0">
+            <a:spAutoFit/>
+          </a:bodyPr>
+          <a:lstStyle/>
+          <a:p>
+            <a:r>
+              <a:rPr lang="nl-BE" dirty="0" err="1" smtClean="0"/>
+              <a:t>skos:narrower</a:t>
+            </a:r>
+            <a:endParaRPr lang="en-US" dirty="0"/>
+          </a:p>
+        </p:txBody>
+      </p:sp>
+      <p:cxnSp>
+        <p:nvCxnSpPr>
+          <p:cNvPr id="117" name="Curved Connector 116"/>
+          <p:cNvCxnSpPr/>
+          <p:nvPr/>
+        </p:nvCxnSpPr>
+        <p:spPr>
+          <a:xfrm rot="16200000" flipV="1">
+            <a:off x="5142912" y="2644110"/>
+            <a:ext cx="489837" cy="473977"/>
+          </a:xfrm>
+          <a:prstGeom prst="curvedConnector3">
+            <a:avLst/>
+          </a:prstGeom>
+          <a:ln>
+            <a:prstDash val="dash"/>
+            <a:tailEnd type="triangle"/>
+          </a:ln>
+        </p:spPr>
+        <p:style>
+          <a:lnRef idx="3">
+            <a:schemeClr val="accent2"/>
+          </a:lnRef>
+          <a:fillRef idx="0">
+            <a:schemeClr val="accent2"/>
+          </a:fillRef>
+          <a:effectRef idx="2">
+            <a:schemeClr val="accent2"/>
+          </a:effectRef>
+          <a:fontRef idx="minor">
+            <a:schemeClr val="tx1"/>
+          </a:fontRef>
+        </p:style>
+      </p:cxnSp>
+      <p:cxnSp>
+        <p:nvCxnSpPr>
+          <p:cNvPr id="119" name="Curved Connector 118"/>
+          <p:cNvCxnSpPr/>
+          <p:nvPr/>
+        </p:nvCxnSpPr>
+        <p:spPr>
+          <a:xfrm rot="16200000" flipH="1">
+            <a:off x="4221200" y="2673150"/>
+            <a:ext cx="489837" cy="415896"/>
+          </a:xfrm>
+          <a:prstGeom prst="curvedConnector3">
+            <a:avLst/>
+          </a:prstGeom>
+          <a:ln>
+            <a:prstDash val="dash"/>
+            <a:tailEnd type="triangle"/>
+          </a:ln>
+        </p:spPr>
+        <p:style>
+          <a:lnRef idx="3">
+            <a:schemeClr val="accent6"/>
+          </a:lnRef>
+          <a:fillRef idx="0">
+            <a:schemeClr val="accent6"/>
+          </a:fillRef>
+          <a:effectRef idx="2">
+            <a:schemeClr val="accent6"/>
+          </a:effectRef>
+          <a:fontRef idx="minor">
+            <a:schemeClr val="tx1"/>
+          </a:fontRef>
+        </p:style>
+      </p:cxnSp>
+      <p:sp>
+        <p:nvSpPr>
+          <p:cNvPr id="127" name="TextBox 126"/>
+          <p:cNvSpPr txBox="1"/>
+          <p:nvPr/>
+        </p:nvSpPr>
+        <p:spPr>
+          <a:xfrm>
+            <a:off x="9741077" y="1569390"/>
+            <a:ext cx="2288703" cy="369332"/>
+          </a:xfrm>
+          <a:prstGeom prst="rect">
+            <a:avLst/>
+          </a:prstGeom>
+          <a:noFill/>
+        </p:spPr>
+        <p:txBody>
+          <a:bodyPr wrap="none" rtlCol="0">
+            <a:spAutoFit/>
+          </a:bodyPr>
+          <a:lstStyle/>
+          <a:p>
+            <a:r>
+              <a:rPr lang="nl-BE" dirty="0" err="1" smtClean="0"/>
+              <a:t>skos:broaderTransitive</a:t>
+            </a:r>
+            <a:endParaRPr lang="en-US" dirty="0"/>
+          </a:p>
+        </p:txBody>
+      </p:sp>
+      <p:cxnSp>
+        <p:nvCxnSpPr>
+          <p:cNvPr id="128" name="Straight Arrow Connector 127"/>
+          <p:cNvCxnSpPr/>
+          <p:nvPr/>
+        </p:nvCxnSpPr>
+        <p:spPr>
+          <a:xfrm>
+            <a:off x="9819557" y="1985452"/>
+            <a:ext cx="1241571" cy="0"/>
+          </a:xfrm>
+          <a:prstGeom prst="straightConnector1">
+            <a:avLst/>
+          </a:prstGeom>
+          <a:ln>
+            <a:prstDash val="dash"/>
+            <a:tailEnd type="triangle"/>
+          </a:ln>
+        </p:spPr>
+        <p:style>
+          <a:lnRef idx="3">
+            <a:schemeClr val="accent2"/>
+          </a:lnRef>
+          <a:fillRef idx="0">
+            <a:schemeClr val="accent2"/>
+          </a:fillRef>
+          <a:effectRef idx="2">
+            <a:schemeClr val="accent2"/>
+          </a:effectRef>
+          <a:fontRef idx="minor">
+            <a:schemeClr val="tx1"/>
+          </a:fontRef>
+        </p:style>
+      </p:cxnSp>
+      <p:cxnSp>
+        <p:nvCxnSpPr>
+          <p:cNvPr id="129" name="Straight Arrow Connector 128"/>
+          <p:cNvCxnSpPr/>
+          <p:nvPr/>
+        </p:nvCxnSpPr>
+        <p:spPr>
+          <a:xfrm>
+            <a:off x="9819557" y="2448245"/>
+            <a:ext cx="1241571" cy="0"/>
+          </a:xfrm>
+          <a:prstGeom prst="straightConnector1">
+            <a:avLst/>
+          </a:prstGeom>
+          <a:ln>
+            <a:prstDash val="dash"/>
+            <a:tailEnd type="triangle"/>
+          </a:ln>
+        </p:spPr>
+        <p:style>
+          <a:lnRef idx="3">
+            <a:schemeClr val="accent6"/>
+          </a:lnRef>
+          <a:fillRef idx="0">
+            <a:schemeClr val="accent6"/>
+          </a:fillRef>
+          <a:effectRef idx="2">
+            <a:schemeClr val="accent6"/>
+          </a:effectRef>
+          <a:fontRef idx="minor">
+            <a:schemeClr val="tx1"/>
+          </a:fontRef>
+        </p:style>
+      </p:cxnSp>
+      <p:sp>
+        <p:nvSpPr>
+          <p:cNvPr id="130" name="TextBox 129"/>
+          <p:cNvSpPr txBox="1"/>
+          <p:nvPr/>
+        </p:nvSpPr>
+        <p:spPr>
+          <a:xfrm>
+            <a:off x="9717100" y="2042611"/>
+            <a:ext cx="2409186" cy="369332"/>
+          </a:xfrm>
+          <a:prstGeom prst="rect">
+            <a:avLst/>
+          </a:prstGeom>
+          <a:noFill/>
+        </p:spPr>
+        <p:txBody>
+          <a:bodyPr wrap="none" rtlCol="0">
+            <a:spAutoFit/>
+          </a:bodyPr>
+          <a:lstStyle/>
+          <a:p>
+            <a:r>
+              <a:rPr lang="nl-BE" dirty="0" err="1" smtClean="0"/>
+              <a:t>skos:narrowerTransitive</a:t>
+            </a:r>
+            <a:endParaRPr lang="en-US" dirty="0"/>
+          </a:p>
+        </p:txBody>
+      </p:sp>
+      <p:cxnSp>
+        <p:nvCxnSpPr>
+          <p:cNvPr id="132" name="Curved Connector 131"/>
+          <p:cNvCxnSpPr>
+            <a:stCxn id="47" idx="0"/>
+            <a:endCxn id="43" idx="2"/>
+          </p:cNvCxnSpPr>
+          <p:nvPr/>
+        </p:nvCxnSpPr>
+        <p:spPr>
+          <a:xfrm rot="16200000" flipV="1">
+            <a:off x="5697078" y="3459995"/>
+            <a:ext cx="1821446" cy="2814507"/>
+          </a:xfrm>
+          <a:prstGeom prst="curvedConnector3">
+            <a:avLst>
+              <a:gd name="adj1" fmla="val 19142"/>
+            </a:avLst>
+          </a:prstGeom>
+          <a:ln>
+            <a:headEnd type="triangle"/>
+            <a:tailEnd type="triangle"/>
+          </a:ln>
+        </p:spPr>
+        <p:style>
+          <a:lnRef idx="3">
+            <a:schemeClr val="accent3"/>
+          </a:lnRef>
+          <a:fillRef idx="0">
+            <a:schemeClr val="accent3"/>
+          </a:fillRef>
+          <a:effectRef idx="2">
+            <a:schemeClr val="accent3"/>
+          </a:effectRef>
+          <a:fontRef idx="minor">
+            <a:schemeClr val="tx1"/>
+          </a:fontRef>
+        </p:style>
+      </p:cxnSp>
+      <p:cxnSp>
+        <p:nvCxnSpPr>
+          <p:cNvPr id="137" name="Straight Arrow Connector 136"/>
+          <p:cNvCxnSpPr/>
+          <p:nvPr/>
+        </p:nvCxnSpPr>
+        <p:spPr>
+          <a:xfrm>
+            <a:off x="9819557" y="2883877"/>
+            <a:ext cx="1241571" cy="0"/>
+          </a:xfrm>
+          <a:prstGeom prst="straightConnector1">
+            <a:avLst/>
+          </a:prstGeom>
+          <a:ln>
+            <a:headEnd type="triangle"/>
+            <a:tailEnd type="triangle"/>
+          </a:ln>
+        </p:spPr>
+        <p:style>
+          <a:lnRef idx="3">
+            <a:schemeClr val="accent3"/>
+          </a:lnRef>
+          <a:fillRef idx="0">
+            <a:schemeClr val="accent3"/>
+          </a:fillRef>
+          <a:effectRef idx="2">
+            <a:schemeClr val="accent3"/>
+          </a:effectRef>
+          <a:fontRef idx="minor">
+            <a:schemeClr val="tx1"/>
+          </a:fontRef>
+        </p:style>
+      </p:cxnSp>
+      <p:sp>
+        <p:nvSpPr>
+          <p:cNvPr id="150" name="TextBox 149"/>
+          <p:cNvSpPr txBox="1"/>
+          <p:nvPr/>
+        </p:nvSpPr>
+        <p:spPr>
+          <a:xfrm>
+            <a:off x="9736965" y="2484725"/>
+            <a:ext cx="1310615" cy="369332"/>
+          </a:xfrm>
+          <a:prstGeom prst="rect">
+            <a:avLst/>
+          </a:prstGeom>
+          <a:noFill/>
+        </p:spPr>
+        <p:txBody>
+          <a:bodyPr wrap="none" rtlCol="0">
+            <a:spAutoFit/>
+          </a:bodyPr>
+          <a:lstStyle/>
+          <a:p>
+            <a:r>
+              <a:rPr lang="nl-BE" dirty="0" err="1" smtClean="0"/>
+              <a:t>skos:related</a:t>
+            </a:r>
+            <a:endParaRPr lang="en-US" dirty="0"/>
+          </a:p>
+        </p:txBody>
+      </p:sp>
+      <p:cxnSp>
+        <p:nvCxnSpPr>
+          <p:cNvPr id="56" name="Curved Connector 55"/>
+          <p:cNvCxnSpPr>
+            <a:stCxn id="45" idx="0"/>
+            <a:endCxn id="43" idx="3"/>
+          </p:cNvCxnSpPr>
+          <p:nvPr/>
+        </p:nvCxnSpPr>
+        <p:spPr>
+          <a:xfrm rot="16200000" flipV="1">
+            <a:off x="6568734" y="3007788"/>
+            <a:ext cx="912836" cy="1979801"/>
+          </a:xfrm>
+          <a:prstGeom prst="curvedConnector2">
+            <a:avLst/>
+          </a:prstGeom>
+          <a:ln>
+            <a:headEnd type="triangle"/>
+            <a:tailEnd type="triangle"/>
+          </a:ln>
+        </p:spPr>
+        <p:style>
+          <a:lnRef idx="3">
+            <a:schemeClr val="accent3"/>
+          </a:lnRef>
+          <a:fillRef idx="0">
+            <a:schemeClr val="accent3"/>
+          </a:fillRef>
+          <a:effectRef idx="2">
+            <a:schemeClr val="accent3"/>
+          </a:effectRef>
+          <a:fontRef idx="minor">
+            <a:schemeClr val="tx1"/>
+          </a:fontRef>
+        </p:style>
+      </p:cxnSp>
+      <p:sp>
+        <p:nvSpPr>
+          <p:cNvPr id="42" name="Rectangle 41"/>
           <p:cNvSpPr/>
           <p:nvPr/>
         </p:nvSpPr>
         <p:spPr>
           <a:xfrm>
-            <a:off x="331343" y="1379601"/>
+            <a:off x="3891865" y="1805669"/>
             <a:ext cx="1669409" cy="830510"/>
           </a:xfrm>
           <a:prstGeom prst="rect">
@@ -7776,8 +10242,8 @@
           <a:p>
             <a:pPr algn="ctr"/>
             <a:r>
-              <a:rPr lang="nl-BE" dirty="0" err="1" smtClean="0"/>
-              <a:t>onderwijs-doelen</a:t>
+              <a:rPr lang="nl-BE" dirty="0" smtClean="0"/>
+              <a:t>sleutel-competentie1</a:t>
             </a:r>
             <a:endParaRPr lang="en-US" dirty="0"/>
           </a:p>
@@ -7785,13 +10251,13 @@
       </p:sp>
       <p:sp>
         <p:nvSpPr>
-          <p:cNvPr id="9" name="Rectangle 8"/>
+          <p:cNvPr id="43" name="Rectangle 42"/>
           <p:cNvSpPr/>
           <p:nvPr/>
         </p:nvSpPr>
         <p:spPr>
           <a:xfrm>
-            <a:off x="2886511" y="1373251"/>
+            <a:off x="4365842" y="3126016"/>
             <a:ext cx="1669409" cy="830510"/>
           </a:xfrm>
           <a:prstGeom prst="rect">
@@ -7821,7 +10287,7 @@
             <a:pPr algn="ctr"/>
             <a:r>
               <a:rPr lang="nl-BE" dirty="0" smtClean="0"/>
-              <a:t>onderwijs-doel1</a:t>
+              <a:t>bouwsteen1</a:t>
             </a:r>
             <a:endParaRPr lang="en-US" dirty="0"/>
           </a:p>
@@ -7829,13 +10295,13 @@
       </p:sp>
       <p:sp>
         <p:nvSpPr>
-          <p:cNvPr id="10" name="Rectangle 9"/>
+          <p:cNvPr id="45" name="Rectangle 44"/>
           <p:cNvSpPr/>
           <p:nvPr/>
         </p:nvSpPr>
         <p:spPr>
           <a:xfrm>
-            <a:off x="6336485" y="1373251"/>
+            <a:off x="7180347" y="4454107"/>
             <a:ext cx="1669409" cy="830510"/>
           </a:xfrm>
           <a:prstGeom prst="rect">
@@ -7865,7 +10331,7 @@
             <a:pPr algn="ctr"/>
             <a:r>
               <a:rPr lang="nl-BE" dirty="0" smtClean="0"/>
-              <a:t>leergebied100</a:t>
+              <a:t>vak1</a:t>
             </a:r>
             <a:endParaRPr lang="en-US" dirty="0"/>
           </a:p>
@@ -7873,13 +10339,13 @@
       </p:sp>
       <p:sp>
         <p:nvSpPr>
-          <p:cNvPr id="11" name="Rectangle 10"/>
+          <p:cNvPr id="47" name="Rectangle 46"/>
           <p:cNvSpPr/>
           <p:nvPr/>
         </p:nvSpPr>
         <p:spPr>
           <a:xfrm>
-            <a:off x="2886510" y="2783588"/>
+            <a:off x="7180349" y="5777972"/>
             <a:ext cx="1669409" cy="830510"/>
           </a:xfrm>
           <a:prstGeom prst="rect">
@@ -7909,740 +10375,16 @@
             <a:pPr algn="ctr"/>
             <a:r>
               <a:rPr lang="nl-BE" dirty="0" smtClean="0"/>
-              <a:t>onderwijs-doel2</a:t>
+              <a:t>trefwoord1</a:t>
             </a:r>
             <a:endParaRPr lang="en-US" dirty="0"/>
           </a:p>
         </p:txBody>
       </p:sp>
-      <p:sp>
-        <p:nvSpPr>
-          <p:cNvPr id="12" name="Rectangle 11"/>
-          <p:cNvSpPr/>
-          <p:nvPr/>
-        </p:nvSpPr>
-        <p:spPr>
-          <a:xfrm>
-            <a:off x="2859247" y="4167465"/>
-            <a:ext cx="1669409" cy="830510"/>
-          </a:xfrm>
-          <a:prstGeom prst="rect">
-            <a:avLst/>
-          </a:prstGeom>
-        </p:spPr>
-        <p:style>
-          <a:lnRef idx="2">
-            <a:schemeClr val="accent1">
-              <a:shade val="50000"/>
-            </a:schemeClr>
-          </a:lnRef>
-          <a:fillRef idx="1">
-            <a:schemeClr val="accent1"/>
-          </a:fillRef>
-          <a:effectRef idx="0">
-            <a:schemeClr val="accent1"/>
-          </a:effectRef>
-          <a:fontRef idx="minor">
-            <a:schemeClr val="lt1"/>
-          </a:fontRef>
-        </p:style>
-        <p:txBody>
-          <a:bodyPr rtlCol="0" anchor="ctr"/>
-          <a:lstStyle/>
-          <a:p>
-            <a:pPr algn="ctr"/>
-            <a:r>
-              <a:rPr lang="nl-BE" dirty="0" smtClean="0"/>
-              <a:t>onderwijs-doel3</a:t>
-            </a:r>
-            <a:endParaRPr lang="en-US" dirty="0"/>
-          </a:p>
-        </p:txBody>
-      </p:sp>
-      <p:sp>
-        <p:nvSpPr>
-          <p:cNvPr id="13" name="Rectangle 12"/>
-          <p:cNvSpPr/>
-          <p:nvPr/>
-        </p:nvSpPr>
-        <p:spPr>
-          <a:xfrm>
-            <a:off x="6336485" y="2783588"/>
-            <a:ext cx="1669409" cy="830510"/>
-          </a:xfrm>
-          <a:prstGeom prst="rect">
-            <a:avLst/>
-          </a:prstGeom>
-        </p:spPr>
-        <p:style>
-          <a:lnRef idx="2">
-            <a:schemeClr val="accent1">
-              <a:shade val="50000"/>
-            </a:schemeClr>
-          </a:lnRef>
-          <a:fillRef idx="1">
-            <a:schemeClr val="accent1"/>
-          </a:fillRef>
-          <a:effectRef idx="0">
-            <a:schemeClr val="accent1"/>
-          </a:effectRef>
-          <a:fontRef idx="minor">
-            <a:schemeClr val="lt1"/>
-          </a:fontRef>
-        </p:style>
-        <p:txBody>
-          <a:bodyPr rtlCol="0" anchor="ctr"/>
-          <a:lstStyle/>
-          <a:p>
-            <a:pPr algn="ctr"/>
-            <a:r>
-              <a:rPr lang="nl-BE" dirty="0" smtClean="0"/>
-              <a:t>sleutelcom-petentie200</a:t>
-            </a:r>
-            <a:endParaRPr lang="en-US" dirty="0"/>
-          </a:p>
-        </p:txBody>
-      </p:sp>
-      <p:cxnSp>
-        <p:nvCxnSpPr>
-          <p:cNvPr id="44" name="Curved Connector 43"/>
-          <p:cNvCxnSpPr>
-            <a:stCxn id="3" idx="3"/>
-            <a:endCxn id="9" idx="1"/>
-          </p:cNvCxnSpPr>
-          <p:nvPr/>
-        </p:nvCxnSpPr>
-        <p:spPr>
-          <a:xfrm flipV="1">
-            <a:off x="2000752" y="1788506"/>
-            <a:ext cx="885759" cy="6350"/>
-          </a:xfrm>
-          <a:prstGeom prst="curvedConnector3">
-            <a:avLst/>
-          </a:prstGeom>
-          <a:ln>
-            <a:tailEnd type="triangle"/>
-          </a:ln>
-        </p:spPr>
-        <p:style>
-          <a:lnRef idx="3">
-            <a:schemeClr val="accent5"/>
-          </a:lnRef>
-          <a:fillRef idx="0">
-            <a:schemeClr val="accent5"/>
-          </a:fillRef>
-          <a:effectRef idx="2">
-            <a:schemeClr val="accent5"/>
-          </a:effectRef>
-          <a:fontRef idx="minor">
-            <a:schemeClr val="tx1"/>
-          </a:fontRef>
-        </p:style>
-      </p:cxnSp>
-      <p:cxnSp>
-        <p:nvCxnSpPr>
-          <p:cNvPr id="55" name="Curved Connector 54"/>
-          <p:cNvCxnSpPr>
-            <a:stCxn id="3" idx="3"/>
-            <a:endCxn id="11" idx="1"/>
-          </p:cNvCxnSpPr>
-          <p:nvPr/>
-        </p:nvCxnSpPr>
-        <p:spPr>
-          <a:xfrm>
-            <a:off x="2000752" y="1794856"/>
-            <a:ext cx="885758" cy="1403987"/>
-          </a:xfrm>
-          <a:prstGeom prst="curvedConnector3">
-            <a:avLst>
-              <a:gd name="adj1" fmla="val 50000"/>
-            </a:avLst>
-          </a:prstGeom>
-          <a:ln>
-            <a:tailEnd type="triangle"/>
-          </a:ln>
-        </p:spPr>
-        <p:style>
-          <a:lnRef idx="3">
-            <a:schemeClr val="accent5"/>
-          </a:lnRef>
-          <a:fillRef idx="0">
-            <a:schemeClr val="accent5"/>
-          </a:fillRef>
-          <a:effectRef idx="2">
-            <a:schemeClr val="accent5"/>
-          </a:effectRef>
-          <a:fontRef idx="minor">
-            <a:schemeClr val="tx1"/>
-          </a:fontRef>
-        </p:style>
-      </p:cxnSp>
-      <p:cxnSp>
-        <p:nvCxnSpPr>
-          <p:cNvPr id="63" name="Curved Connector 62"/>
-          <p:cNvCxnSpPr>
-            <a:stCxn id="3" idx="3"/>
-            <a:endCxn id="12" idx="1"/>
-          </p:cNvCxnSpPr>
-          <p:nvPr/>
-        </p:nvCxnSpPr>
-        <p:spPr>
-          <a:xfrm>
-            <a:off x="2000752" y="1794856"/>
-            <a:ext cx="858495" cy="2787864"/>
-          </a:xfrm>
-          <a:prstGeom prst="curvedConnector3">
-            <a:avLst>
-              <a:gd name="adj1" fmla="val 50000"/>
-            </a:avLst>
-          </a:prstGeom>
-          <a:ln>
-            <a:tailEnd type="triangle"/>
-          </a:ln>
-        </p:spPr>
-        <p:style>
-          <a:lnRef idx="3">
-            <a:schemeClr val="accent5"/>
-          </a:lnRef>
-          <a:fillRef idx="0">
-            <a:schemeClr val="accent5"/>
-          </a:fillRef>
-          <a:effectRef idx="2">
-            <a:schemeClr val="accent5"/>
-          </a:effectRef>
-          <a:fontRef idx="minor">
-            <a:schemeClr val="tx1"/>
-          </a:fontRef>
-        </p:style>
-      </p:cxnSp>
-      <p:sp>
-        <p:nvSpPr>
-          <p:cNvPr id="85" name="TextBox 84"/>
-          <p:cNvSpPr txBox="1"/>
-          <p:nvPr/>
-        </p:nvSpPr>
-        <p:spPr>
-          <a:xfrm>
-            <a:off x="10417968" y="5598968"/>
-            <a:ext cx="1446486" cy="369332"/>
-          </a:xfrm>
-          <a:prstGeom prst="rect">
-            <a:avLst/>
-          </a:prstGeom>
-          <a:noFill/>
-        </p:spPr>
-        <p:txBody>
-          <a:bodyPr wrap="none" rtlCol="0">
-            <a:spAutoFit/>
-          </a:bodyPr>
-          <a:lstStyle/>
-          <a:p>
-            <a:r>
-              <a:rPr lang="nl-BE" dirty="0" err="1" smtClean="0"/>
-              <a:t>skos:member</a:t>
-            </a:r>
-            <a:endParaRPr lang="en-US" dirty="0"/>
-          </a:p>
-        </p:txBody>
-      </p:sp>
-      <p:cxnSp>
-        <p:nvCxnSpPr>
-          <p:cNvPr id="107" name="Straight Arrow Connector 106"/>
-          <p:cNvCxnSpPr/>
-          <p:nvPr/>
-        </p:nvCxnSpPr>
-        <p:spPr>
-          <a:xfrm>
-            <a:off x="10482087" y="6042237"/>
-            <a:ext cx="1241571" cy="0"/>
-          </a:xfrm>
-          <a:prstGeom prst="straightConnector1">
-            <a:avLst/>
-          </a:prstGeom>
-          <a:ln>
-            <a:tailEnd type="triangle"/>
-          </a:ln>
-        </p:spPr>
-        <p:style>
-          <a:lnRef idx="3">
-            <a:schemeClr val="accent5"/>
-          </a:lnRef>
-          <a:fillRef idx="0">
-            <a:schemeClr val="accent5"/>
-          </a:fillRef>
-          <a:effectRef idx="2">
-            <a:schemeClr val="accent5"/>
-          </a:effectRef>
-          <a:fontRef idx="minor">
-            <a:schemeClr val="tx1"/>
-          </a:fontRef>
-        </p:style>
-      </p:cxnSp>
-      <p:sp>
-        <p:nvSpPr>
-          <p:cNvPr id="24" name="Rectangle 23"/>
-          <p:cNvSpPr/>
-          <p:nvPr/>
-        </p:nvSpPr>
-        <p:spPr>
-          <a:xfrm>
-            <a:off x="8108003" y="1379601"/>
-            <a:ext cx="1669409" cy="830510"/>
-          </a:xfrm>
-          <a:prstGeom prst="rect">
-            <a:avLst/>
-          </a:prstGeom>
-        </p:spPr>
-        <p:style>
-          <a:lnRef idx="2">
-            <a:schemeClr val="accent1">
-              <a:shade val="50000"/>
-            </a:schemeClr>
-          </a:lnRef>
-          <a:fillRef idx="1">
-            <a:schemeClr val="accent1"/>
-          </a:fillRef>
-          <a:effectRef idx="0">
-            <a:schemeClr val="accent1"/>
-          </a:effectRef>
-          <a:fontRef idx="minor">
-            <a:schemeClr val="lt1"/>
-          </a:fontRef>
-        </p:style>
-        <p:txBody>
-          <a:bodyPr rtlCol="0" anchor="ctr"/>
-          <a:lstStyle/>
-          <a:p>
-            <a:pPr algn="ctr"/>
-            <a:r>
-              <a:rPr lang="nl-BE" dirty="0" smtClean="0"/>
-              <a:t>subdomein110</a:t>
-            </a:r>
-            <a:endParaRPr lang="en-US" dirty="0"/>
-          </a:p>
-        </p:txBody>
-      </p:sp>
-      <p:sp>
-        <p:nvSpPr>
-          <p:cNvPr id="25" name="Rectangle 24"/>
-          <p:cNvSpPr/>
-          <p:nvPr/>
-        </p:nvSpPr>
-        <p:spPr>
-          <a:xfrm>
-            <a:off x="9879521" y="1379601"/>
-            <a:ext cx="1669409" cy="830510"/>
-          </a:xfrm>
-          <a:prstGeom prst="rect">
-            <a:avLst/>
-          </a:prstGeom>
-        </p:spPr>
-        <p:style>
-          <a:lnRef idx="2">
-            <a:schemeClr val="accent1">
-              <a:shade val="50000"/>
-            </a:schemeClr>
-          </a:lnRef>
-          <a:fillRef idx="1">
-            <a:schemeClr val="accent1"/>
-          </a:fillRef>
-          <a:effectRef idx="0">
-            <a:schemeClr val="accent1"/>
-          </a:effectRef>
-          <a:fontRef idx="minor">
-            <a:schemeClr val="lt1"/>
-          </a:fontRef>
-        </p:style>
-        <p:txBody>
-          <a:bodyPr rtlCol="0" anchor="ctr"/>
-          <a:lstStyle/>
-          <a:p>
-            <a:pPr algn="ctr"/>
-            <a:r>
-              <a:rPr lang="nl-BE" dirty="0" smtClean="0"/>
-              <a:t>thema120</a:t>
-            </a:r>
-            <a:endParaRPr lang="en-US" dirty="0"/>
-          </a:p>
-        </p:txBody>
-      </p:sp>
-      <p:sp>
-        <p:nvSpPr>
-          <p:cNvPr id="34" name="Rectangle 33"/>
-          <p:cNvSpPr/>
-          <p:nvPr/>
-        </p:nvSpPr>
-        <p:spPr>
-          <a:xfrm>
-            <a:off x="8108002" y="2783588"/>
-            <a:ext cx="1669409" cy="830510"/>
-          </a:xfrm>
-          <a:prstGeom prst="rect">
-            <a:avLst/>
-          </a:prstGeom>
-        </p:spPr>
-        <p:style>
-          <a:lnRef idx="2">
-            <a:schemeClr val="accent1">
-              <a:shade val="50000"/>
-            </a:schemeClr>
-          </a:lnRef>
-          <a:fillRef idx="1">
-            <a:schemeClr val="accent1"/>
-          </a:fillRef>
-          <a:effectRef idx="0">
-            <a:schemeClr val="accent1"/>
-          </a:effectRef>
-          <a:fontRef idx="minor">
-            <a:schemeClr val="lt1"/>
-          </a:fontRef>
-        </p:style>
-        <p:txBody>
-          <a:bodyPr rtlCol="0" anchor="ctr"/>
-          <a:lstStyle/>
-          <a:p>
-            <a:pPr algn="ctr"/>
-            <a:r>
-              <a:rPr lang="nl-BE" dirty="0" smtClean="0"/>
-              <a:t>bouwsteen210</a:t>
-            </a:r>
-            <a:endParaRPr lang="en-US" dirty="0"/>
-          </a:p>
-        </p:txBody>
-      </p:sp>
-      <p:sp>
-        <p:nvSpPr>
-          <p:cNvPr id="35" name="Rectangle 34"/>
-          <p:cNvSpPr/>
-          <p:nvPr/>
-        </p:nvSpPr>
-        <p:spPr>
-          <a:xfrm>
-            <a:off x="6336484" y="4167465"/>
-            <a:ext cx="1669409" cy="830510"/>
-          </a:xfrm>
-          <a:prstGeom prst="rect">
-            <a:avLst/>
-          </a:prstGeom>
-        </p:spPr>
-        <p:style>
-          <a:lnRef idx="2">
-            <a:schemeClr val="accent1">
-              <a:shade val="50000"/>
-            </a:schemeClr>
-          </a:lnRef>
-          <a:fillRef idx="1">
-            <a:schemeClr val="accent1"/>
-          </a:fillRef>
-          <a:effectRef idx="0">
-            <a:schemeClr val="accent1"/>
-          </a:effectRef>
-          <a:fontRef idx="minor">
-            <a:schemeClr val="lt1"/>
-          </a:fontRef>
-        </p:style>
-        <p:txBody>
-          <a:bodyPr rtlCol="0" anchor="ctr"/>
-          <a:lstStyle/>
-          <a:p>
-            <a:pPr algn="ctr"/>
-            <a:r>
-              <a:rPr lang="nl-BE" dirty="0" smtClean="0"/>
-              <a:t>wetenschaps-domein300</a:t>
-            </a:r>
-            <a:endParaRPr lang="en-US" dirty="0"/>
-          </a:p>
-        </p:txBody>
-      </p:sp>
-      <p:cxnSp>
-        <p:nvCxnSpPr>
-          <p:cNvPr id="36" name="Straight Arrow Connector 35"/>
-          <p:cNvCxnSpPr/>
-          <p:nvPr/>
-        </p:nvCxnSpPr>
-        <p:spPr>
-          <a:xfrm>
-            <a:off x="10482087" y="6515327"/>
-            <a:ext cx="1241571" cy="0"/>
-          </a:xfrm>
-          <a:prstGeom prst="straightConnector1">
-            <a:avLst/>
-          </a:prstGeom>
-          <a:ln>
-            <a:headEnd type="triangle"/>
-            <a:tailEnd type="triangle"/>
-          </a:ln>
-        </p:spPr>
-        <p:style>
-          <a:lnRef idx="3">
-            <a:schemeClr val="accent3"/>
-          </a:lnRef>
-          <a:fillRef idx="0">
-            <a:schemeClr val="accent3"/>
-          </a:fillRef>
-          <a:effectRef idx="2">
-            <a:schemeClr val="accent3"/>
-          </a:effectRef>
-          <a:fontRef idx="minor">
-            <a:schemeClr val="tx1"/>
-          </a:fontRef>
-        </p:style>
-      </p:cxnSp>
-      <p:sp>
-        <p:nvSpPr>
-          <p:cNvPr id="37" name="TextBox 36"/>
-          <p:cNvSpPr txBox="1"/>
-          <p:nvPr/>
-        </p:nvSpPr>
-        <p:spPr>
-          <a:xfrm>
-            <a:off x="10399495" y="6116175"/>
-            <a:ext cx="1310615" cy="369332"/>
-          </a:xfrm>
-          <a:prstGeom prst="rect">
-            <a:avLst/>
-          </a:prstGeom>
-          <a:noFill/>
-        </p:spPr>
-        <p:txBody>
-          <a:bodyPr wrap="none" rtlCol="0">
-            <a:spAutoFit/>
-          </a:bodyPr>
-          <a:lstStyle/>
-          <a:p>
-            <a:r>
-              <a:rPr lang="nl-BE" dirty="0" err="1" smtClean="0"/>
-              <a:t>skos:related</a:t>
-            </a:r>
-            <a:endParaRPr lang="en-US" dirty="0"/>
-          </a:p>
-        </p:txBody>
-      </p:sp>
-      <p:cxnSp>
-        <p:nvCxnSpPr>
-          <p:cNvPr id="38" name="Straight Arrow Connector 37"/>
-          <p:cNvCxnSpPr>
-            <a:stCxn id="9" idx="3"/>
-            <a:endCxn id="10" idx="1"/>
-          </p:cNvCxnSpPr>
-          <p:nvPr/>
-        </p:nvCxnSpPr>
-        <p:spPr>
-          <a:xfrm>
-            <a:off x="4555920" y="1788506"/>
-            <a:ext cx="1780565" cy="0"/>
-          </a:xfrm>
-          <a:prstGeom prst="straightConnector1">
-            <a:avLst/>
-          </a:prstGeom>
-          <a:ln>
-            <a:headEnd type="triangle"/>
-            <a:tailEnd type="triangle"/>
-          </a:ln>
-        </p:spPr>
-        <p:style>
-          <a:lnRef idx="3">
-            <a:schemeClr val="accent3"/>
-          </a:lnRef>
-          <a:fillRef idx="0">
-            <a:schemeClr val="accent3"/>
-          </a:fillRef>
-          <a:effectRef idx="2">
-            <a:schemeClr val="accent3"/>
-          </a:effectRef>
-          <a:fontRef idx="minor">
-            <a:schemeClr val="tx1"/>
-          </a:fontRef>
-        </p:style>
-      </p:cxnSp>
-      <p:cxnSp>
-        <p:nvCxnSpPr>
-          <p:cNvPr id="41" name="Straight Arrow Connector 40"/>
-          <p:cNvCxnSpPr>
-            <a:endCxn id="24" idx="0"/>
-          </p:cNvCxnSpPr>
-          <p:nvPr/>
-        </p:nvCxnSpPr>
-        <p:spPr>
-          <a:xfrm flipV="1">
-            <a:off x="4583184" y="1379601"/>
-            <a:ext cx="4359524" cy="408906"/>
-          </a:xfrm>
-          <a:prstGeom prst="curvedConnector4">
-            <a:avLst>
-              <a:gd name="adj1" fmla="val 31768"/>
-              <a:gd name="adj2" fmla="val 211297"/>
-            </a:avLst>
-          </a:prstGeom>
-          <a:ln>
-            <a:headEnd type="triangle"/>
-            <a:tailEnd type="triangle"/>
-          </a:ln>
-        </p:spPr>
-        <p:style>
-          <a:lnRef idx="3">
-            <a:schemeClr val="accent3"/>
-          </a:lnRef>
-          <a:fillRef idx="0">
-            <a:schemeClr val="accent3"/>
-          </a:fillRef>
-          <a:effectRef idx="2">
-            <a:schemeClr val="accent3"/>
-          </a:effectRef>
-          <a:fontRef idx="minor">
-            <a:schemeClr val="tx1"/>
-          </a:fontRef>
-        </p:style>
-      </p:cxnSp>
-      <p:cxnSp>
-        <p:nvCxnSpPr>
-          <p:cNvPr id="47" name="Straight Arrow Connector 40"/>
-          <p:cNvCxnSpPr>
-            <a:stCxn id="9" idx="3"/>
-            <a:endCxn id="25" idx="0"/>
-          </p:cNvCxnSpPr>
-          <p:nvPr/>
-        </p:nvCxnSpPr>
-        <p:spPr>
-          <a:xfrm flipV="1">
-            <a:off x="4555920" y="1379601"/>
-            <a:ext cx="6158306" cy="408905"/>
-          </a:xfrm>
-          <a:prstGeom prst="curvedConnector4">
-            <a:avLst>
-              <a:gd name="adj1" fmla="val 18703"/>
-              <a:gd name="adj2" fmla="val 301068"/>
-            </a:avLst>
-          </a:prstGeom>
-          <a:ln>
-            <a:headEnd type="triangle"/>
-            <a:tailEnd type="triangle"/>
-          </a:ln>
-        </p:spPr>
-        <p:style>
-          <a:lnRef idx="3">
-            <a:schemeClr val="accent3"/>
-          </a:lnRef>
-          <a:fillRef idx="0">
-            <a:schemeClr val="accent3"/>
-          </a:fillRef>
-          <a:effectRef idx="2">
-            <a:schemeClr val="accent3"/>
-          </a:effectRef>
-          <a:fontRef idx="minor">
-            <a:schemeClr val="tx1"/>
-          </a:fontRef>
-        </p:style>
-      </p:cxnSp>
-      <p:cxnSp>
-        <p:nvCxnSpPr>
-          <p:cNvPr id="54" name="Straight Arrow Connector 53"/>
-          <p:cNvCxnSpPr/>
-          <p:nvPr/>
-        </p:nvCxnSpPr>
-        <p:spPr>
-          <a:xfrm>
-            <a:off x="4542287" y="3188788"/>
-            <a:ext cx="1780565" cy="0"/>
-          </a:xfrm>
-          <a:prstGeom prst="straightConnector1">
-            <a:avLst/>
-          </a:prstGeom>
-          <a:ln>
-            <a:headEnd type="triangle"/>
-            <a:tailEnd type="triangle"/>
-          </a:ln>
-        </p:spPr>
-        <p:style>
-          <a:lnRef idx="3">
-            <a:schemeClr val="accent3"/>
-          </a:lnRef>
-          <a:fillRef idx="0">
-            <a:schemeClr val="accent3"/>
-          </a:fillRef>
-          <a:effectRef idx="2">
-            <a:schemeClr val="accent3"/>
-          </a:effectRef>
-          <a:fontRef idx="minor">
-            <a:schemeClr val="tx1"/>
-          </a:fontRef>
-        </p:style>
-      </p:cxnSp>
-      <p:cxnSp>
-        <p:nvCxnSpPr>
-          <p:cNvPr id="56" name="Straight Arrow Connector 55"/>
-          <p:cNvCxnSpPr/>
-          <p:nvPr/>
-        </p:nvCxnSpPr>
-        <p:spPr>
-          <a:xfrm>
-            <a:off x="4542287" y="4585769"/>
-            <a:ext cx="1780565" cy="0"/>
-          </a:xfrm>
-          <a:prstGeom prst="straightConnector1">
-            <a:avLst/>
-          </a:prstGeom>
-          <a:ln>
-            <a:headEnd type="triangle"/>
-            <a:tailEnd type="triangle"/>
-          </a:ln>
-        </p:spPr>
-        <p:style>
-          <a:lnRef idx="3">
-            <a:schemeClr val="accent3"/>
-          </a:lnRef>
-          <a:fillRef idx="0">
-            <a:schemeClr val="accent3"/>
-          </a:fillRef>
-          <a:effectRef idx="2">
-            <a:schemeClr val="accent3"/>
-          </a:effectRef>
-          <a:fontRef idx="minor">
-            <a:schemeClr val="tx1"/>
-          </a:fontRef>
-        </p:style>
-      </p:cxnSp>
-      <p:cxnSp>
-        <p:nvCxnSpPr>
-          <p:cNvPr id="57" name="Straight Arrow Connector 40"/>
-          <p:cNvCxnSpPr/>
-          <p:nvPr/>
-        </p:nvCxnSpPr>
-        <p:spPr>
-          <a:xfrm flipV="1">
-            <a:off x="4528656" y="2773532"/>
-            <a:ext cx="4359524" cy="408906"/>
-          </a:xfrm>
-          <a:prstGeom prst="curvedConnector4">
-            <a:avLst>
-              <a:gd name="adj1" fmla="val 31768"/>
-              <a:gd name="adj2" fmla="val 211297"/>
-            </a:avLst>
-          </a:prstGeom>
-          <a:ln>
-            <a:headEnd type="triangle"/>
-            <a:tailEnd type="triangle"/>
-          </a:ln>
-        </p:spPr>
-        <p:style>
-          <a:lnRef idx="3">
-            <a:schemeClr val="accent3"/>
-          </a:lnRef>
-          <a:fillRef idx="0">
-            <a:schemeClr val="accent3"/>
-          </a:fillRef>
-          <a:effectRef idx="2">
-            <a:schemeClr val="accent3"/>
-          </a:effectRef>
-          <a:fontRef idx="minor">
-            <a:schemeClr val="tx1"/>
-          </a:fontRef>
-        </p:style>
-      </p:cxnSp>
     </p:spTree>
     <p:extLst>
       <p:ext uri="{BB962C8B-B14F-4D97-AF65-F5344CB8AC3E}">
-        <p14:creationId xmlns:p14="http://schemas.microsoft.com/office/powerpoint/2010/main" val="2560485309"/>
+        <p14:creationId xmlns:p14="http://schemas.microsoft.com/office/powerpoint/2010/main" val="1387079543"/>
       </p:ext>
     </p:extLst>
   </p:cSld>
